--- a/11-jQuery.pptx
+++ b/11-jQuery.pptx
@@ -5,7 +5,7 @@
     <p:sldMasterId id="2147483648" r:id="rId1"/>
   </p:sldMasterIdLst>
   <p:notesMasterIdLst>
-    <p:notesMasterId r:id="rId19"/>
+    <p:notesMasterId r:id="rId31"/>
   </p:notesMasterIdLst>
   <p:sldIdLst>
     <p:sldId id="256" r:id="rId2"/>
@@ -23,8 +23,20 @@
     <p:sldId id="356" r:id="rId14"/>
     <p:sldId id="357" r:id="rId15"/>
     <p:sldId id="358" r:id="rId16"/>
-    <p:sldId id="345" r:id="rId17"/>
-    <p:sldId id="359" r:id="rId18"/>
+    <p:sldId id="360" r:id="rId17"/>
+    <p:sldId id="361" r:id="rId18"/>
+    <p:sldId id="362" r:id="rId19"/>
+    <p:sldId id="363" r:id="rId20"/>
+    <p:sldId id="364" r:id="rId21"/>
+    <p:sldId id="365" r:id="rId22"/>
+    <p:sldId id="366" r:id="rId23"/>
+    <p:sldId id="367" r:id="rId24"/>
+    <p:sldId id="368" r:id="rId25"/>
+    <p:sldId id="369" r:id="rId26"/>
+    <p:sldId id="370" r:id="rId27"/>
+    <p:sldId id="371" r:id="rId28"/>
+    <p:sldId id="345" r:id="rId29"/>
+    <p:sldId id="359" r:id="rId30"/>
   </p:sldIdLst>
   <p:sldSz cx="9144000" cy="6858000" type="screen4x3"/>
   <p:notesSz cx="6858000" cy="9144000"/>
@@ -236,7 +248,7 @@
           <a:p>
             <a:fld id="{2E054F57-E93D-4CC3-8A27-2F256E70BB98}" type="datetimeFigureOut">
               <a:rPr lang="en-US" smtClean="0"/>
-              <a:t>04 Sep 15</a:t>
+              <a:t>09 Sep 15</a:t>
             </a:fld>
             <a:endParaRPr lang="en-US"/>
           </a:p>
@@ -685,7 +697,7 @@
           <a:p>
             <a:fld id="{3EA744D9-3FBE-48D8-BF2A-85DF203E4D20}" type="datetimeFigureOut">
               <a:rPr lang="bg-BG" smtClean="0"/>
-              <a:t>4.9.2015 г.</a:t>
+              <a:t>9.9.2015 г.</a:t>
             </a:fld>
             <a:endParaRPr lang="bg-BG"/>
           </a:p>
@@ -855,7 +867,7 @@
           <a:p>
             <a:fld id="{3EA744D9-3FBE-48D8-BF2A-85DF203E4D20}" type="datetimeFigureOut">
               <a:rPr lang="bg-BG" smtClean="0"/>
-              <a:t>4.9.2015 г.</a:t>
+              <a:t>9.9.2015 г.</a:t>
             </a:fld>
             <a:endParaRPr lang="bg-BG"/>
           </a:p>
@@ -1035,7 +1047,7 @@
           <a:p>
             <a:fld id="{3EA744D9-3FBE-48D8-BF2A-85DF203E4D20}" type="datetimeFigureOut">
               <a:rPr lang="bg-BG" smtClean="0"/>
-              <a:t>4.9.2015 г.</a:t>
+              <a:t>9.9.2015 г.</a:t>
             </a:fld>
             <a:endParaRPr lang="bg-BG"/>
           </a:p>
@@ -1205,7 +1217,7 @@
           <a:p>
             <a:fld id="{3EA744D9-3FBE-48D8-BF2A-85DF203E4D20}" type="datetimeFigureOut">
               <a:rPr lang="bg-BG" smtClean="0"/>
-              <a:t>4.9.2015 г.</a:t>
+              <a:t>9.9.2015 г.</a:t>
             </a:fld>
             <a:endParaRPr lang="bg-BG"/>
           </a:p>
@@ -1451,7 +1463,7 @@
           <a:p>
             <a:fld id="{3EA744D9-3FBE-48D8-BF2A-85DF203E4D20}" type="datetimeFigureOut">
               <a:rPr lang="bg-BG" smtClean="0"/>
-              <a:t>4.9.2015 г.</a:t>
+              <a:t>9.9.2015 г.</a:t>
             </a:fld>
             <a:endParaRPr lang="bg-BG"/>
           </a:p>
@@ -1739,7 +1751,7 @@
           <a:p>
             <a:fld id="{3EA744D9-3FBE-48D8-BF2A-85DF203E4D20}" type="datetimeFigureOut">
               <a:rPr lang="bg-BG" smtClean="0"/>
-              <a:t>4.9.2015 г.</a:t>
+              <a:t>9.9.2015 г.</a:t>
             </a:fld>
             <a:endParaRPr lang="bg-BG"/>
           </a:p>
@@ -2161,7 +2173,7 @@
           <a:p>
             <a:fld id="{3EA744D9-3FBE-48D8-BF2A-85DF203E4D20}" type="datetimeFigureOut">
               <a:rPr lang="bg-BG" smtClean="0"/>
-              <a:t>4.9.2015 г.</a:t>
+              <a:t>9.9.2015 г.</a:t>
             </a:fld>
             <a:endParaRPr lang="bg-BG"/>
           </a:p>
@@ -2279,7 +2291,7 @@
           <a:p>
             <a:fld id="{3EA744D9-3FBE-48D8-BF2A-85DF203E4D20}" type="datetimeFigureOut">
               <a:rPr lang="bg-BG" smtClean="0"/>
-              <a:t>4.9.2015 г.</a:t>
+              <a:t>9.9.2015 г.</a:t>
             </a:fld>
             <a:endParaRPr lang="bg-BG"/>
           </a:p>
@@ -2374,7 +2386,7 @@
           <a:p>
             <a:fld id="{3EA744D9-3FBE-48D8-BF2A-85DF203E4D20}" type="datetimeFigureOut">
               <a:rPr lang="bg-BG" smtClean="0"/>
-              <a:t>4.9.2015 г.</a:t>
+              <a:t>9.9.2015 г.</a:t>
             </a:fld>
             <a:endParaRPr lang="bg-BG"/>
           </a:p>
@@ -2651,7 +2663,7 @@
           <a:p>
             <a:fld id="{3EA744D9-3FBE-48D8-BF2A-85DF203E4D20}" type="datetimeFigureOut">
               <a:rPr lang="bg-BG" smtClean="0"/>
-              <a:t>4.9.2015 г.</a:t>
+              <a:t>9.9.2015 г.</a:t>
             </a:fld>
             <a:endParaRPr lang="bg-BG"/>
           </a:p>
@@ -2904,7 +2916,7 @@
           <a:p>
             <a:fld id="{3EA744D9-3FBE-48D8-BF2A-85DF203E4D20}" type="datetimeFigureOut">
               <a:rPr lang="bg-BG" smtClean="0"/>
-              <a:t>4.9.2015 г.</a:t>
+              <a:t>9.9.2015 г.</a:t>
             </a:fld>
             <a:endParaRPr lang="bg-BG"/>
           </a:p>
@@ -3126,7 +3138,7 @@
           <a:p>
             <a:fld id="{3EA744D9-3FBE-48D8-BF2A-85DF203E4D20}" type="datetimeFigureOut">
               <a:rPr lang="bg-BG" smtClean="0"/>
-              <a:t>4.9.2015 г.</a:t>
+              <a:t>9.9.2015 г.</a:t>
             </a:fld>
             <a:endParaRPr lang="bg-BG"/>
           </a:p>
@@ -5224,7 +5236,17 @@
                 <a:latin typeface="Courier New" panose="02070309020205020404" pitchFamily="49" charset="0"/>
                 <a:cs typeface="Courier New" panose="02070309020205020404" pitchFamily="49" charset="0"/>
               </a:rPr>
-              <a:t>$(‘div’).animate({top: ‘200px’}, 500).</a:t>
+              <a:t>$(‘div’).animate({top: ‘200px</a:t>
+            </a:r>
+            <a:r>
+              <a:rPr lang="en-US" sz="1800" dirty="0" smtClean="0">
+                <a:solidFill>
+                  <a:schemeClr val="bg1"/>
+                </a:solidFill>
+                <a:latin typeface="Courier New" panose="02070309020205020404" pitchFamily="49" charset="0"/>
+                <a:cs typeface="Courier New" panose="02070309020205020404" pitchFamily="49" charset="0"/>
+              </a:rPr>
+              <a:t>’}, 500).</a:t>
             </a:r>
             <a:r>
               <a:rPr lang="en-US" sz="1800" dirty="0" err="1" smtClean="0">
@@ -5244,7 +5266,17 @@
                 <a:latin typeface="Courier New" panose="02070309020205020404" pitchFamily="49" charset="0"/>
                 <a:cs typeface="Courier New" panose="02070309020205020404" pitchFamily="49" charset="0"/>
               </a:rPr>
-              <a:t>(1000).</a:t>
+              <a:t>(1000</a:t>
+            </a:r>
+            <a:r>
+              <a:rPr lang="en-US" sz="1800" dirty="0" smtClean="0">
+                <a:solidFill>
+                  <a:schemeClr val="bg1"/>
+                </a:solidFill>
+                <a:latin typeface="Courier New" panose="02070309020205020404" pitchFamily="49" charset="0"/>
+                <a:cs typeface="Courier New" panose="02070309020205020404" pitchFamily="49" charset="0"/>
+              </a:rPr>
+              <a:t>).</a:t>
             </a:r>
             <a:r>
               <a:rPr lang="en-US" sz="1800" dirty="0" err="1" smtClean="0">
@@ -5264,7 +5296,17 @@
                 <a:latin typeface="Courier New" panose="02070309020205020404" pitchFamily="49" charset="0"/>
                 <a:cs typeface="Courier New" panose="02070309020205020404" pitchFamily="49" charset="0"/>
               </a:rPr>
-              <a:t>(2000);</a:t>
+              <a:t>(2000</a:t>
+            </a:r>
+            <a:r>
+              <a:rPr lang="en-US" sz="1800" dirty="0" smtClean="0">
+                <a:solidFill>
+                  <a:schemeClr val="bg1"/>
+                </a:solidFill>
+                <a:latin typeface="Courier New" panose="02070309020205020404" pitchFamily="49" charset="0"/>
+                <a:cs typeface="Courier New" panose="02070309020205020404" pitchFamily="49" charset="0"/>
+              </a:rPr>
+              <a:t>);</a:t>
             </a:r>
           </a:p>
           <a:p>
@@ -5735,30 +5777,140 @@
                 <a:latin typeface="Courier New" panose="02070309020205020404" pitchFamily="49" charset="0"/>
                 <a:cs typeface="Courier New" panose="02070309020205020404" pitchFamily="49" charset="0"/>
               </a:rPr>
-              <a:t>стойност‘</a:t>
-            </a:r>
-          </a:p>
-          <a:p>
-            <a:pPr marL="0" indent="0">
-              <a:buNone/>
-            </a:pPr>
-            <a:r>
-              <a:rPr lang="en-US" sz="1800" dirty="0" smtClean="0">
-                <a:solidFill>
-                  <a:schemeClr val="bg1"/>
-                </a:solidFill>
-                <a:latin typeface="Courier New" panose="02070309020205020404" pitchFamily="49" charset="0"/>
-                <a:cs typeface="Courier New" panose="02070309020205020404" pitchFamily="49" charset="0"/>
-              </a:rPr>
-              <a:t>});</a:t>
-            </a:r>
-            <a:endParaRPr lang="en-US" sz="1800" dirty="0" smtClean="0">
+              <a:t>стойност</a:t>
+            </a:r>
+            <a:r>
+              <a:rPr lang="bg-BG" sz="1800" dirty="0" smtClean="0">
+                <a:solidFill>
+                  <a:schemeClr val="bg1"/>
+                </a:solidFill>
+                <a:latin typeface="Courier New" panose="02070309020205020404" pitchFamily="49" charset="0"/>
+                <a:cs typeface="Courier New" panose="02070309020205020404" pitchFamily="49" charset="0"/>
+              </a:rPr>
+              <a:t>‘</a:t>
+            </a:r>
+            <a:endParaRPr lang="bg-BG" sz="1800" dirty="0" smtClean="0">
               <a:solidFill>
                 <a:schemeClr val="bg1"/>
               </a:solidFill>
               <a:latin typeface="Courier New" panose="02070309020205020404" pitchFamily="49" charset="0"/>
               <a:cs typeface="Courier New" panose="02070309020205020404" pitchFamily="49" charset="0"/>
             </a:endParaRPr>
+          </a:p>
+          <a:p>
+            <a:pPr marL="0" indent="0">
+              <a:buNone/>
+            </a:pPr>
+            <a:r>
+              <a:rPr lang="en-US" sz="1800" dirty="0" smtClean="0">
+                <a:solidFill>
+                  <a:schemeClr val="bg1"/>
+                </a:solidFill>
+                <a:latin typeface="Courier New" panose="02070309020205020404" pitchFamily="49" charset="0"/>
+                <a:cs typeface="Courier New" panose="02070309020205020404" pitchFamily="49" charset="0"/>
+              </a:rPr>
+              <a:t>});</a:t>
+            </a:r>
+          </a:p>
+          <a:p>
+            <a:pPr marL="0" indent="0">
+              <a:buNone/>
+            </a:pPr>
+            <a:r>
+              <a:rPr lang="en-US" sz="1800" dirty="0" smtClean="0">
+                <a:solidFill>
+                  <a:schemeClr val="bg1"/>
+                </a:solidFill>
+                <a:latin typeface="Courier New" panose="02070309020205020404" pitchFamily="49" charset="0"/>
+                <a:cs typeface="Courier New" panose="02070309020205020404" pitchFamily="49" charset="0"/>
+              </a:rPr>
+              <a:t>$(‘div’).</a:t>
+            </a:r>
+            <a:r>
+              <a:rPr lang="en-US" sz="1800" dirty="0" err="1" smtClean="0">
+                <a:solidFill>
+                  <a:schemeClr val="bg1"/>
+                </a:solidFill>
+                <a:latin typeface="Courier New" panose="02070309020205020404" pitchFamily="49" charset="0"/>
+                <a:cs typeface="Courier New" panose="02070309020205020404" pitchFamily="49" charset="0"/>
+              </a:rPr>
+              <a:t>css</a:t>
+            </a:r>
+            <a:r>
+              <a:rPr lang="en-US" sz="1800" dirty="0" smtClean="0">
+                <a:solidFill>
+                  <a:schemeClr val="bg1"/>
+                </a:solidFill>
+                <a:latin typeface="Courier New" panose="02070309020205020404" pitchFamily="49" charset="0"/>
+                <a:cs typeface="Courier New" panose="02070309020205020404" pitchFamily="49" charset="0"/>
+              </a:rPr>
+              <a:t>({</a:t>
+            </a:r>
+          </a:p>
+          <a:p>
+            <a:pPr marL="0" indent="0">
+              <a:buNone/>
+            </a:pPr>
+            <a:r>
+              <a:rPr lang="en-US" sz="1800" dirty="0">
+                <a:solidFill>
+                  <a:schemeClr val="bg1"/>
+                </a:solidFill>
+                <a:latin typeface="Courier New" panose="02070309020205020404" pitchFamily="49" charset="0"/>
+                <a:cs typeface="Courier New" panose="02070309020205020404" pitchFamily="49" charset="0"/>
+              </a:rPr>
+              <a:t>	</a:t>
+            </a:r>
+            <a:r>
+              <a:rPr lang="en-US" sz="1800" dirty="0" smtClean="0">
+                <a:solidFill>
+                  <a:schemeClr val="bg1"/>
+                </a:solidFill>
+                <a:latin typeface="Courier New" panose="02070309020205020404" pitchFamily="49" charset="0"/>
+                <a:cs typeface="Courier New" panose="02070309020205020404" pitchFamily="49" charset="0"/>
+              </a:rPr>
+              <a:t>‘background’: ‘red’,</a:t>
+            </a:r>
+          </a:p>
+          <a:p>
+            <a:pPr marL="0" indent="0">
+              <a:buNone/>
+            </a:pPr>
+            <a:r>
+              <a:rPr lang="en-US" sz="1800" dirty="0">
+                <a:solidFill>
+                  <a:schemeClr val="bg1"/>
+                </a:solidFill>
+                <a:latin typeface="Courier New" panose="02070309020205020404" pitchFamily="49" charset="0"/>
+                <a:cs typeface="Courier New" panose="02070309020205020404" pitchFamily="49" charset="0"/>
+              </a:rPr>
+              <a:t>	</a:t>
+            </a:r>
+            <a:r>
+              <a:rPr lang="en-US" sz="1800" dirty="0" smtClean="0">
+                <a:solidFill>
+                  <a:schemeClr val="bg1"/>
+                </a:solidFill>
+                <a:latin typeface="Courier New" panose="02070309020205020404" pitchFamily="49" charset="0"/>
+                <a:cs typeface="Courier New" panose="02070309020205020404" pitchFamily="49" charset="0"/>
+              </a:rPr>
+              <a:t>‘height’: ‘200px’</a:t>
+            </a:r>
+          </a:p>
+          <a:p>
+            <a:pPr marL="0" indent="0">
+              <a:buNone/>
+            </a:pPr>
+            <a:r>
+              <a:rPr lang="en-US" sz="1800" dirty="0" smtClean="0">
+                <a:solidFill>
+                  <a:schemeClr val="bg1"/>
+                </a:solidFill>
+                <a:latin typeface="Courier New" panose="02070309020205020404" pitchFamily="49" charset="0"/>
+                <a:cs typeface="Courier New" panose="02070309020205020404" pitchFamily="49" charset="0"/>
+              </a:rPr>
+              <a:t>});</a:t>
+            </a:r>
           </a:p>
         </p:txBody>
       </p:sp>
@@ -5772,11 +5924,11 @@
   <p:clrMapOvr>
     <a:masterClrMapping/>
   </p:clrMapOvr>
-  <mc:AlternateContent xmlns:mc="http://schemas.openxmlformats.org/markup-compatibility/2006">
-    <mc:Choice xmlns:p14="http://schemas.microsoft.com/office/powerpoint/2010/main" Requires="p14">
+  <mc:AlternateContent xmlns:mc="http://schemas.openxmlformats.org/markup-compatibility/2006" xmlns:p14="http://schemas.microsoft.com/office/powerpoint/2010/main">
+    <mc:Choice Requires="p14">
       <p:transition spd="slow" p14:dur="2000"/>
     </mc:Choice>
-    <mc:Fallback>
+    <mc:Fallback xmlns="">
       <p:transition spd="slow"/>
     </mc:Fallback>
   </mc:AlternateContent>
@@ -5819,24 +5971,34 @@
         </p:nvSpPr>
         <p:spPr>
           <a:xfrm>
-            <a:off x="838200" y="685800"/>
-            <a:ext cx="8229600" cy="1143000"/>
+            <a:off x="457200" y="685800"/>
+            <a:ext cx="8610600" cy="1143000"/>
           </a:xfrm>
         </p:spPr>
         <p:txBody>
-          <a:bodyPr/>
+          <a:bodyPr>
+            <a:normAutofit/>
+          </a:bodyPr>
           <a:lstStyle/>
           <a:p>
             <a:pPr algn="l"/>
             <a:r>
-              <a:rPr lang="bg-BG" dirty="0" smtClean="0">
+              <a:rPr lang="en-US" sz="3000" dirty="0" smtClean="0">
                 <a:solidFill>
                   <a:schemeClr val="accent6"/>
                 </a:solidFill>
               </a:rPr>
-              <a:t>Задачи за домашна работа</a:t>
-            </a:r>
-            <a:endParaRPr lang="bg-BG" dirty="0">
+              <a:t>jQuery</a:t>
+            </a:r>
+            <a:r>
+              <a:rPr lang="bg-BG" sz="3000" dirty="0" smtClean="0">
+                <a:solidFill>
+                  <a:schemeClr val="accent6"/>
+                </a:solidFill>
+              </a:rPr>
+              <a:t> – взимане на съдържание и атрибути</a:t>
+            </a:r>
+            <a:endParaRPr lang="bg-BG" sz="3000" dirty="0">
               <a:solidFill>
                 <a:schemeClr val="accent6"/>
               </a:solidFill>
@@ -5856,8 +6018,8 @@
         </p:nvSpPr>
         <p:spPr>
           <a:xfrm>
-            <a:off x="762000" y="1676400"/>
-            <a:ext cx="7620000" cy="3810000"/>
+            <a:off x="457200" y="1447800"/>
+            <a:ext cx="8229600" cy="5029200"/>
           </a:xfrm>
         </p:spPr>
         <p:txBody>
@@ -5866,256 +6028,382 @@
           </a:bodyPr>
           <a:lstStyle/>
           <a:p>
-            <a:pPr marL="457200" indent="-457200">
-              <a:buAutoNum type="arabicPeriod"/>
-            </a:pPr>
-            <a:r>
-              <a:rPr lang="bg-BG" sz="2000" b="1" dirty="0" smtClean="0">
-                <a:solidFill>
-                  <a:schemeClr val="bg1">
-                    <a:lumMod val="95000"/>
-                  </a:schemeClr>
-                </a:solidFill>
-              </a:rPr>
-              <a:t>Напишете скрипт, който прихваща </a:t>
-            </a:r>
-            <a:r>
-              <a:rPr lang="en-US" sz="2000" b="1" dirty="0" smtClean="0">
-                <a:solidFill>
-                  <a:schemeClr val="bg1">
-                    <a:lumMod val="95000"/>
-                  </a:schemeClr>
-                </a:solidFill>
-              </a:rPr>
-              <a:t>click </a:t>
-            </a:r>
-            <a:r>
-              <a:rPr lang="bg-BG" sz="2000" b="1" dirty="0" smtClean="0">
-                <a:solidFill>
-                  <a:schemeClr val="bg1">
-                    <a:lumMod val="95000"/>
-                  </a:schemeClr>
-                </a:solidFill>
-              </a:rPr>
-              <a:t>събитие на елемент по избор и скрива друг елемент(отново по избор).</a:t>
-            </a:r>
-          </a:p>
-          <a:p>
-            <a:pPr marL="457200" indent="-457200">
-              <a:buAutoNum type="arabicPeriod"/>
-            </a:pPr>
-            <a:r>
-              <a:rPr lang="bg-BG" sz="2000" b="1" dirty="0" smtClean="0">
-                <a:solidFill>
-                  <a:schemeClr val="bg1">
-                    <a:lumMod val="95000"/>
-                  </a:schemeClr>
-                </a:solidFill>
-              </a:rPr>
-              <a:t>Напишете скрипт, който при зареждане на страницата анимира елемент по избор, като му прилага двойни на началните широчина и височина и </a:t>
-            </a:r>
-            <a:r>
-              <a:rPr lang="en-US" sz="2000" b="1" dirty="0" smtClean="0">
-                <a:solidFill>
-                  <a:schemeClr val="bg1">
-                    <a:lumMod val="95000"/>
-                  </a:schemeClr>
-                </a:solidFill>
-              </a:rPr>
-              <a:t>font-size.</a:t>
-            </a:r>
-            <a:endParaRPr lang="bg-BG" sz="2000" b="1" dirty="0" smtClean="0">
+            <a:pPr marL="0" indent="0">
+              <a:buNone/>
+            </a:pPr>
+            <a:r>
+              <a:rPr lang="bg-BG" sz="2500" dirty="0" smtClean="0">
+                <a:solidFill>
+                  <a:schemeClr val="bg1"/>
+                </a:solidFill>
+                <a:latin typeface="+mj-lt"/>
+                <a:cs typeface="Courier New" panose="02070309020205020404" pitchFamily="49" charset="0"/>
+              </a:rPr>
+              <a:t>В </a:t>
+            </a:r>
+            <a:r>
+              <a:rPr lang="en-US" sz="2500" dirty="0" smtClean="0">
+                <a:solidFill>
+                  <a:schemeClr val="bg1"/>
+                </a:solidFill>
+                <a:latin typeface="+mj-lt"/>
+                <a:cs typeface="Courier New" panose="02070309020205020404" pitchFamily="49" charset="0"/>
+              </a:rPr>
+              <a:t>jQuery </a:t>
+            </a:r>
+            <a:r>
+              <a:rPr lang="bg-BG" sz="2500" dirty="0" smtClean="0">
+                <a:solidFill>
+                  <a:schemeClr val="bg1"/>
+                </a:solidFill>
+                <a:latin typeface="+mj-lt"/>
+                <a:cs typeface="Courier New" panose="02070309020205020404" pitchFamily="49" charset="0"/>
+              </a:rPr>
+              <a:t>има начин да вземем атрибут по избор или съдържанието на даден елемент. Това става с методите </a:t>
+            </a:r>
+            <a:r>
+              <a:rPr lang="en-US" sz="2500" dirty="0" smtClean="0">
+                <a:solidFill>
+                  <a:schemeClr val="bg1"/>
+                </a:solidFill>
+                <a:latin typeface="+mj-lt"/>
+                <a:cs typeface="Courier New" panose="02070309020205020404" pitchFamily="49" charset="0"/>
+              </a:rPr>
+              <a:t>html(), text(), </a:t>
+            </a:r>
+            <a:r>
+              <a:rPr lang="en-US" sz="2500" dirty="0" err="1" smtClean="0">
+                <a:solidFill>
+                  <a:schemeClr val="bg1"/>
+                </a:solidFill>
+                <a:latin typeface="+mj-lt"/>
+                <a:cs typeface="Courier New" panose="02070309020205020404" pitchFamily="49" charset="0"/>
+              </a:rPr>
+              <a:t>val</a:t>
+            </a:r>
+            <a:r>
+              <a:rPr lang="en-US" sz="2500" dirty="0" smtClean="0">
+                <a:solidFill>
+                  <a:schemeClr val="bg1"/>
+                </a:solidFill>
+                <a:latin typeface="+mj-lt"/>
+                <a:cs typeface="Courier New" panose="02070309020205020404" pitchFamily="49" charset="0"/>
+              </a:rPr>
+              <a:t>() </a:t>
+            </a:r>
+            <a:r>
+              <a:rPr lang="bg-BG" sz="2500" dirty="0" smtClean="0">
+                <a:solidFill>
+                  <a:schemeClr val="bg1"/>
+                </a:solidFill>
+                <a:latin typeface="+mj-lt"/>
+                <a:cs typeface="Courier New" panose="02070309020205020404" pitchFamily="49" charset="0"/>
+              </a:rPr>
+              <a:t>и </a:t>
+            </a:r>
+            <a:r>
+              <a:rPr lang="en-US" sz="2500" dirty="0" err="1" smtClean="0">
+                <a:solidFill>
+                  <a:schemeClr val="bg1"/>
+                </a:solidFill>
+                <a:latin typeface="+mj-lt"/>
+                <a:cs typeface="Courier New" panose="02070309020205020404" pitchFamily="49" charset="0"/>
+              </a:rPr>
+              <a:t>attr</a:t>
+            </a:r>
+            <a:r>
+              <a:rPr lang="en-US" sz="2500" dirty="0" smtClean="0">
+                <a:solidFill>
+                  <a:schemeClr val="bg1"/>
+                </a:solidFill>
+                <a:latin typeface="+mj-lt"/>
+                <a:cs typeface="Courier New" panose="02070309020205020404" pitchFamily="49" charset="0"/>
+              </a:rPr>
+              <a:t>().</a:t>
+            </a:r>
+          </a:p>
+          <a:p>
+            <a:pPr marL="0" indent="0">
+              <a:buNone/>
+            </a:pPr>
+            <a:r>
+              <a:rPr lang="bg-BG" sz="2500" dirty="0" smtClean="0">
+                <a:solidFill>
+                  <a:schemeClr val="bg1"/>
+                </a:solidFill>
+                <a:latin typeface="+mj-lt"/>
+                <a:cs typeface="Courier New" panose="02070309020205020404" pitchFamily="49" charset="0"/>
+              </a:rPr>
+              <a:t>С </a:t>
+            </a:r>
+            <a:r>
+              <a:rPr lang="en-US" sz="2500" dirty="0" smtClean="0">
+                <a:solidFill>
+                  <a:schemeClr val="bg1"/>
+                </a:solidFill>
+                <a:latin typeface="+mj-lt"/>
+                <a:cs typeface="Courier New" panose="02070309020205020404" pitchFamily="49" charset="0"/>
+              </a:rPr>
+              <a:t>html() </a:t>
+            </a:r>
+            <a:r>
+              <a:rPr lang="bg-BG" sz="2500" dirty="0" smtClean="0">
+                <a:solidFill>
+                  <a:schemeClr val="bg1"/>
+                </a:solidFill>
+                <a:latin typeface="+mj-lt"/>
+                <a:cs typeface="Courier New" panose="02070309020205020404" pitchFamily="49" charset="0"/>
+              </a:rPr>
+              <a:t>метода, можем да вземем</a:t>
+            </a:r>
+            <a:r>
+              <a:rPr lang="en-US" sz="2500" dirty="0" smtClean="0">
+                <a:solidFill>
+                  <a:schemeClr val="bg1"/>
+                </a:solidFill>
+                <a:latin typeface="+mj-lt"/>
+                <a:cs typeface="Courier New" panose="02070309020205020404" pitchFamily="49" charset="0"/>
+              </a:rPr>
+              <a:t> html </a:t>
+            </a:r>
+            <a:r>
+              <a:rPr lang="bg-BG" sz="2500" dirty="0" smtClean="0">
+                <a:solidFill>
+                  <a:schemeClr val="bg1"/>
+                </a:solidFill>
+                <a:latin typeface="+mj-lt"/>
+                <a:cs typeface="Courier New" panose="02070309020205020404" pitchFamily="49" charset="0"/>
+              </a:rPr>
+              <a:t>съдържанието на елементите в елемента, който достъпваме.</a:t>
+            </a:r>
+          </a:p>
+          <a:p>
+            <a:pPr marL="0" indent="0">
+              <a:buNone/>
+            </a:pPr>
+            <a:r>
+              <a:rPr lang="en-US" sz="1800" dirty="0" smtClean="0">
+                <a:solidFill>
+                  <a:schemeClr val="bg1"/>
+                </a:solidFill>
+                <a:latin typeface="Courier New" panose="02070309020205020404" pitchFamily="49" charset="0"/>
+                <a:cs typeface="Courier New" panose="02070309020205020404" pitchFamily="49" charset="0"/>
+              </a:rPr>
+              <a:t>$(‘div’).html();</a:t>
+            </a:r>
+          </a:p>
+          <a:p>
+            <a:pPr marL="0" indent="0">
+              <a:buNone/>
+            </a:pPr>
+            <a:r>
+              <a:rPr lang="bg-BG" sz="2500" dirty="0" smtClean="0">
+                <a:solidFill>
+                  <a:schemeClr val="bg1"/>
+                </a:solidFill>
+                <a:latin typeface="+mj-lt"/>
+                <a:cs typeface="Courier New" panose="02070309020205020404" pitchFamily="49" charset="0"/>
+              </a:rPr>
+              <a:t>С </a:t>
+            </a:r>
+            <a:r>
+              <a:rPr lang="en-US" sz="2500" dirty="0" smtClean="0">
+                <a:solidFill>
+                  <a:schemeClr val="bg1"/>
+                </a:solidFill>
+                <a:latin typeface="+mj-lt"/>
+                <a:cs typeface="Courier New" panose="02070309020205020404" pitchFamily="49" charset="0"/>
+              </a:rPr>
+              <a:t>text()</a:t>
+            </a:r>
+            <a:r>
+              <a:rPr lang="bg-BG" sz="2500" dirty="0" smtClean="0">
+                <a:solidFill>
+                  <a:schemeClr val="bg1"/>
+                </a:solidFill>
+                <a:latin typeface="+mj-lt"/>
+                <a:cs typeface="Courier New" panose="02070309020205020404" pitchFamily="49" charset="0"/>
+              </a:rPr>
+              <a:t> метода, можем да вземем текстовото съдържание на елемента, който достъпваме(ако има такова) или на първия му </a:t>
+            </a:r>
+            <a:r>
+              <a:rPr lang="en-US" sz="2500" dirty="0" smtClean="0">
+                <a:solidFill>
+                  <a:schemeClr val="bg1"/>
+                </a:solidFill>
+                <a:latin typeface="+mj-lt"/>
+                <a:cs typeface="Courier New" panose="02070309020205020404" pitchFamily="49" charset="0"/>
+              </a:rPr>
+              <a:t>child.</a:t>
+            </a:r>
+            <a:endParaRPr lang="bg-BG" sz="2500" dirty="0" smtClean="0">
               <a:solidFill>
-                <a:schemeClr val="bg1">
-                  <a:lumMod val="95000"/>
-                </a:schemeClr>
+                <a:schemeClr val="bg1"/>
               </a:solidFill>
+              <a:latin typeface="+mj-lt"/>
+              <a:cs typeface="Courier New" panose="02070309020205020404" pitchFamily="49" charset="0"/>
             </a:endParaRPr>
           </a:p>
           <a:p>
-            <a:pPr marL="457200" indent="-457200">
-              <a:buAutoNum type="arabicPeriod"/>
-            </a:pPr>
-            <a:r>
-              <a:rPr lang="bg-BG" sz="2000" b="1" dirty="0" smtClean="0">
-                <a:solidFill>
-                  <a:schemeClr val="bg1">
-                    <a:lumMod val="95000"/>
-                  </a:schemeClr>
-                </a:solidFill>
-              </a:rPr>
-              <a:t>Напишете скрипт, който прихваща </a:t>
-            </a:r>
-            <a:r>
-              <a:rPr lang="en-US" sz="2000" b="1" dirty="0" smtClean="0">
-                <a:solidFill>
-                  <a:schemeClr val="bg1">
-                    <a:lumMod val="95000"/>
-                  </a:schemeClr>
-                </a:solidFill>
-              </a:rPr>
-              <a:t>click </a:t>
-            </a:r>
-            <a:r>
-              <a:rPr lang="bg-BG" sz="2000" b="1" dirty="0" smtClean="0">
-                <a:solidFill>
-                  <a:schemeClr val="bg1">
-                    <a:lumMod val="95000"/>
-                  </a:schemeClr>
-                </a:solidFill>
-              </a:rPr>
-              <a:t>събитие на даден елемент и </a:t>
-            </a:r>
-            <a:r>
-              <a:rPr lang="en-US" sz="2000" b="1" dirty="0" err="1" smtClean="0">
-                <a:solidFill>
-                  <a:schemeClr val="bg1">
-                    <a:lumMod val="95000"/>
-                  </a:schemeClr>
-                </a:solidFill>
-              </a:rPr>
-              <a:t>fadeIn</a:t>
-            </a:r>
-            <a:r>
-              <a:rPr lang="bg-BG" sz="2000" b="1" dirty="0" smtClean="0">
-                <a:solidFill>
-                  <a:schemeClr val="bg1">
-                    <a:lumMod val="95000"/>
-                  </a:schemeClr>
-                </a:solidFill>
-              </a:rPr>
-              <a:t>-ва друг.</a:t>
-            </a:r>
-          </a:p>
-          <a:p>
-            <a:pPr marL="457200" indent="-457200">
-              <a:buFont typeface="Arial" panose="020B0604020202020204" pitchFamily="34" charset="0"/>
-              <a:buAutoNum type="arabicPeriod"/>
-            </a:pPr>
-            <a:r>
-              <a:rPr lang="bg-BG" sz="2000" b="1" dirty="0">
-                <a:solidFill>
-                  <a:schemeClr val="bg1">
-                    <a:lumMod val="95000"/>
-                  </a:schemeClr>
-                </a:solidFill>
-              </a:rPr>
-              <a:t>Напишете скрипт, който прихваща </a:t>
-            </a:r>
-            <a:r>
-              <a:rPr lang="en-US" sz="2000" b="1" dirty="0">
-                <a:solidFill>
-                  <a:schemeClr val="bg1">
-                    <a:lumMod val="95000"/>
-                  </a:schemeClr>
-                </a:solidFill>
-              </a:rPr>
-              <a:t>click </a:t>
-            </a:r>
-            <a:r>
-              <a:rPr lang="bg-BG" sz="2000" b="1" dirty="0">
-                <a:solidFill>
-                  <a:schemeClr val="bg1">
-                    <a:lumMod val="95000"/>
-                  </a:schemeClr>
-                </a:solidFill>
-              </a:rPr>
-              <a:t>събитие на даден елемент и </a:t>
-            </a:r>
-            <a:r>
-              <a:rPr lang="en-US" sz="2000" b="1" dirty="0" err="1" smtClean="0">
-                <a:solidFill>
-                  <a:schemeClr val="bg1">
-                    <a:lumMod val="95000"/>
-                  </a:schemeClr>
-                </a:solidFill>
-              </a:rPr>
-              <a:t>fadeOut</a:t>
-            </a:r>
-            <a:r>
-              <a:rPr lang="bg-BG" sz="2000" b="1" dirty="0" smtClean="0">
-                <a:solidFill>
-                  <a:schemeClr val="bg1">
-                    <a:lumMod val="95000"/>
-                  </a:schemeClr>
-                </a:solidFill>
-              </a:rPr>
-              <a:t>-ва </a:t>
-            </a:r>
-            <a:r>
-              <a:rPr lang="bg-BG" sz="2000" b="1" dirty="0">
-                <a:solidFill>
-                  <a:schemeClr val="bg1">
-                    <a:lumMod val="95000"/>
-                  </a:schemeClr>
-                </a:solidFill>
-              </a:rPr>
-              <a:t>друг</a:t>
-            </a:r>
-            <a:r>
-              <a:rPr lang="bg-BG" sz="2000" b="1" dirty="0" smtClean="0">
-                <a:solidFill>
-                  <a:schemeClr val="bg1">
-                    <a:lumMod val="95000"/>
-                  </a:schemeClr>
-                </a:solidFill>
-              </a:rPr>
-              <a:t>.</a:t>
-            </a:r>
-          </a:p>
-          <a:p>
-            <a:pPr marL="457200" indent="-457200">
-              <a:buAutoNum type="arabicPeriod"/>
-            </a:pPr>
-            <a:r>
-              <a:rPr lang="bg-BG" sz="2000" b="1" dirty="0" smtClean="0">
-                <a:solidFill>
-                  <a:schemeClr val="bg1">
-                    <a:lumMod val="95000"/>
-                  </a:schemeClr>
-                </a:solidFill>
-              </a:rPr>
-              <a:t>Напишете скрипт, който прихваща </a:t>
-            </a:r>
-            <a:r>
-              <a:rPr lang="en-US" sz="2000" b="1" dirty="0" smtClean="0">
-                <a:solidFill>
-                  <a:schemeClr val="bg1">
-                    <a:lumMod val="95000"/>
-                  </a:schemeClr>
-                </a:solidFill>
-              </a:rPr>
-              <a:t>click </a:t>
-            </a:r>
-            <a:r>
-              <a:rPr lang="bg-BG" sz="2000" b="1" dirty="0" smtClean="0">
-                <a:solidFill>
-                  <a:schemeClr val="bg1">
-                    <a:lumMod val="95000"/>
-                  </a:schemeClr>
-                </a:solidFill>
-              </a:rPr>
-              <a:t>събитие на елемент по избор и прилага 5 </a:t>
-            </a:r>
-            <a:r>
-              <a:rPr lang="en-US" sz="2000" b="1" dirty="0" smtClean="0">
-                <a:solidFill>
-                  <a:schemeClr val="bg1">
-                    <a:lumMod val="95000"/>
-                  </a:schemeClr>
-                </a:solidFill>
-              </a:rPr>
-              <a:t>CSS </a:t>
-            </a:r>
-            <a:r>
-              <a:rPr lang="bg-BG" sz="2000" b="1" dirty="0" smtClean="0">
-                <a:solidFill>
-                  <a:schemeClr val="bg1">
-                    <a:lumMod val="95000"/>
-                  </a:schemeClr>
-                </a:solidFill>
-              </a:rPr>
-              <a:t>стила по избор на друг елемент.</a:t>
+            <a:pPr marL="0" indent="0">
+              <a:buNone/>
+            </a:pPr>
+            <a:r>
+              <a:rPr lang="en-US" sz="1800" dirty="0" smtClean="0">
+                <a:solidFill>
+                  <a:schemeClr val="bg1"/>
+                </a:solidFill>
+                <a:latin typeface="Courier New" panose="02070309020205020404" pitchFamily="49" charset="0"/>
+                <a:cs typeface="Courier New" panose="02070309020205020404" pitchFamily="49" charset="0"/>
+              </a:rPr>
+              <a:t>$(‘.main’).text();</a:t>
+            </a:r>
+          </a:p>
+          <a:p>
+            <a:pPr marL="0" indent="0">
+              <a:buNone/>
+            </a:pPr>
+            <a:r>
+              <a:rPr lang="bg-BG" sz="2500" dirty="0" smtClean="0">
+                <a:solidFill>
+                  <a:schemeClr val="bg1"/>
+                </a:solidFill>
+                <a:latin typeface="+mj-lt"/>
+                <a:cs typeface="Courier New" panose="02070309020205020404" pitchFamily="49" charset="0"/>
+              </a:rPr>
+              <a:t>С </a:t>
+            </a:r>
+            <a:r>
+              <a:rPr lang="en-US" sz="2500" dirty="0" err="1" smtClean="0">
+                <a:solidFill>
+                  <a:schemeClr val="bg1"/>
+                </a:solidFill>
+                <a:latin typeface="+mj-lt"/>
+                <a:cs typeface="Courier New" panose="02070309020205020404" pitchFamily="49" charset="0"/>
+              </a:rPr>
+              <a:t>val</a:t>
+            </a:r>
+            <a:r>
+              <a:rPr lang="en-US" sz="2500" dirty="0" smtClean="0">
+                <a:solidFill>
+                  <a:schemeClr val="bg1"/>
+                </a:solidFill>
+                <a:latin typeface="+mj-lt"/>
+                <a:cs typeface="Courier New" panose="02070309020205020404" pitchFamily="49" charset="0"/>
+              </a:rPr>
+              <a:t>()</a:t>
+            </a:r>
+            <a:r>
+              <a:rPr lang="bg-BG" sz="2500" dirty="0" smtClean="0">
+                <a:solidFill>
+                  <a:schemeClr val="bg1"/>
+                </a:solidFill>
+                <a:latin typeface="+mj-lt"/>
+                <a:cs typeface="Courier New" panose="02070309020205020404" pitchFamily="49" charset="0"/>
+              </a:rPr>
+              <a:t> метода, можем да вземем стойността на даден </a:t>
+            </a:r>
+            <a:r>
+              <a:rPr lang="en-US" sz="2500" dirty="0" smtClean="0">
+                <a:solidFill>
+                  <a:schemeClr val="bg1"/>
+                </a:solidFill>
+                <a:latin typeface="+mj-lt"/>
+                <a:cs typeface="Courier New" panose="02070309020205020404" pitchFamily="49" charset="0"/>
+              </a:rPr>
+              <a:t>input</a:t>
+            </a:r>
+            <a:r>
+              <a:rPr lang="bg-BG" sz="2500" dirty="0" smtClean="0">
+                <a:solidFill>
+                  <a:schemeClr val="bg1"/>
+                </a:solidFill>
+                <a:latin typeface="+mj-lt"/>
+                <a:cs typeface="Courier New" panose="02070309020205020404" pitchFamily="49" charset="0"/>
+              </a:rPr>
+              <a:t>, </a:t>
+            </a:r>
+            <a:r>
+              <a:rPr lang="en-US" sz="2500" dirty="0" smtClean="0">
+                <a:solidFill>
+                  <a:schemeClr val="bg1"/>
+                </a:solidFill>
+                <a:latin typeface="+mj-lt"/>
+                <a:cs typeface="Courier New" panose="02070309020205020404" pitchFamily="49" charset="0"/>
+              </a:rPr>
+              <a:t>select, radio button </a:t>
+            </a:r>
+            <a:r>
+              <a:rPr lang="bg-BG" sz="2500" dirty="0" smtClean="0">
+                <a:solidFill>
+                  <a:schemeClr val="bg1"/>
+                </a:solidFill>
+                <a:latin typeface="+mj-lt"/>
+                <a:cs typeface="Courier New" panose="02070309020205020404" pitchFamily="49" charset="0"/>
+              </a:rPr>
+              <a:t>и т.н. Елемент.</a:t>
+            </a:r>
+            <a:endParaRPr lang="en-US" sz="2500" dirty="0" smtClean="0">
+              <a:solidFill>
+                <a:schemeClr val="bg1"/>
+              </a:solidFill>
+              <a:latin typeface="+mj-lt"/>
+              <a:cs typeface="Courier New" panose="02070309020205020404" pitchFamily="49" charset="0"/>
+            </a:endParaRPr>
+          </a:p>
+          <a:p>
+            <a:pPr marL="0" indent="0">
+              <a:buNone/>
+            </a:pPr>
+            <a:r>
+              <a:rPr lang="en-US" sz="1800" dirty="0" smtClean="0">
+                <a:solidFill>
+                  <a:schemeClr val="bg1"/>
+                </a:solidFill>
+                <a:latin typeface="Courier New" panose="02070309020205020404" pitchFamily="49" charset="0"/>
+                <a:cs typeface="Courier New" panose="02070309020205020404" pitchFamily="49" charset="0"/>
+              </a:rPr>
+              <a:t>$(‘</a:t>
+            </a:r>
+            <a:r>
+              <a:rPr lang="en-US" sz="1800" dirty="0" err="1" smtClean="0">
+                <a:solidFill>
+                  <a:schemeClr val="bg1"/>
+                </a:solidFill>
+                <a:latin typeface="Courier New" panose="02070309020205020404" pitchFamily="49" charset="0"/>
+                <a:cs typeface="Courier New" panose="02070309020205020404" pitchFamily="49" charset="0"/>
+              </a:rPr>
+              <a:t>input#name</a:t>
+            </a:r>
+            <a:r>
+              <a:rPr lang="en-US" sz="1800" dirty="0" smtClean="0">
+                <a:solidFill>
+                  <a:schemeClr val="bg1"/>
+                </a:solidFill>
+                <a:latin typeface="Courier New" panose="02070309020205020404" pitchFamily="49" charset="0"/>
+                <a:cs typeface="Courier New" panose="02070309020205020404" pitchFamily="49" charset="0"/>
+              </a:rPr>
+              <a:t>’).</a:t>
+            </a:r>
+            <a:r>
+              <a:rPr lang="en-US" sz="1800" dirty="0" err="1" smtClean="0">
+                <a:solidFill>
+                  <a:schemeClr val="bg1"/>
+                </a:solidFill>
+                <a:latin typeface="Courier New" panose="02070309020205020404" pitchFamily="49" charset="0"/>
+                <a:cs typeface="Courier New" panose="02070309020205020404" pitchFamily="49" charset="0"/>
+              </a:rPr>
+              <a:t>val</a:t>
+            </a:r>
+            <a:r>
+              <a:rPr lang="en-US" sz="1800" dirty="0" smtClean="0">
+                <a:solidFill>
+                  <a:schemeClr val="bg1"/>
+                </a:solidFill>
+                <a:latin typeface="Courier New" panose="02070309020205020404" pitchFamily="49" charset="0"/>
+                <a:cs typeface="Courier New" panose="02070309020205020404" pitchFamily="49" charset="0"/>
+              </a:rPr>
+              <a:t>();</a:t>
             </a:r>
           </a:p>
         </p:txBody>
@@ -6123,13 +6411,21 @@
     </p:spTree>
     <p:extLst>
       <p:ext uri="{BB962C8B-B14F-4D97-AF65-F5344CB8AC3E}">
-        <p14:creationId xmlns:p14="http://schemas.microsoft.com/office/powerpoint/2010/main" val="3118085067"/>
+        <p14:creationId xmlns:p14="http://schemas.microsoft.com/office/powerpoint/2010/main" val="699410855"/>
       </p:ext>
     </p:extLst>
   </p:cSld>
   <p:clrMapOvr>
     <a:masterClrMapping/>
   </p:clrMapOvr>
+  <mc:AlternateContent xmlns:mc="http://schemas.openxmlformats.org/markup-compatibility/2006" xmlns:p14="http://schemas.microsoft.com/office/powerpoint/2010/main">
+    <mc:Choice Requires="p14">
+      <p:transition spd="slow" p14:dur="2000"/>
+    </mc:Choice>
+    <mc:Fallback xmlns="">
+      <p:transition spd="slow"/>
+    </mc:Fallback>
+  </mc:AlternateContent>
   <p:timing>
     <p:tnLst>
       <p:par>
@@ -6169,24 +6465,34 @@
         </p:nvSpPr>
         <p:spPr>
           <a:xfrm>
-            <a:off x="838200" y="685800"/>
-            <a:ext cx="8229600" cy="1143000"/>
+            <a:off x="457200" y="685800"/>
+            <a:ext cx="8610600" cy="1143000"/>
           </a:xfrm>
         </p:spPr>
         <p:txBody>
-          <a:bodyPr/>
+          <a:bodyPr>
+            <a:normAutofit/>
+          </a:bodyPr>
           <a:lstStyle/>
           <a:p>
             <a:pPr algn="l"/>
             <a:r>
-              <a:rPr lang="bg-BG" dirty="0" smtClean="0">
+              <a:rPr lang="en-US" sz="3000" dirty="0" smtClean="0">
                 <a:solidFill>
                   <a:schemeClr val="accent6"/>
                 </a:solidFill>
               </a:rPr>
-              <a:t>Задачи за домашна работа</a:t>
-            </a:r>
-            <a:endParaRPr lang="bg-BG" dirty="0">
+              <a:t>jQuery</a:t>
+            </a:r>
+            <a:r>
+              <a:rPr lang="bg-BG" sz="3000" dirty="0" smtClean="0">
+                <a:solidFill>
+                  <a:schemeClr val="accent6"/>
+                </a:solidFill>
+              </a:rPr>
+              <a:t> – взимане на съдържание и атрибути</a:t>
+            </a:r>
+            <a:endParaRPr lang="bg-BG" sz="3000" dirty="0">
               <a:solidFill>
                 <a:schemeClr val="accent6"/>
               </a:solidFill>
@@ -6206,8 +6512,8 @@
         </p:nvSpPr>
         <p:spPr>
           <a:xfrm>
-            <a:off x="762000" y="1676400"/>
-            <a:ext cx="7620000" cy="3810000"/>
+            <a:off x="457200" y="1447800"/>
+            <a:ext cx="8229600" cy="5029200"/>
           </a:xfrm>
         </p:spPr>
         <p:txBody>
@@ -6216,220 +6522,826 @@
           </a:bodyPr>
           <a:lstStyle/>
           <a:p>
-            <a:pPr marL="457200" indent="-457200">
-              <a:buFont typeface="+mj-lt"/>
-              <a:buAutoNum type="arabicPeriod" startAt="6"/>
-            </a:pPr>
-            <a:r>
-              <a:rPr lang="bg-BG" sz="2000" b="1" dirty="0">
-                <a:solidFill>
-                  <a:schemeClr val="bg1">
-                    <a:lumMod val="95000"/>
-                  </a:schemeClr>
-                </a:solidFill>
-              </a:rPr>
-              <a:t>Напишете скрипт, който прихваща </a:t>
-            </a:r>
-            <a:r>
-              <a:rPr lang="en-US" sz="2000" b="1" dirty="0">
-                <a:solidFill>
-                  <a:schemeClr val="bg1">
-                    <a:lumMod val="95000"/>
-                  </a:schemeClr>
-                </a:solidFill>
-              </a:rPr>
-              <a:t>hover </a:t>
-            </a:r>
-            <a:r>
-              <a:rPr lang="bg-BG" sz="2000" b="1" dirty="0">
-                <a:solidFill>
-                  <a:schemeClr val="bg1">
-                    <a:lumMod val="95000"/>
-                  </a:schemeClr>
-                </a:solidFill>
-              </a:rPr>
-              <a:t>събитие на даден елемент и го </a:t>
-            </a:r>
-            <a:r>
-              <a:rPr lang="en-US" sz="2000" b="1" dirty="0" err="1">
-                <a:solidFill>
-                  <a:schemeClr val="bg1">
-                    <a:lumMod val="95000"/>
-                  </a:schemeClr>
-                </a:solidFill>
-              </a:rPr>
-              <a:t>slideUp</a:t>
-            </a:r>
-            <a:r>
-              <a:rPr lang="bg-BG" sz="2000" b="1" dirty="0">
-                <a:solidFill>
-                  <a:schemeClr val="bg1">
-                    <a:lumMod val="95000"/>
-                  </a:schemeClr>
-                </a:solidFill>
-              </a:rPr>
-              <a:t>-ва.</a:t>
-            </a:r>
-          </a:p>
-          <a:p>
-            <a:pPr marL="457200" indent="-457200">
-              <a:buAutoNum type="arabicPeriod" startAt="6"/>
-            </a:pPr>
-            <a:r>
-              <a:rPr lang="bg-BG" sz="2000" b="1" dirty="0">
-                <a:solidFill>
-                  <a:schemeClr val="bg1">
-                    <a:lumMod val="95000"/>
-                  </a:schemeClr>
-                </a:solidFill>
-              </a:rPr>
-              <a:t>Напишете скрипт, който прихваща </a:t>
-            </a:r>
-            <a:r>
-              <a:rPr lang="en-US" sz="2000" b="1" dirty="0">
-                <a:solidFill>
-                  <a:schemeClr val="bg1">
-                    <a:lumMod val="95000"/>
-                  </a:schemeClr>
-                </a:solidFill>
-              </a:rPr>
-              <a:t>hover </a:t>
-            </a:r>
-            <a:r>
-              <a:rPr lang="bg-BG" sz="2000" b="1" dirty="0">
-                <a:solidFill>
-                  <a:schemeClr val="bg1">
-                    <a:lumMod val="95000"/>
-                  </a:schemeClr>
-                </a:solidFill>
-              </a:rPr>
-              <a:t>събитие на даден елемент и го </a:t>
-            </a:r>
-            <a:r>
-              <a:rPr lang="en-US" sz="2000" b="1" dirty="0" err="1">
-                <a:solidFill>
-                  <a:schemeClr val="bg1">
-                    <a:lumMod val="95000"/>
-                  </a:schemeClr>
-                </a:solidFill>
-              </a:rPr>
-              <a:t>slideDown</a:t>
-            </a:r>
-            <a:r>
-              <a:rPr lang="en-US" sz="2000" b="1" dirty="0">
-                <a:solidFill>
-                  <a:schemeClr val="bg1">
-                    <a:lumMod val="95000"/>
-                  </a:schemeClr>
-                </a:solidFill>
-              </a:rPr>
-              <a:t>-</a:t>
-            </a:r>
-            <a:r>
-              <a:rPr lang="bg-BG" sz="2000" b="1" dirty="0">
-                <a:solidFill>
-                  <a:schemeClr val="bg1">
-                    <a:lumMod val="95000"/>
-                  </a:schemeClr>
-                </a:solidFill>
-              </a:rPr>
-              <a:t>ва.</a:t>
-            </a:r>
-          </a:p>
-          <a:p>
-            <a:pPr marL="457200" indent="-457200">
-              <a:buAutoNum type="arabicPeriod" startAt="6"/>
-            </a:pPr>
-            <a:r>
-              <a:rPr lang="bg-BG" sz="2000" b="1" dirty="0">
-                <a:solidFill>
-                  <a:schemeClr val="bg1">
-                    <a:lumMod val="95000"/>
-                  </a:schemeClr>
-                </a:solidFill>
-              </a:rPr>
-              <a:t>Напишете скрипт, който прихваща </a:t>
-            </a:r>
-            <a:r>
-              <a:rPr lang="en-US" sz="2000" b="1" dirty="0">
-                <a:solidFill>
-                  <a:schemeClr val="bg1">
-                    <a:lumMod val="95000"/>
-                  </a:schemeClr>
-                </a:solidFill>
-              </a:rPr>
-              <a:t>hover </a:t>
-            </a:r>
-            <a:r>
-              <a:rPr lang="bg-BG" sz="2000" b="1" dirty="0">
-                <a:solidFill>
-                  <a:schemeClr val="bg1">
-                    <a:lumMod val="95000"/>
-                  </a:schemeClr>
-                </a:solidFill>
-              </a:rPr>
-              <a:t>събитие на даден елемент и го </a:t>
-            </a:r>
-            <a:r>
-              <a:rPr lang="en-US" sz="2000" b="1" dirty="0" err="1">
-                <a:solidFill>
-                  <a:schemeClr val="bg1">
-                    <a:lumMod val="95000"/>
-                  </a:schemeClr>
-                </a:solidFill>
-              </a:rPr>
-              <a:t>toggleSlide</a:t>
-            </a:r>
-            <a:r>
-              <a:rPr lang="en-US" sz="2000" b="1" dirty="0">
-                <a:solidFill>
-                  <a:schemeClr val="bg1">
-                    <a:lumMod val="95000"/>
-                  </a:schemeClr>
-                </a:solidFill>
-              </a:rPr>
-              <a:t>-</a:t>
-            </a:r>
-            <a:r>
-              <a:rPr lang="bg-BG" sz="2000" b="1" dirty="0">
-                <a:solidFill>
-                  <a:schemeClr val="bg1">
-                    <a:lumMod val="95000"/>
-                  </a:schemeClr>
-                </a:solidFill>
-              </a:rPr>
-              <a:t>ва</a:t>
-            </a:r>
-            <a:r>
-              <a:rPr lang="bg-BG" sz="2000" b="1" dirty="0" smtClean="0">
-                <a:solidFill>
-                  <a:schemeClr val="bg1">
-                    <a:lumMod val="95000"/>
-                  </a:schemeClr>
-                </a:solidFill>
-              </a:rPr>
-              <a:t>.</a:t>
-            </a:r>
-            <a:endParaRPr lang="en-US" sz="2000" b="1" dirty="0">
-              <a:solidFill>
-                <a:schemeClr val="bg1">
-                  <a:lumMod val="95000"/>
-                </a:schemeClr>
-              </a:solidFill>
-            </a:endParaRPr>
+            <a:pPr marL="0" indent="0">
+              <a:buNone/>
+            </a:pPr>
+            <a:r>
+              <a:rPr lang="bg-BG" sz="2500" dirty="0" smtClean="0">
+                <a:solidFill>
+                  <a:schemeClr val="bg1"/>
+                </a:solidFill>
+                <a:latin typeface="+mj-lt"/>
+                <a:cs typeface="Courier New" panose="02070309020205020404" pitchFamily="49" charset="0"/>
+              </a:rPr>
+              <a:t>С метода </a:t>
+            </a:r>
+            <a:r>
+              <a:rPr lang="en-US" sz="2500" dirty="0" err="1" smtClean="0">
+                <a:solidFill>
+                  <a:schemeClr val="bg1"/>
+                </a:solidFill>
+                <a:latin typeface="+mj-lt"/>
+                <a:cs typeface="Courier New" panose="02070309020205020404" pitchFamily="49" charset="0"/>
+              </a:rPr>
+              <a:t>attr</a:t>
+            </a:r>
+            <a:r>
+              <a:rPr lang="en-US" sz="2500" dirty="0" smtClean="0">
+                <a:solidFill>
+                  <a:schemeClr val="bg1"/>
+                </a:solidFill>
+                <a:latin typeface="+mj-lt"/>
+                <a:cs typeface="Courier New" panose="02070309020205020404" pitchFamily="49" charset="0"/>
+              </a:rPr>
+              <a:t>() </a:t>
+            </a:r>
+            <a:r>
+              <a:rPr lang="bg-BG" sz="2500" dirty="0" smtClean="0">
+                <a:solidFill>
+                  <a:schemeClr val="bg1"/>
+                </a:solidFill>
+                <a:latin typeface="+mj-lt"/>
+                <a:cs typeface="Courier New" panose="02070309020205020404" pitchFamily="49" charset="0"/>
+              </a:rPr>
+              <a:t>можем да вземем атрибута на даден елемент.</a:t>
+            </a:r>
+          </a:p>
+          <a:p>
+            <a:pPr marL="0" indent="0">
+              <a:buNone/>
+            </a:pPr>
+            <a:r>
+              <a:rPr lang="en-US" sz="1800" dirty="0" smtClean="0">
+                <a:solidFill>
+                  <a:schemeClr val="bg1"/>
+                </a:solidFill>
+                <a:latin typeface="Courier New" panose="02070309020205020404" pitchFamily="49" charset="0"/>
+                <a:cs typeface="Courier New" panose="02070309020205020404" pitchFamily="49" charset="0"/>
+              </a:rPr>
+              <a:t>$(‘</a:t>
+            </a:r>
+            <a:r>
+              <a:rPr lang="en-US" sz="1800" dirty="0" err="1" smtClean="0">
+                <a:solidFill>
+                  <a:schemeClr val="bg1"/>
+                </a:solidFill>
+                <a:latin typeface="Courier New" panose="02070309020205020404" pitchFamily="49" charset="0"/>
+                <a:cs typeface="Courier New" panose="02070309020205020404" pitchFamily="49" charset="0"/>
+              </a:rPr>
+              <a:t>img</a:t>
+            </a:r>
+            <a:r>
+              <a:rPr lang="en-US" sz="1800" dirty="0" smtClean="0">
+                <a:solidFill>
+                  <a:schemeClr val="bg1"/>
+                </a:solidFill>
+                <a:latin typeface="Courier New" panose="02070309020205020404" pitchFamily="49" charset="0"/>
+                <a:cs typeface="Courier New" panose="02070309020205020404" pitchFamily="49" charset="0"/>
+              </a:rPr>
+              <a:t>’).</a:t>
+            </a:r>
+            <a:r>
+              <a:rPr lang="en-US" sz="1800" dirty="0" err="1" smtClean="0">
+                <a:solidFill>
+                  <a:schemeClr val="bg1"/>
+                </a:solidFill>
+                <a:latin typeface="Courier New" panose="02070309020205020404" pitchFamily="49" charset="0"/>
+                <a:cs typeface="Courier New" panose="02070309020205020404" pitchFamily="49" charset="0"/>
+              </a:rPr>
+              <a:t>attr</a:t>
+            </a:r>
+            <a:r>
+              <a:rPr lang="en-US" sz="1800" dirty="0" smtClean="0">
+                <a:solidFill>
+                  <a:schemeClr val="bg1"/>
+                </a:solidFill>
+                <a:latin typeface="Courier New" panose="02070309020205020404" pitchFamily="49" charset="0"/>
+                <a:cs typeface="Courier New" panose="02070309020205020404" pitchFamily="49" charset="0"/>
+              </a:rPr>
+              <a:t>(‘</a:t>
+            </a:r>
+            <a:r>
+              <a:rPr lang="en-US" sz="1800" dirty="0" err="1" smtClean="0">
+                <a:solidFill>
+                  <a:schemeClr val="bg1"/>
+                </a:solidFill>
+                <a:latin typeface="Courier New" panose="02070309020205020404" pitchFamily="49" charset="0"/>
+                <a:cs typeface="Courier New" panose="02070309020205020404" pitchFamily="49" charset="0"/>
+              </a:rPr>
+              <a:t>src</a:t>
+            </a:r>
+            <a:r>
+              <a:rPr lang="en-US" sz="1800" dirty="0" smtClean="0">
+                <a:solidFill>
+                  <a:schemeClr val="bg1"/>
+                </a:solidFill>
+                <a:latin typeface="Courier New" panose="02070309020205020404" pitchFamily="49" charset="0"/>
+                <a:cs typeface="Courier New" panose="02070309020205020404" pitchFamily="49" charset="0"/>
+              </a:rPr>
+              <a:t>’);</a:t>
+            </a:r>
           </a:p>
         </p:txBody>
       </p:sp>
     </p:spTree>
     <p:extLst>
       <p:ext uri="{BB962C8B-B14F-4D97-AF65-F5344CB8AC3E}">
-        <p14:creationId xmlns:p14="http://schemas.microsoft.com/office/powerpoint/2010/main" val="4024493578"/>
+        <p14:creationId xmlns:p14="http://schemas.microsoft.com/office/powerpoint/2010/main" val="2035546895"/>
       </p:ext>
     </p:extLst>
   </p:cSld>
   <p:clrMapOvr>
     <a:masterClrMapping/>
   </p:clrMapOvr>
+  <mc:AlternateContent xmlns:mc="http://schemas.openxmlformats.org/markup-compatibility/2006" xmlns:p14="http://schemas.microsoft.com/office/powerpoint/2010/main">
+    <mc:Choice Requires="p14">
+      <p:transition spd="slow" p14:dur="2000"/>
+    </mc:Choice>
+    <mc:Fallback xmlns="">
+      <p:transition spd="slow"/>
+    </mc:Fallback>
+  </mc:AlternateContent>
+  <p:timing>
+    <p:tnLst>
+      <p:par>
+        <p:cTn id="1" dur="indefinite" restart="never" nodeType="tmRoot"/>
+      </p:par>
+    </p:tnLst>
+  </p:timing>
+</p:sld>
+</file>
+
+<file path=ppt/slides/slide18.xml><?xml version="1.0" encoding="utf-8"?>
+<p:sld xmlns:a="http://schemas.openxmlformats.org/drawingml/2006/main" xmlns:r="http://schemas.openxmlformats.org/officeDocument/2006/relationships" xmlns:p="http://schemas.openxmlformats.org/presentationml/2006/main">
+  <p:cSld>
+    <p:spTree>
+      <p:nvGrpSpPr>
+        <p:cNvPr id="1" name=""/>
+        <p:cNvGrpSpPr/>
+        <p:nvPr/>
+      </p:nvGrpSpPr>
+      <p:grpSpPr>
+        <a:xfrm>
+          <a:off x="0" y="0"/>
+          <a:ext cx="0" cy="0"/>
+          <a:chOff x="0" y="0"/>
+          <a:chExt cx="0" cy="0"/>
+        </a:xfrm>
+      </p:grpSpPr>
+      <p:sp>
+        <p:nvSpPr>
+          <p:cNvPr id="2" name="Title 1"/>
+          <p:cNvSpPr>
+            <a:spLocks noGrp="1"/>
+          </p:cNvSpPr>
+          <p:nvPr>
+            <p:ph type="title"/>
+          </p:nvPr>
+        </p:nvSpPr>
+        <p:spPr>
+          <a:xfrm>
+            <a:off x="457200" y="685800"/>
+            <a:ext cx="8610600" cy="1143000"/>
+          </a:xfrm>
+        </p:spPr>
+        <p:txBody>
+          <a:bodyPr>
+            <a:normAutofit/>
+          </a:bodyPr>
+          <a:lstStyle/>
+          <a:p>
+            <a:pPr algn="l"/>
+            <a:r>
+              <a:rPr lang="en-US" sz="3000" dirty="0" smtClean="0">
+                <a:solidFill>
+                  <a:schemeClr val="accent6"/>
+                </a:solidFill>
+              </a:rPr>
+              <a:t>jQuery</a:t>
+            </a:r>
+            <a:r>
+              <a:rPr lang="bg-BG" sz="3000" dirty="0" smtClean="0">
+                <a:solidFill>
+                  <a:schemeClr val="accent6"/>
+                </a:solidFill>
+              </a:rPr>
+              <a:t> – промянана съдържание и атрибути</a:t>
+            </a:r>
+            <a:endParaRPr lang="bg-BG" sz="3000" dirty="0">
+              <a:solidFill>
+                <a:schemeClr val="accent6"/>
+              </a:solidFill>
+            </a:endParaRPr>
+          </a:p>
+        </p:txBody>
+      </p:sp>
+      <p:sp>
+        <p:nvSpPr>
+          <p:cNvPr id="3" name="Content Placeholder 2"/>
+          <p:cNvSpPr>
+            <a:spLocks noGrp="1"/>
+          </p:cNvSpPr>
+          <p:nvPr>
+            <p:ph idx="1"/>
+          </p:nvPr>
+        </p:nvSpPr>
+        <p:spPr>
+          <a:xfrm>
+            <a:off x="457200" y="1447800"/>
+            <a:ext cx="8229600" cy="5029200"/>
+          </a:xfrm>
+        </p:spPr>
+        <p:txBody>
+          <a:bodyPr>
+            <a:noAutofit/>
+          </a:bodyPr>
+          <a:lstStyle/>
+          <a:p>
+            <a:pPr marL="0" indent="0">
+              <a:buNone/>
+            </a:pPr>
+            <a:r>
+              <a:rPr lang="bg-BG" sz="2500" dirty="0" smtClean="0">
+                <a:solidFill>
+                  <a:schemeClr val="bg1"/>
+                </a:solidFill>
+                <a:latin typeface="+mj-lt"/>
+                <a:cs typeface="Courier New" panose="02070309020205020404" pitchFamily="49" charset="0"/>
+              </a:rPr>
+              <a:t>Промяната на съдържание и атрибути в </a:t>
+            </a:r>
+            <a:r>
+              <a:rPr lang="en-US" sz="2500" dirty="0" smtClean="0">
+                <a:solidFill>
+                  <a:schemeClr val="bg1"/>
+                </a:solidFill>
+                <a:latin typeface="+mj-lt"/>
+                <a:cs typeface="Courier New" panose="02070309020205020404" pitchFamily="49" charset="0"/>
+              </a:rPr>
+              <a:t>jQuery </a:t>
+            </a:r>
+            <a:r>
+              <a:rPr lang="bg-BG" sz="2500" dirty="0" smtClean="0">
+                <a:solidFill>
+                  <a:schemeClr val="bg1"/>
+                </a:solidFill>
+                <a:latin typeface="+mj-lt"/>
+                <a:cs typeface="Courier New" panose="02070309020205020404" pitchFamily="49" charset="0"/>
+              </a:rPr>
+              <a:t>става по много подобен начин на самото им взимане.</a:t>
+            </a:r>
+          </a:p>
+          <a:p>
+            <a:pPr marL="0" indent="0">
+              <a:buNone/>
+            </a:pPr>
+            <a:r>
+              <a:rPr lang="bg-BG" sz="2500" dirty="0" smtClean="0">
+                <a:solidFill>
+                  <a:schemeClr val="bg1"/>
+                </a:solidFill>
+                <a:latin typeface="+mj-lt"/>
+                <a:cs typeface="Courier New" panose="02070309020205020404" pitchFamily="49" charset="0"/>
+              </a:rPr>
+              <a:t>Ако искаме да сменим текстовото съдържание на даден елемент, използваме следния метод:</a:t>
+            </a:r>
+          </a:p>
+          <a:p>
+            <a:pPr marL="0" indent="0">
+              <a:buNone/>
+            </a:pPr>
+            <a:r>
+              <a:rPr lang="en-US" sz="1800" dirty="0" smtClean="0">
+                <a:solidFill>
+                  <a:schemeClr val="bg1"/>
+                </a:solidFill>
+                <a:latin typeface="Courier New" panose="02070309020205020404" pitchFamily="49" charset="0"/>
+                <a:cs typeface="Courier New" panose="02070309020205020404" pitchFamily="49" charset="0"/>
+              </a:rPr>
+              <a:t>$(‘div’).text(‘this text has changed’);</a:t>
+            </a:r>
+          </a:p>
+          <a:p>
+            <a:pPr marL="0" indent="0">
+              <a:buNone/>
+            </a:pPr>
+            <a:r>
+              <a:rPr lang="bg-BG" sz="2500" dirty="0" smtClean="0">
+                <a:solidFill>
+                  <a:schemeClr val="bg1"/>
+                </a:solidFill>
+                <a:latin typeface="+mj-lt"/>
+                <a:cs typeface="Courier New" panose="02070309020205020404" pitchFamily="49" charset="0"/>
+              </a:rPr>
+              <a:t>Ако искаме да сменим </a:t>
+            </a:r>
+            <a:r>
+              <a:rPr lang="en-US" sz="2500" dirty="0" smtClean="0">
+                <a:solidFill>
+                  <a:schemeClr val="bg1"/>
+                </a:solidFill>
+                <a:latin typeface="+mj-lt"/>
+                <a:cs typeface="Courier New" panose="02070309020205020404" pitchFamily="49" charset="0"/>
+              </a:rPr>
+              <a:t>html </a:t>
+            </a:r>
+            <a:r>
+              <a:rPr lang="bg-BG" sz="2500" dirty="0" smtClean="0">
+                <a:solidFill>
+                  <a:schemeClr val="bg1"/>
+                </a:solidFill>
+                <a:latin typeface="+mj-lt"/>
+                <a:cs typeface="Courier New" panose="02070309020205020404" pitchFamily="49" charset="0"/>
+              </a:rPr>
+              <a:t>съдържанието на даден елемент, използваме следния код:</a:t>
+            </a:r>
+          </a:p>
+          <a:p>
+            <a:pPr marL="0" indent="0">
+              <a:buNone/>
+            </a:pPr>
+            <a:r>
+              <a:rPr lang="en-US" sz="1800" dirty="0" smtClean="0">
+                <a:solidFill>
+                  <a:schemeClr val="bg1"/>
+                </a:solidFill>
+                <a:latin typeface="Courier New" panose="02070309020205020404" pitchFamily="49" charset="0"/>
+                <a:cs typeface="Courier New" panose="02070309020205020404" pitchFamily="49" charset="0"/>
+              </a:rPr>
+              <a:t>$(‘.main’).html(‘&lt;div class=“article”&gt;&lt;/div&gt;’);</a:t>
+            </a:r>
+          </a:p>
+          <a:p>
+            <a:pPr marL="0" indent="0">
+              <a:buNone/>
+            </a:pPr>
+            <a:r>
+              <a:rPr lang="bg-BG" sz="2500" dirty="0" smtClean="0">
+                <a:solidFill>
+                  <a:schemeClr val="bg1"/>
+                </a:solidFill>
+                <a:latin typeface="+mj-lt"/>
+                <a:cs typeface="Courier New" panose="02070309020205020404" pitchFamily="49" charset="0"/>
+              </a:rPr>
+              <a:t>Ако искаме да променим атрибута на даден елемент, използваме следното:</a:t>
+            </a:r>
+          </a:p>
+          <a:p>
+            <a:pPr marL="0" indent="0">
+              <a:buNone/>
+            </a:pPr>
+            <a:r>
+              <a:rPr lang="en-US" sz="1800" dirty="0" smtClean="0">
+                <a:solidFill>
+                  <a:schemeClr val="bg1"/>
+                </a:solidFill>
+                <a:latin typeface="Courier New" panose="02070309020205020404" pitchFamily="49" charset="0"/>
+                <a:cs typeface="Courier New" panose="02070309020205020404" pitchFamily="49" charset="0"/>
+              </a:rPr>
+              <a:t>$(‘</a:t>
+            </a:r>
+            <a:r>
+              <a:rPr lang="en-US" sz="1800" dirty="0" err="1" smtClean="0">
+                <a:solidFill>
+                  <a:schemeClr val="bg1"/>
+                </a:solidFill>
+                <a:latin typeface="Courier New" panose="02070309020205020404" pitchFamily="49" charset="0"/>
+                <a:cs typeface="Courier New" panose="02070309020205020404" pitchFamily="49" charset="0"/>
+              </a:rPr>
+              <a:t>img</a:t>
+            </a:r>
+            <a:r>
+              <a:rPr lang="en-US" sz="1800" dirty="0" smtClean="0">
+                <a:solidFill>
+                  <a:schemeClr val="bg1"/>
+                </a:solidFill>
+                <a:latin typeface="Courier New" panose="02070309020205020404" pitchFamily="49" charset="0"/>
+                <a:cs typeface="Courier New" panose="02070309020205020404" pitchFamily="49" charset="0"/>
+              </a:rPr>
+              <a:t>’).</a:t>
+            </a:r>
+            <a:r>
+              <a:rPr lang="en-US" sz="1800" dirty="0" err="1" smtClean="0">
+                <a:solidFill>
+                  <a:schemeClr val="bg1"/>
+                </a:solidFill>
+                <a:latin typeface="Courier New" panose="02070309020205020404" pitchFamily="49" charset="0"/>
+                <a:cs typeface="Courier New" panose="02070309020205020404" pitchFamily="49" charset="0"/>
+              </a:rPr>
+              <a:t>attr</a:t>
+            </a:r>
+            <a:r>
+              <a:rPr lang="en-US" sz="1800" dirty="0" smtClean="0">
+                <a:solidFill>
+                  <a:schemeClr val="bg1"/>
+                </a:solidFill>
+                <a:latin typeface="Courier New" panose="02070309020205020404" pitchFamily="49" charset="0"/>
+                <a:cs typeface="Courier New" panose="02070309020205020404" pitchFamily="49" charset="0"/>
+              </a:rPr>
+              <a:t>(‘</a:t>
+            </a:r>
+            <a:r>
+              <a:rPr lang="en-US" sz="1800" dirty="0" err="1" smtClean="0">
+                <a:solidFill>
+                  <a:schemeClr val="bg1"/>
+                </a:solidFill>
+                <a:latin typeface="Courier New" panose="02070309020205020404" pitchFamily="49" charset="0"/>
+                <a:cs typeface="Courier New" panose="02070309020205020404" pitchFamily="49" charset="0"/>
+              </a:rPr>
+              <a:t>src</a:t>
+            </a:r>
+            <a:r>
+              <a:rPr lang="en-US" sz="1800" dirty="0" smtClean="0">
+                <a:solidFill>
+                  <a:schemeClr val="bg1"/>
+                </a:solidFill>
+                <a:latin typeface="Courier New" panose="02070309020205020404" pitchFamily="49" charset="0"/>
+                <a:cs typeface="Courier New" panose="02070309020205020404" pitchFamily="49" charset="0"/>
+              </a:rPr>
+              <a:t>’, ‘../</a:t>
+            </a:r>
+            <a:r>
+              <a:rPr lang="en-US" sz="1800" dirty="0" err="1" smtClean="0">
+                <a:solidFill>
+                  <a:schemeClr val="bg1"/>
+                </a:solidFill>
+                <a:latin typeface="Courier New" panose="02070309020205020404" pitchFamily="49" charset="0"/>
+                <a:cs typeface="Courier New" panose="02070309020205020404" pitchFamily="49" charset="0"/>
+              </a:rPr>
+              <a:t>img</a:t>
+            </a:r>
+            <a:r>
+              <a:rPr lang="en-US" sz="1800" dirty="0" smtClean="0">
+                <a:solidFill>
+                  <a:schemeClr val="bg1"/>
+                </a:solidFill>
+                <a:latin typeface="Courier New" panose="02070309020205020404" pitchFamily="49" charset="0"/>
+                <a:cs typeface="Courier New" panose="02070309020205020404" pitchFamily="49" charset="0"/>
+              </a:rPr>
+              <a:t>/watermelon.png’);</a:t>
+            </a:r>
+          </a:p>
+        </p:txBody>
+      </p:sp>
+    </p:spTree>
+    <p:extLst>
+      <p:ext uri="{BB962C8B-B14F-4D97-AF65-F5344CB8AC3E}">
+        <p14:creationId xmlns:p14="http://schemas.microsoft.com/office/powerpoint/2010/main" val="3225150057"/>
+      </p:ext>
+    </p:extLst>
+  </p:cSld>
+  <p:clrMapOvr>
+    <a:masterClrMapping/>
+  </p:clrMapOvr>
+  <mc:AlternateContent xmlns:mc="http://schemas.openxmlformats.org/markup-compatibility/2006" xmlns:p14="http://schemas.microsoft.com/office/powerpoint/2010/main">
+    <mc:Choice Requires="p14">
+      <p:transition spd="slow" p14:dur="2000"/>
+    </mc:Choice>
+    <mc:Fallback xmlns="">
+      <p:transition spd="slow"/>
+    </mc:Fallback>
+  </mc:AlternateContent>
+  <p:timing>
+    <p:tnLst>
+      <p:par>
+        <p:cTn id="1" dur="indefinite" restart="never" nodeType="tmRoot"/>
+      </p:par>
+    </p:tnLst>
+  </p:timing>
+</p:sld>
+</file>
+
+<file path=ppt/slides/slide19.xml><?xml version="1.0" encoding="utf-8"?>
+<p:sld xmlns:a="http://schemas.openxmlformats.org/drawingml/2006/main" xmlns:r="http://schemas.openxmlformats.org/officeDocument/2006/relationships" xmlns:p="http://schemas.openxmlformats.org/presentationml/2006/main">
+  <p:cSld>
+    <p:spTree>
+      <p:nvGrpSpPr>
+        <p:cNvPr id="1" name=""/>
+        <p:cNvGrpSpPr/>
+        <p:nvPr/>
+      </p:nvGrpSpPr>
+      <p:grpSpPr>
+        <a:xfrm>
+          <a:off x="0" y="0"/>
+          <a:ext cx="0" cy="0"/>
+          <a:chOff x="0" y="0"/>
+          <a:chExt cx="0" cy="0"/>
+        </a:xfrm>
+      </p:grpSpPr>
+      <p:sp>
+        <p:nvSpPr>
+          <p:cNvPr id="2" name="Title 1"/>
+          <p:cNvSpPr>
+            <a:spLocks noGrp="1"/>
+          </p:cNvSpPr>
+          <p:nvPr>
+            <p:ph type="title"/>
+          </p:nvPr>
+        </p:nvSpPr>
+        <p:spPr>
+          <a:xfrm>
+            <a:off x="457200" y="685800"/>
+            <a:ext cx="8610600" cy="1143000"/>
+          </a:xfrm>
+        </p:spPr>
+        <p:txBody>
+          <a:bodyPr>
+            <a:normAutofit/>
+          </a:bodyPr>
+          <a:lstStyle/>
+          <a:p>
+            <a:pPr algn="l"/>
+            <a:r>
+              <a:rPr lang="en-US" sz="3000" dirty="0" smtClean="0">
+                <a:solidFill>
+                  <a:schemeClr val="accent6"/>
+                </a:solidFill>
+              </a:rPr>
+              <a:t>jQuery</a:t>
+            </a:r>
+            <a:r>
+              <a:rPr lang="bg-BG" sz="3000" dirty="0" smtClean="0">
+                <a:solidFill>
+                  <a:schemeClr val="accent6"/>
+                </a:solidFill>
+              </a:rPr>
+              <a:t> – добавяне</a:t>
+            </a:r>
+            <a:endParaRPr lang="bg-BG" sz="3000" dirty="0">
+              <a:solidFill>
+                <a:schemeClr val="accent6"/>
+              </a:solidFill>
+            </a:endParaRPr>
+          </a:p>
+        </p:txBody>
+      </p:sp>
+      <p:sp>
+        <p:nvSpPr>
+          <p:cNvPr id="3" name="Content Placeholder 2"/>
+          <p:cNvSpPr>
+            <a:spLocks noGrp="1"/>
+          </p:cNvSpPr>
+          <p:nvPr>
+            <p:ph idx="1"/>
+          </p:nvPr>
+        </p:nvSpPr>
+        <p:spPr>
+          <a:xfrm>
+            <a:off x="457200" y="1447800"/>
+            <a:ext cx="8229600" cy="5029200"/>
+          </a:xfrm>
+        </p:spPr>
+        <p:txBody>
+          <a:bodyPr>
+            <a:noAutofit/>
+          </a:bodyPr>
+          <a:lstStyle/>
+          <a:p>
+            <a:pPr marL="0" indent="0">
+              <a:buNone/>
+            </a:pPr>
+            <a:r>
+              <a:rPr lang="bg-BG" sz="2500" dirty="0" smtClean="0">
+                <a:solidFill>
+                  <a:schemeClr val="bg1"/>
+                </a:solidFill>
+                <a:latin typeface="+mj-lt"/>
+                <a:cs typeface="Courier New" panose="02070309020205020404" pitchFamily="49" charset="0"/>
+              </a:rPr>
+              <a:t>С </a:t>
+            </a:r>
+            <a:r>
+              <a:rPr lang="en-US" sz="2500" dirty="0" smtClean="0">
+                <a:solidFill>
+                  <a:schemeClr val="bg1"/>
+                </a:solidFill>
+                <a:latin typeface="+mj-lt"/>
+                <a:cs typeface="Courier New" panose="02070309020205020404" pitchFamily="49" charset="0"/>
+              </a:rPr>
+              <a:t>jQuery e </a:t>
+            </a:r>
+            <a:r>
+              <a:rPr lang="bg-BG" sz="2500" dirty="0" smtClean="0">
+                <a:solidFill>
+                  <a:schemeClr val="bg1"/>
+                </a:solidFill>
+                <a:latin typeface="+mj-lt"/>
+                <a:cs typeface="Courier New" panose="02070309020205020404" pitchFamily="49" charset="0"/>
+              </a:rPr>
+              <a:t>възможно да добавяме </a:t>
+            </a:r>
+            <a:r>
+              <a:rPr lang="en-US" sz="2500" dirty="0" smtClean="0">
+                <a:solidFill>
+                  <a:schemeClr val="bg1"/>
+                </a:solidFill>
+                <a:latin typeface="+mj-lt"/>
+                <a:cs typeface="Courier New" panose="02070309020205020404" pitchFamily="49" charset="0"/>
+              </a:rPr>
+              <a:t>html </a:t>
+            </a:r>
+            <a:r>
+              <a:rPr lang="bg-BG" sz="2500" dirty="0" smtClean="0">
+                <a:solidFill>
+                  <a:schemeClr val="bg1"/>
+                </a:solidFill>
+                <a:latin typeface="+mj-lt"/>
+                <a:cs typeface="Courier New" panose="02070309020205020404" pitchFamily="49" charset="0"/>
+              </a:rPr>
+              <a:t>съдържание в даден елемент, като е възможно да избираме точно позицията на новото съдържание.</a:t>
+            </a:r>
+            <a:r>
+              <a:rPr lang="en-US" sz="2500" dirty="0" smtClean="0">
+                <a:solidFill>
+                  <a:schemeClr val="bg1"/>
+                </a:solidFill>
+                <a:latin typeface="+mj-lt"/>
+                <a:cs typeface="Courier New" panose="02070309020205020404" pitchFamily="49" charset="0"/>
+              </a:rPr>
+              <a:t> </a:t>
+            </a:r>
+            <a:r>
+              <a:rPr lang="bg-BG" sz="2500" dirty="0" smtClean="0">
+                <a:solidFill>
+                  <a:schemeClr val="bg1"/>
+                </a:solidFill>
+                <a:latin typeface="+mj-lt"/>
+                <a:cs typeface="Courier New" panose="02070309020205020404" pitchFamily="49" charset="0"/>
+              </a:rPr>
+              <a:t>Това става с трите функции </a:t>
+            </a:r>
+            <a:r>
+              <a:rPr lang="en-US" sz="2500" dirty="0" smtClean="0">
+                <a:solidFill>
+                  <a:schemeClr val="bg1"/>
+                </a:solidFill>
+                <a:latin typeface="+mj-lt"/>
+                <a:cs typeface="Courier New" panose="02070309020205020404" pitchFamily="49" charset="0"/>
+              </a:rPr>
+              <a:t>append(), after() </a:t>
+            </a:r>
+            <a:r>
+              <a:rPr lang="bg-BG" sz="2500" dirty="0" smtClean="0">
+                <a:solidFill>
+                  <a:schemeClr val="bg1"/>
+                </a:solidFill>
+                <a:latin typeface="+mj-lt"/>
+                <a:cs typeface="Courier New" panose="02070309020205020404" pitchFamily="49" charset="0"/>
+              </a:rPr>
+              <a:t>и </a:t>
+            </a:r>
+            <a:r>
+              <a:rPr lang="en-US" sz="2500" dirty="0" smtClean="0">
+                <a:solidFill>
+                  <a:schemeClr val="bg1"/>
+                </a:solidFill>
+                <a:latin typeface="+mj-lt"/>
+                <a:cs typeface="Courier New" panose="02070309020205020404" pitchFamily="49" charset="0"/>
+              </a:rPr>
+              <a:t>before().</a:t>
+            </a:r>
+          </a:p>
+          <a:p>
+            <a:pPr marL="0" indent="0">
+              <a:buNone/>
+            </a:pPr>
+            <a:r>
+              <a:rPr lang="en-US" sz="1600" dirty="0" smtClean="0">
+                <a:solidFill>
+                  <a:schemeClr val="bg1"/>
+                </a:solidFill>
+                <a:latin typeface="Courier New" panose="02070309020205020404" pitchFamily="49" charset="0"/>
+                <a:cs typeface="Courier New" panose="02070309020205020404" pitchFamily="49" charset="0"/>
+              </a:rPr>
+              <a:t>$(‘.main’).append(‘some appended text’);</a:t>
+            </a:r>
+          </a:p>
+          <a:p>
+            <a:pPr marL="0" indent="0">
+              <a:buNone/>
+            </a:pPr>
+            <a:endParaRPr lang="en-US" sz="1600" dirty="0">
+              <a:solidFill>
+                <a:schemeClr val="bg1"/>
+              </a:solidFill>
+              <a:latin typeface="Courier New" panose="02070309020205020404" pitchFamily="49" charset="0"/>
+              <a:cs typeface="Courier New" panose="02070309020205020404" pitchFamily="49" charset="0"/>
+            </a:endParaRPr>
+          </a:p>
+          <a:p>
+            <a:pPr marL="0" indent="0">
+              <a:buNone/>
+            </a:pPr>
+            <a:r>
+              <a:rPr lang="en-US" sz="1600" dirty="0" smtClean="0">
+                <a:solidFill>
+                  <a:schemeClr val="bg1"/>
+                </a:solidFill>
+                <a:latin typeface="Courier New" panose="02070309020205020404" pitchFamily="49" charset="0"/>
+                <a:cs typeface="Courier New" panose="02070309020205020404" pitchFamily="49" charset="0"/>
+              </a:rPr>
+              <a:t>$(‘.main’).before(‘some appended text before other content’);</a:t>
+            </a:r>
+          </a:p>
+          <a:p>
+            <a:pPr marL="0" indent="0">
+              <a:buNone/>
+            </a:pPr>
+            <a:endParaRPr lang="en-US" sz="1600" dirty="0">
+              <a:solidFill>
+                <a:schemeClr val="bg1"/>
+              </a:solidFill>
+              <a:latin typeface="Courier New" panose="02070309020205020404" pitchFamily="49" charset="0"/>
+              <a:cs typeface="Courier New" panose="02070309020205020404" pitchFamily="49" charset="0"/>
+            </a:endParaRPr>
+          </a:p>
+          <a:p>
+            <a:pPr marL="0" indent="0">
+              <a:buNone/>
+            </a:pPr>
+            <a:r>
+              <a:rPr lang="en-US" sz="1600" dirty="0">
+                <a:solidFill>
+                  <a:schemeClr val="bg1"/>
+                </a:solidFill>
+                <a:latin typeface="Courier New" panose="02070309020205020404" pitchFamily="49" charset="0"/>
+                <a:cs typeface="Courier New" panose="02070309020205020404" pitchFamily="49" charset="0"/>
+              </a:rPr>
+              <a:t>$(‘.main</a:t>
+            </a:r>
+            <a:r>
+              <a:rPr lang="en-US" sz="1600" dirty="0" smtClean="0">
+                <a:solidFill>
+                  <a:schemeClr val="bg1"/>
+                </a:solidFill>
+                <a:latin typeface="Courier New" panose="02070309020205020404" pitchFamily="49" charset="0"/>
+                <a:cs typeface="Courier New" panose="02070309020205020404" pitchFamily="49" charset="0"/>
+              </a:rPr>
+              <a:t>’).after(‘</a:t>
+            </a:r>
+            <a:r>
+              <a:rPr lang="en-US" sz="1600" dirty="0">
+                <a:solidFill>
+                  <a:schemeClr val="bg1"/>
+                </a:solidFill>
+                <a:latin typeface="Courier New" panose="02070309020205020404" pitchFamily="49" charset="0"/>
+                <a:cs typeface="Courier New" panose="02070309020205020404" pitchFamily="49" charset="0"/>
+              </a:rPr>
+              <a:t>some appended text </a:t>
+            </a:r>
+            <a:r>
+              <a:rPr lang="en-US" sz="1600" dirty="0" smtClean="0">
+                <a:solidFill>
+                  <a:schemeClr val="bg1"/>
+                </a:solidFill>
+                <a:latin typeface="Courier New" panose="02070309020205020404" pitchFamily="49" charset="0"/>
+                <a:cs typeface="Courier New" panose="02070309020205020404" pitchFamily="49" charset="0"/>
+              </a:rPr>
+              <a:t>after other </a:t>
+            </a:r>
+            <a:r>
+              <a:rPr lang="en-US" sz="1600" dirty="0">
+                <a:solidFill>
+                  <a:schemeClr val="bg1"/>
+                </a:solidFill>
+                <a:latin typeface="Courier New" panose="02070309020205020404" pitchFamily="49" charset="0"/>
+                <a:cs typeface="Courier New" panose="02070309020205020404" pitchFamily="49" charset="0"/>
+              </a:rPr>
+              <a:t>content’);</a:t>
+            </a:r>
+          </a:p>
+          <a:p>
+            <a:pPr marL="0" indent="0">
+              <a:buNone/>
+            </a:pPr>
+            <a:endParaRPr lang="en-US" sz="1800" dirty="0" smtClean="0">
+              <a:solidFill>
+                <a:schemeClr val="bg1"/>
+              </a:solidFill>
+              <a:latin typeface="Courier New" panose="02070309020205020404" pitchFamily="49" charset="0"/>
+              <a:cs typeface="Courier New" panose="02070309020205020404" pitchFamily="49" charset="0"/>
+            </a:endParaRPr>
+          </a:p>
+        </p:txBody>
+      </p:sp>
+    </p:spTree>
+    <p:extLst>
+      <p:ext uri="{BB962C8B-B14F-4D97-AF65-F5344CB8AC3E}">
+        <p14:creationId xmlns:p14="http://schemas.microsoft.com/office/powerpoint/2010/main" val="1632461732"/>
+      </p:ext>
+    </p:extLst>
+  </p:cSld>
+  <p:clrMapOvr>
+    <a:masterClrMapping/>
+  </p:clrMapOvr>
+  <mc:AlternateContent xmlns:mc="http://schemas.openxmlformats.org/markup-compatibility/2006" xmlns:p14="http://schemas.microsoft.com/office/powerpoint/2010/main">
+    <mc:Choice Requires="p14">
+      <p:transition spd="slow" p14:dur="2000"/>
+    </mc:Choice>
+    <mc:Fallback xmlns="">
+      <p:transition spd="slow"/>
+    </mc:Fallback>
+  </mc:AlternateContent>
   <p:timing>
     <p:tnLst>
       <p:par>
@@ -6716,6 +7628,3200 @@
     <p:extLst>
       <p:ext uri="{BB962C8B-B14F-4D97-AF65-F5344CB8AC3E}">
         <p14:creationId xmlns:p14="http://schemas.microsoft.com/office/powerpoint/2010/main" val="2477232377"/>
+      </p:ext>
+    </p:extLst>
+  </p:cSld>
+  <p:clrMapOvr>
+    <a:masterClrMapping/>
+  </p:clrMapOvr>
+  <p:timing>
+    <p:tnLst>
+      <p:par>
+        <p:cTn id="1" dur="indefinite" restart="never" nodeType="tmRoot"/>
+      </p:par>
+    </p:tnLst>
+  </p:timing>
+</p:sld>
+</file>
+
+<file path=ppt/slides/slide20.xml><?xml version="1.0" encoding="utf-8"?>
+<p:sld xmlns:a="http://schemas.openxmlformats.org/drawingml/2006/main" xmlns:r="http://schemas.openxmlformats.org/officeDocument/2006/relationships" xmlns:p="http://schemas.openxmlformats.org/presentationml/2006/main">
+  <p:cSld>
+    <p:spTree>
+      <p:nvGrpSpPr>
+        <p:cNvPr id="1" name=""/>
+        <p:cNvGrpSpPr/>
+        <p:nvPr/>
+      </p:nvGrpSpPr>
+      <p:grpSpPr>
+        <a:xfrm>
+          <a:off x="0" y="0"/>
+          <a:ext cx="0" cy="0"/>
+          <a:chOff x="0" y="0"/>
+          <a:chExt cx="0" cy="0"/>
+        </a:xfrm>
+      </p:grpSpPr>
+      <p:sp>
+        <p:nvSpPr>
+          <p:cNvPr id="2" name="Title 1"/>
+          <p:cNvSpPr>
+            <a:spLocks noGrp="1"/>
+          </p:cNvSpPr>
+          <p:nvPr>
+            <p:ph type="title"/>
+          </p:nvPr>
+        </p:nvSpPr>
+        <p:spPr>
+          <a:xfrm>
+            <a:off x="457200" y="685800"/>
+            <a:ext cx="8610600" cy="1143000"/>
+          </a:xfrm>
+        </p:spPr>
+        <p:txBody>
+          <a:bodyPr>
+            <a:normAutofit/>
+          </a:bodyPr>
+          <a:lstStyle/>
+          <a:p>
+            <a:pPr algn="l"/>
+            <a:r>
+              <a:rPr lang="en-US" sz="3000" dirty="0" smtClean="0">
+                <a:solidFill>
+                  <a:schemeClr val="accent6"/>
+                </a:solidFill>
+              </a:rPr>
+              <a:t>jQuery</a:t>
+            </a:r>
+            <a:r>
+              <a:rPr lang="bg-BG" sz="3000" dirty="0" smtClean="0">
+                <a:solidFill>
+                  <a:schemeClr val="accent6"/>
+                </a:solidFill>
+              </a:rPr>
+              <a:t> – премахване</a:t>
+            </a:r>
+            <a:endParaRPr lang="bg-BG" sz="3000" dirty="0">
+              <a:solidFill>
+                <a:schemeClr val="accent6"/>
+              </a:solidFill>
+            </a:endParaRPr>
+          </a:p>
+        </p:txBody>
+      </p:sp>
+      <p:sp>
+        <p:nvSpPr>
+          <p:cNvPr id="3" name="Content Placeholder 2"/>
+          <p:cNvSpPr>
+            <a:spLocks noGrp="1"/>
+          </p:cNvSpPr>
+          <p:nvPr>
+            <p:ph idx="1"/>
+          </p:nvPr>
+        </p:nvSpPr>
+        <p:spPr>
+          <a:xfrm>
+            <a:off x="457200" y="1447800"/>
+            <a:ext cx="8229600" cy="5029200"/>
+          </a:xfrm>
+        </p:spPr>
+        <p:txBody>
+          <a:bodyPr>
+            <a:noAutofit/>
+          </a:bodyPr>
+          <a:lstStyle/>
+          <a:p>
+            <a:pPr marL="0" indent="0">
+              <a:buNone/>
+            </a:pPr>
+            <a:r>
+              <a:rPr lang="bg-BG" sz="2500" dirty="0" smtClean="0">
+                <a:solidFill>
+                  <a:schemeClr val="bg1"/>
+                </a:solidFill>
+                <a:latin typeface="+mj-lt"/>
+                <a:cs typeface="Courier New" panose="02070309020205020404" pitchFamily="49" charset="0"/>
+              </a:rPr>
+              <a:t>Аналогично на добавянето, с </a:t>
+            </a:r>
+            <a:r>
+              <a:rPr lang="en-US" sz="2500" dirty="0" smtClean="0">
+                <a:solidFill>
+                  <a:schemeClr val="bg1"/>
+                </a:solidFill>
+                <a:latin typeface="+mj-lt"/>
+                <a:cs typeface="Courier New" panose="02070309020205020404" pitchFamily="49" charset="0"/>
+              </a:rPr>
+              <a:t>jQuery </a:t>
+            </a:r>
+            <a:r>
+              <a:rPr lang="bg-BG" sz="2500" dirty="0" smtClean="0">
+                <a:solidFill>
+                  <a:schemeClr val="bg1"/>
+                </a:solidFill>
+                <a:latin typeface="+mj-lt"/>
+                <a:cs typeface="Courier New" panose="02070309020205020404" pitchFamily="49" charset="0"/>
+              </a:rPr>
+              <a:t>можем и да изтриваме дадено съдържание. Това става с функцията </a:t>
+            </a:r>
+            <a:r>
+              <a:rPr lang="en-US" sz="2500" dirty="0" smtClean="0">
+                <a:solidFill>
+                  <a:schemeClr val="bg1"/>
+                </a:solidFill>
+                <a:latin typeface="+mj-lt"/>
+                <a:cs typeface="Courier New" panose="02070309020205020404" pitchFamily="49" charset="0"/>
+              </a:rPr>
+              <a:t>remove().</a:t>
+            </a:r>
+          </a:p>
+          <a:p>
+            <a:pPr marL="0" indent="0">
+              <a:buNone/>
+            </a:pPr>
+            <a:r>
+              <a:rPr lang="en-US" sz="1800" dirty="0" smtClean="0">
+                <a:solidFill>
+                  <a:schemeClr val="bg1"/>
+                </a:solidFill>
+                <a:latin typeface="Courier New" panose="02070309020205020404" pitchFamily="49" charset="0"/>
+                <a:cs typeface="Courier New" panose="02070309020205020404" pitchFamily="49" charset="0"/>
+              </a:rPr>
+              <a:t>$(‘div’).remove();</a:t>
+            </a:r>
+          </a:p>
+          <a:p>
+            <a:pPr marL="0" indent="0">
+              <a:buNone/>
+            </a:pPr>
+            <a:r>
+              <a:rPr lang="bg-BG" sz="2500" dirty="0" smtClean="0">
+                <a:solidFill>
+                  <a:schemeClr val="bg1"/>
+                </a:solidFill>
+                <a:latin typeface="+mj-lt"/>
+                <a:cs typeface="Courier New" panose="02070309020205020404" pitchFamily="49" charset="0"/>
+              </a:rPr>
+              <a:t>С тази функция можем да изтриваме избрано съдържание от даден елемент(неговите деца)</a:t>
+            </a:r>
+            <a:endParaRPr lang="en-US" sz="2500" dirty="0" smtClean="0">
+              <a:solidFill>
+                <a:schemeClr val="bg1"/>
+              </a:solidFill>
+              <a:latin typeface="+mj-lt"/>
+              <a:cs typeface="Courier New" panose="02070309020205020404" pitchFamily="49" charset="0"/>
+            </a:endParaRPr>
+          </a:p>
+          <a:p>
+            <a:pPr marL="0" indent="0">
+              <a:buNone/>
+            </a:pPr>
+            <a:r>
+              <a:rPr lang="bg-BG" sz="1800" dirty="0" smtClean="0">
+                <a:solidFill>
+                  <a:schemeClr val="bg1"/>
+                </a:solidFill>
+                <a:latin typeface="Courier New" panose="02070309020205020404" pitchFamily="49" charset="0"/>
+                <a:cs typeface="Courier New" panose="02070309020205020404" pitchFamily="49" charset="0"/>
+              </a:rPr>
+              <a:t>$(</a:t>
+            </a:r>
+            <a:r>
+              <a:rPr lang="en-US" sz="1800" dirty="0" smtClean="0">
+                <a:solidFill>
+                  <a:schemeClr val="bg1"/>
+                </a:solidFill>
+                <a:latin typeface="Courier New" panose="02070309020205020404" pitchFamily="49" charset="0"/>
+                <a:cs typeface="Courier New" panose="02070309020205020404" pitchFamily="49" charset="0"/>
+              </a:rPr>
+              <a:t>‘div’).remove(‘p’);</a:t>
+            </a:r>
+          </a:p>
+          <a:p>
+            <a:pPr marL="0" indent="0">
+              <a:buNone/>
+            </a:pPr>
+            <a:endParaRPr lang="en-US" sz="1800" dirty="0" smtClean="0">
+              <a:solidFill>
+                <a:schemeClr val="bg1"/>
+              </a:solidFill>
+              <a:latin typeface="Courier New" panose="02070309020205020404" pitchFamily="49" charset="0"/>
+              <a:cs typeface="Courier New" panose="02070309020205020404" pitchFamily="49" charset="0"/>
+            </a:endParaRPr>
+          </a:p>
+          <a:p>
+            <a:pPr marL="0" indent="0">
+              <a:buNone/>
+            </a:pPr>
+            <a:r>
+              <a:rPr lang="bg-BG" sz="2500" dirty="0">
+                <a:solidFill>
+                  <a:schemeClr val="bg1"/>
+                </a:solidFill>
+                <a:cs typeface="Courier New" panose="02070309020205020404" pitchFamily="49" charset="0"/>
+              </a:rPr>
+              <a:t>К</a:t>
+            </a:r>
+            <a:r>
+              <a:rPr lang="bg-BG" sz="2500" dirty="0" smtClean="0">
+                <a:solidFill>
+                  <a:schemeClr val="bg1"/>
+                </a:solidFill>
+                <a:cs typeface="Courier New" panose="02070309020205020404" pitchFamily="49" charset="0"/>
+              </a:rPr>
+              <a:t>акто </a:t>
+            </a:r>
+            <a:r>
+              <a:rPr lang="bg-BG" sz="2500" dirty="0">
+                <a:solidFill>
+                  <a:schemeClr val="bg1"/>
+                </a:solidFill>
+                <a:cs typeface="Courier New" panose="02070309020205020404" pitchFamily="49" charset="0"/>
+              </a:rPr>
+              <a:t>и да изтриваме едновременно няколко елемента</a:t>
+            </a:r>
+            <a:r>
+              <a:rPr lang="bg-BG" sz="2500" dirty="0" smtClean="0">
+                <a:solidFill>
+                  <a:schemeClr val="bg1"/>
+                </a:solidFill>
+                <a:cs typeface="Courier New" panose="02070309020205020404" pitchFamily="49" charset="0"/>
+              </a:rPr>
+              <a:t>.</a:t>
+            </a:r>
+            <a:endParaRPr lang="en-US" sz="1800" dirty="0">
+              <a:solidFill>
+                <a:schemeClr val="bg1"/>
+              </a:solidFill>
+              <a:latin typeface="Courier New" panose="02070309020205020404" pitchFamily="49" charset="0"/>
+              <a:cs typeface="Courier New" panose="02070309020205020404" pitchFamily="49" charset="0"/>
+            </a:endParaRPr>
+          </a:p>
+          <a:p>
+            <a:pPr marL="0" indent="0">
+              <a:buNone/>
+            </a:pPr>
+            <a:r>
+              <a:rPr lang="en-US" sz="1800" dirty="0" smtClean="0">
+                <a:solidFill>
+                  <a:schemeClr val="bg1"/>
+                </a:solidFill>
+                <a:latin typeface="Courier New" panose="02070309020205020404" pitchFamily="49" charset="0"/>
+                <a:cs typeface="Courier New" panose="02070309020205020404" pitchFamily="49" charset="0"/>
+              </a:rPr>
+              <a:t>$(‘div’).remove(‘a, p’);</a:t>
+            </a:r>
+          </a:p>
+        </p:txBody>
+      </p:sp>
+    </p:spTree>
+    <p:extLst>
+      <p:ext uri="{BB962C8B-B14F-4D97-AF65-F5344CB8AC3E}">
+        <p14:creationId xmlns:p14="http://schemas.microsoft.com/office/powerpoint/2010/main" val="1875433841"/>
+      </p:ext>
+    </p:extLst>
+  </p:cSld>
+  <p:clrMapOvr>
+    <a:masterClrMapping/>
+  </p:clrMapOvr>
+  <mc:AlternateContent xmlns:mc="http://schemas.openxmlformats.org/markup-compatibility/2006" xmlns:p14="http://schemas.microsoft.com/office/powerpoint/2010/main">
+    <mc:Choice Requires="p14">
+      <p:transition spd="slow" p14:dur="2000"/>
+    </mc:Choice>
+    <mc:Fallback xmlns="">
+      <p:transition spd="slow"/>
+    </mc:Fallback>
+  </mc:AlternateContent>
+  <p:timing>
+    <p:tnLst>
+      <p:par>
+        <p:cTn id="1" dur="indefinite" restart="never" nodeType="tmRoot"/>
+      </p:par>
+    </p:tnLst>
+  </p:timing>
+</p:sld>
+</file>
+
+<file path=ppt/slides/slide21.xml><?xml version="1.0" encoding="utf-8"?>
+<p:sld xmlns:a="http://schemas.openxmlformats.org/drawingml/2006/main" xmlns:r="http://schemas.openxmlformats.org/officeDocument/2006/relationships" xmlns:p="http://schemas.openxmlformats.org/presentationml/2006/main">
+  <p:cSld>
+    <p:spTree>
+      <p:nvGrpSpPr>
+        <p:cNvPr id="1" name=""/>
+        <p:cNvGrpSpPr/>
+        <p:nvPr/>
+      </p:nvGrpSpPr>
+      <p:grpSpPr>
+        <a:xfrm>
+          <a:off x="0" y="0"/>
+          <a:ext cx="0" cy="0"/>
+          <a:chOff x="0" y="0"/>
+          <a:chExt cx="0" cy="0"/>
+        </a:xfrm>
+      </p:grpSpPr>
+      <p:sp>
+        <p:nvSpPr>
+          <p:cNvPr id="2" name="Title 1"/>
+          <p:cNvSpPr>
+            <a:spLocks noGrp="1"/>
+          </p:cNvSpPr>
+          <p:nvPr>
+            <p:ph type="title"/>
+          </p:nvPr>
+        </p:nvSpPr>
+        <p:spPr>
+          <a:xfrm>
+            <a:off x="457200" y="685800"/>
+            <a:ext cx="8610600" cy="1143000"/>
+          </a:xfrm>
+        </p:spPr>
+        <p:txBody>
+          <a:bodyPr>
+            <a:normAutofit/>
+          </a:bodyPr>
+          <a:lstStyle/>
+          <a:p>
+            <a:pPr algn="l"/>
+            <a:r>
+              <a:rPr lang="en-US" sz="3000" dirty="0" smtClean="0">
+                <a:solidFill>
+                  <a:schemeClr val="accent6"/>
+                </a:solidFill>
+              </a:rPr>
+              <a:t>jQuery</a:t>
+            </a:r>
+            <a:r>
+              <a:rPr lang="bg-BG" sz="3000" dirty="0" smtClean="0">
+                <a:solidFill>
+                  <a:schemeClr val="accent6"/>
+                </a:solidFill>
+              </a:rPr>
+              <a:t> – класове</a:t>
+            </a:r>
+            <a:endParaRPr lang="bg-BG" sz="3000" dirty="0">
+              <a:solidFill>
+                <a:schemeClr val="accent6"/>
+              </a:solidFill>
+            </a:endParaRPr>
+          </a:p>
+        </p:txBody>
+      </p:sp>
+      <p:sp>
+        <p:nvSpPr>
+          <p:cNvPr id="3" name="Content Placeholder 2"/>
+          <p:cNvSpPr>
+            <a:spLocks noGrp="1"/>
+          </p:cNvSpPr>
+          <p:nvPr>
+            <p:ph idx="1"/>
+          </p:nvPr>
+        </p:nvSpPr>
+        <p:spPr>
+          <a:xfrm>
+            <a:off x="457200" y="1447800"/>
+            <a:ext cx="8229600" cy="5029200"/>
+          </a:xfrm>
+        </p:spPr>
+        <p:txBody>
+          <a:bodyPr>
+            <a:noAutofit/>
+          </a:bodyPr>
+          <a:lstStyle/>
+          <a:p>
+            <a:pPr marL="0" indent="0">
+              <a:buNone/>
+            </a:pPr>
+            <a:r>
+              <a:rPr lang="bg-BG" sz="2500" dirty="0" smtClean="0">
+                <a:solidFill>
+                  <a:schemeClr val="bg1"/>
+                </a:solidFill>
+                <a:latin typeface="+mj-lt"/>
+                <a:cs typeface="Courier New" panose="02070309020205020404" pitchFamily="49" charset="0"/>
+              </a:rPr>
+              <a:t>С функциите </a:t>
+            </a:r>
+            <a:r>
+              <a:rPr lang="en-US" sz="2500" dirty="0" err="1" smtClean="0">
+                <a:solidFill>
+                  <a:schemeClr val="bg1"/>
+                </a:solidFill>
+                <a:latin typeface="+mj-lt"/>
+                <a:cs typeface="Courier New" panose="02070309020205020404" pitchFamily="49" charset="0"/>
+              </a:rPr>
+              <a:t>addClass</a:t>
+            </a:r>
+            <a:r>
+              <a:rPr lang="en-US" sz="2500" dirty="0" smtClean="0">
+                <a:solidFill>
+                  <a:schemeClr val="bg1"/>
+                </a:solidFill>
+                <a:latin typeface="+mj-lt"/>
+                <a:cs typeface="Courier New" panose="02070309020205020404" pitchFamily="49" charset="0"/>
+              </a:rPr>
+              <a:t>() </a:t>
+            </a:r>
+            <a:r>
+              <a:rPr lang="bg-BG" sz="2500" dirty="0" smtClean="0">
+                <a:solidFill>
+                  <a:schemeClr val="bg1"/>
+                </a:solidFill>
+                <a:latin typeface="+mj-lt"/>
+                <a:cs typeface="Courier New" panose="02070309020205020404" pitchFamily="49" charset="0"/>
+              </a:rPr>
+              <a:t>и </a:t>
+            </a:r>
+            <a:r>
+              <a:rPr lang="en-US" sz="2500" dirty="0" err="1" smtClean="0">
+                <a:solidFill>
+                  <a:schemeClr val="bg1"/>
+                </a:solidFill>
+                <a:latin typeface="+mj-lt"/>
+                <a:cs typeface="Courier New" panose="02070309020205020404" pitchFamily="49" charset="0"/>
+              </a:rPr>
+              <a:t>removeClass</a:t>
+            </a:r>
+            <a:r>
+              <a:rPr lang="en-US" sz="2500" dirty="0" smtClean="0">
+                <a:solidFill>
+                  <a:schemeClr val="bg1"/>
+                </a:solidFill>
+                <a:latin typeface="+mj-lt"/>
+                <a:cs typeface="Courier New" panose="02070309020205020404" pitchFamily="49" charset="0"/>
+              </a:rPr>
+              <a:t>()</a:t>
+            </a:r>
+            <a:r>
+              <a:rPr lang="bg-BG" sz="2500" dirty="0" smtClean="0">
+                <a:solidFill>
+                  <a:schemeClr val="bg1"/>
+                </a:solidFill>
+                <a:latin typeface="+mj-lt"/>
+                <a:cs typeface="Courier New" panose="02070309020205020404" pitchFamily="49" charset="0"/>
+              </a:rPr>
+              <a:t> можем да добавяме или премахваме </a:t>
+            </a:r>
+            <a:r>
+              <a:rPr lang="en-US" sz="2500" dirty="0" err="1" smtClean="0">
+                <a:solidFill>
+                  <a:schemeClr val="bg1"/>
+                </a:solidFill>
+                <a:latin typeface="+mj-lt"/>
+                <a:cs typeface="Courier New" panose="02070309020205020404" pitchFamily="49" charset="0"/>
+              </a:rPr>
+              <a:t>css</a:t>
+            </a:r>
+            <a:r>
+              <a:rPr lang="en-US" sz="2500" dirty="0" smtClean="0">
+                <a:solidFill>
+                  <a:schemeClr val="bg1"/>
+                </a:solidFill>
+                <a:latin typeface="+mj-lt"/>
+                <a:cs typeface="Courier New" panose="02070309020205020404" pitchFamily="49" charset="0"/>
+              </a:rPr>
+              <a:t> </a:t>
+            </a:r>
+            <a:r>
+              <a:rPr lang="bg-BG" sz="2500" dirty="0" smtClean="0">
+                <a:solidFill>
+                  <a:schemeClr val="bg1"/>
+                </a:solidFill>
+                <a:latin typeface="+mj-lt"/>
+                <a:cs typeface="Courier New" panose="02070309020205020404" pitchFamily="49" charset="0"/>
+              </a:rPr>
+              <a:t>клас на даден елемент.</a:t>
+            </a:r>
+          </a:p>
+          <a:p>
+            <a:pPr marL="0" indent="0">
+              <a:buNone/>
+            </a:pPr>
+            <a:r>
+              <a:rPr lang="en-US" sz="1800" dirty="0" smtClean="0">
+                <a:solidFill>
+                  <a:schemeClr val="bg1"/>
+                </a:solidFill>
+                <a:latin typeface="Courier New" panose="02070309020205020404" pitchFamily="49" charset="0"/>
+                <a:cs typeface="Courier New" panose="02070309020205020404" pitchFamily="49" charset="0"/>
+              </a:rPr>
+              <a:t>$(‘.article’).</a:t>
+            </a:r>
+            <a:r>
+              <a:rPr lang="en-US" sz="1800" dirty="0" err="1" smtClean="0">
+                <a:solidFill>
+                  <a:schemeClr val="bg1"/>
+                </a:solidFill>
+                <a:latin typeface="Courier New" panose="02070309020205020404" pitchFamily="49" charset="0"/>
+                <a:cs typeface="Courier New" panose="02070309020205020404" pitchFamily="49" charset="0"/>
+              </a:rPr>
+              <a:t>addClass</a:t>
+            </a:r>
+            <a:r>
+              <a:rPr lang="en-US" sz="1800" dirty="0" smtClean="0">
+                <a:solidFill>
+                  <a:schemeClr val="bg1"/>
+                </a:solidFill>
+                <a:latin typeface="Courier New" panose="02070309020205020404" pitchFamily="49" charset="0"/>
+                <a:cs typeface="Courier New" panose="02070309020205020404" pitchFamily="49" charset="0"/>
+              </a:rPr>
+              <a:t>(‘active’);</a:t>
+            </a:r>
+          </a:p>
+          <a:p>
+            <a:pPr marL="0" indent="0">
+              <a:buNone/>
+            </a:pPr>
+            <a:r>
+              <a:rPr lang="en-US" sz="1800" dirty="0" smtClean="0">
+                <a:solidFill>
+                  <a:schemeClr val="bg1"/>
+                </a:solidFill>
+                <a:latin typeface="Courier New" panose="02070309020205020404" pitchFamily="49" charset="0"/>
+                <a:cs typeface="Courier New" panose="02070309020205020404" pitchFamily="49" charset="0"/>
+              </a:rPr>
+              <a:t>$(‘.article’).</a:t>
+            </a:r>
+            <a:r>
+              <a:rPr lang="en-US" sz="1800" dirty="0" err="1" smtClean="0">
+                <a:solidFill>
+                  <a:schemeClr val="bg1"/>
+                </a:solidFill>
+                <a:latin typeface="Courier New" panose="02070309020205020404" pitchFamily="49" charset="0"/>
+                <a:cs typeface="Courier New" panose="02070309020205020404" pitchFamily="49" charset="0"/>
+              </a:rPr>
+              <a:t>removeClass</a:t>
+            </a:r>
+            <a:r>
+              <a:rPr lang="en-US" sz="1800" dirty="0" smtClean="0">
+                <a:solidFill>
+                  <a:schemeClr val="bg1"/>
+                </a:solidFill>
+                <a:latin typeface="Courier New" panose="02070309020205020404" pitchFamily="49" charset="0"/>
+                <a:cs typeface="Courier New" panose="02070309020205020404" pitchFamily="49" charset="0"/>
+              </a:rPr>
+              <a:t>(‘active’);</a:t>
+            </a:r>
+          </a:p>
+          <a:p>
+            <a:pPr marL="0" indent="0">
+              <a:buNone/>
+            </a:pPr>
+            <a:r>
+              <a:rPr lang="bg-BG" sz="2500" dirty="0" smtClean="0">
+                <a:solidFill>
+                  <a:schemeClr val="bg1"/>
+                </a:solidFill>
+                <a:latin typeface="+mj-lt"/>
+                <a:cs typeface="Courier New" panose="02070309020205020404" pitchFamily="49" charset="0"/>
+              </a:rPr>
+              <a:t>Като добавяният или изтриваният клас в скобите се пише без точка.</a:t>
+            </a:r>
+          </a:p>
+          <a:p>
+            <a:pPr marL="0" indent="0">
+              <a:buNone/>
+            </a:pPr>
+            <a:endParaRPr lang="bg-BG" sz="2500" dirty="0">
+              <a:solidFill>
+                <a:schemeClr val="bg1"/>
+              </a:solidFill>
+              <a:latin typeface="+mj-lt"/>
+              <a:cs typeface="Courier New" panose="02070309020205020404" pitchFamily="49" charset="0"/>
+            </a:endParaRPr>
+          </a:p>
+          <a:p>
+            <a:pPr marL="0" indent="0">
+              <a:buNone/>
+            </a:pPr>
+            <a:r>
+              <a:rPr lang="bg-BG" sz="2500" dirty="0" smtClean="0">
+                <a:solidFill>
+                  <a:schemeClr val="bg1"/>
+                </a:solidFill>
+                <a:latin typeface="+mj-lt"/>
+                <a:cs typeface="Courier New" panose="02070309020205020404" pitchFamily="49" charset="0"/>
+              </a:rPr>
+              <a:t>Методът </a:t>
+            </a:r>
+            <a:r>
+              <a:rPr lang="en-US" sz="2500" dirty="0" err="1" smtClean="0">
+                <a:solidFill>
+                  <a:schemeClr val="bg1"/>
+                </a:solidFill>
+                <a:latin typeface="+mj-lt"/>
+                <a:cs typeface="Courier New" panose="02070309020205020404" pitchFamily="49" charset="0"/>
+              </a:rPr>
+              <a:t>toggleClass</a:t>
+            </a:r>
+            <a:r>
+              <a:rPr lang="en-US" sz="2500" dirty="0" smtClean="0">
+                <a:solidFill>
+                  <a:schemeClr val="bg1"/>
+                </a:solidFill>
+                <a:latin typeface="+mj-lt"/>
+                <a:cs typeface="Courier New" panose="02070309020205020404" pitchFamily="49" charset="0"/>
+              </a:rPr>
+              <a:t>() </a:t>
+            </a:r>
+            <a:r>
+              <a:rPr lang="bg-BG" sz="2500" dirty="0" smtClean="0">
+                <a:solidFill>
+                  <a:schemeClr val="bg1"/>
+                </a:solidFill>
+                <a:latin typeface="+mj-lt"/>
+                <a:cs typeface="Courier New" panose="02070309020205020404" pitchFamily="49" charset="0"/>
+              </a:rPr>
+              <a:t>е аналогичен на разгледаните до момента </a:t>
+            </a:r>
+            <a:r>
+              <a:rPr lang="en-US" sz="2500" dirty="0" smtClean="0">
+                <a:solidFill>
+                  <a:schemeClr val="bg1"/>
+                </a:solidFill>
+                <a:latin typeface="+mj-lt"/>
+                <a:cs typeface="Courier New" panose="02070309020205020404" pitchFamily="49" charset="0"/>
+              </a:rPr>
+              <a:t>toggle </a:t>
+            </a:r>
+            <a:r>
+              <a:rPr lang="bg-BG" sz="2500" dirty="0" smtClean="0">
+                <a:solidFill>
+                  <a:schemeClr val="bg1"/>
+                </a:solidFill>
+                <a:latin typeface="+mj-lt"/>
+                <a:cs typeface="Courier New" panose="02070309020205020404" pitchFamily="49" charset="0"/>
+              </a:rPr>
+              <a:t>методи, като той проверява дали желаният елемент притежава даден клас и ако да – го премахва, ако не – го добавя.</a:t>
+            </a:r>
+          </a:p>
+          <a:p>
+            <a:pPr marL="0" indent="0">
+              <a:buNone/>
+            </a:pPr>
+            <a:r>
+              <a:rPr lang="en-US" sz="1800" dirty="0" smtClean="0">
+                <a:solidFill>
+                  <a:schemeClr val="bg1"/>
+                </a:solidFill>
+                <a:latin typeface="Courier New" panose="02070309020205020404" pitchFamily="49" charset="0"/>
+                <a:cs typeface="Courier New" panose="02070309020205020404" pitchFamily="49" charset="0"/>
+              </a:rPr>
+              <a:t>$(‘.article’).</a:t>
+            </a:r>
+            <a:r>
+              <a:rPr lang="en-US" sz="1800" dirty="0" err="1" smtClean="0">
+                <a:solidFill>
+                  <a:schemeClr val="bg1"/>
+                </a:solidFill>
+                <a:latin typeface="Courier New" panose="02070309020205020404" pitchFamily="49" charset="0"/>
+                <a:cs typeface="Courier New" panose="02070309020205020404" pitchFamily="49" charset="0"/>
+              </a:rPr>
+              <a:t>toggleClass</a:t>
+            </a:r>
+            <a:r>
+              <a:rPr lang="en-US" sz="1800" dirty="0" smtClean="0">
+                <a:solidFill>
+                  <a:schemeClr val="bg1"/>
+                </a:solidFill>
+                <a:latin typeface="Courier New" panose="02070309020205020404" pitchFamily="49" charset="0"/>
+                <a:cs typeface="Courier New" panose="02070309020205020404" pitchFamily="49" charset="0"/>
+              </a:rPr>
+              <a:t>(‘active’);</a:t>
+            </a:r>
+          </a:p>
+        </p:txBody>
+      </p:sp>
+    </p:spTree>
+    <p:extLst>
+      <p:ext uri="{BB962C8B-B14F-4D97-AF65-F5344CB8AC3E}">
+        <p14:creationId xmlns:p14="http://schemas.microsoft.com/office/powerpoint/2010/main" val="3320958633"/>
+      </p:ext>
+    </p:extLst>
+  </p:cSld>
+  <p:clrMapOvr>
+    <a:masterClrMapping/>
+  </p:clrMapOvr>
+  <mc:AlternateContent xmlns:mc="http://schemas.openxmlformats.org/markup-compatibility/2006" xmlns:p14="http://schemas.microsoft.com/office/powerpoint/2010/main">
+    <mc:Choice Requires="p14">
+      <p:transition spd="slow" p14:dur="2000"/>
+    </mc:Choice>
+    <mc:Fallback xmlns="">
+      <p:transition spd="slow"/>
+    </mc:Fallback>
+  </mc:AlternateContent>
+  <p:timing>
+    <p:tnLst>
+      <p:par>
+        <p:cTn id="1" dur="indefinite" restart="never" nodeType="tmRoot"/>
+      </p:par>
+    </p:tnLst>
+  </p:timing>
+</p:sld>
+</file>
+
+<file path=ppt/slides/slide22.xml><?xml version="1.0" encoding="utf-8"?>
+<p:sld xmlns:a="http://schemas.openxmlformats.org/drawingml/2006/main" xmlns:r="http://schemas.openxmlformats.org/officeDocument/2006/relationships" xmlns:p="http://schemas.openxmlformats.org/presentationml/2006/main">
+  <p:cSld>
+    <p:spTree>
+      <p:nvGrpSpPr>
+        <p:cNvPr id="1" name=""/>
+        <p:cNvGrpSpPr/>
+        <p:nvPr/>
+      </p:nvGrpSpPr>
+      <p:grpSpPr>
+        <a:xfrm>
+          <a:off x="0" y="0"/>
+          <a:ext cx="0" cy="0"/>
+          <a:chOff x="0" y="0"/>
+          <a:chExt cx="0" cy="0"/>
+        </a:xfrm>
+      </p:grpSpPr>
+      <p:sp>
+        <p:nvSpPr>
+          <p:cNvPr id="2" name="Title 1"/>
+          <p:cNvSpPr>
+            <a:spLocks noGrp="1"/>
+          </p:cNvSpPr>
+          <p:nvPr>
+            <p:ph type="title"/>
+          </p:nvPr>
+        </p:nvSpPr>
+        <p:spPr>
+          <a:xfrm>
+            <a:off x="457200" y="685800"/>
+            <a:ext cx="8610600" cy="1143000"/>
+          </a:xfrm>
+        </p:spPr>
+        <p:txBody>
+          <a:bodyPr>
+            <a:normAutofit/>
+          </a:bodyPr>
+          <a:lstStyle/>
+          <a:p>
+            <a:pPr algn="l"/>
+            <a:r>
+              <a:rPr lang="en-US" sz="3000" dirty="0" smtClean="0">
+                <a:solidFill>
+                  <a:schemeClr val="accent6"/>
+                </a:solidFill>
+              </a:rPr>
+              <a:t>jQuery</a:t>
+            </a:r>
+            <a:r>
+              <a:rPr lang="bg-BG" sz="3000" dirty="0" smtClean="0">
+                <a:solidFill>
+                  <a:schemeClr val="accent6"/>
+                </a:solidFill>
+              </a:rPr>
+              <a:t> – размери</a:t>
+            </a:r>
+            <a:endParaRPr lang="bg-BG" sz="3000" dirty="0">
+              <a:solidFill>
+                <a:schemeClr val="accent6"/>
+              </a:solidFill>
+            </a:endParaRPr>
+          </a:p>
+        </p:txBody>
+      </p:sp>
+      <p:sp>
+        <p:nvSpPr>
+          <p:cNvPr id="3" name="Content Placeholder 2"/>
+          <p:cNvSpPr>
+            <a:spLocks noGrp="1"/>
+          </p:cNvSpPr>
+          <p:nvPr>
+            <p:ph idx="1"/>
+          </p:nvPr>
+        </p:nvSpPr>
+        <p:spPr>
+          <a:xfrm>
+            <a:off x="457200" y="1447800"/>
+            <a:ext cx="8229600" cy="5029200"/>
+          </a:xfrm>
+        </p:spPr>
+        <p:txBody>
+          <a:bodyPr>
+            <a:noAutofit/>
+          </a:bodyPr>
+          <a:lstStyle/>
+          <a:p>
+            <a:pPr marL="0" indent="0">
+              <a:buNone/>
+            </a:pPr>
+            <a:r>
+              <a:rPr lang="bg-BG" sz="2500" dirty="0" smtClean="0">
+                <a:solidFill>
+                  <a:schemeClr val="bg1"/>
+                </a:solidFill>
+                <a:latin typeface="+mj-lt"/>
+                <a:cs typeface="Courier New" panose="02070309020205020404" pitchFamily="49" charset="0"/>
+              </a:rPr>
+              <a:t>С </a:t>
+            </a:r>
+            <a:r>
+              <a:rPr lang="en-US" sz="2500" dirty="0" smtClean="0">
+                <a:solidFill>
+                  <a:schemeClr val="bg1"/>
+                </a:solidFill>
+                <a:latin typeface="+mj-lt"/>
+                <a:cs typeface="Courier New" panose="02070309020205020404" pitchFamily="49" charset="0"/>
+              </a:rPr>
+              <a:t>jQuery </a:t>
+            </a:r>
+            <a:r>
+              <a:rPr lang="bg-BG" sz="2500" dirty="0" smtClean="0">
+                <a:solidFill>
+                  <a:schemeClr val="bg1"/>
+                </a:solidFill>
+                <a:latin typeface="+mj-lt"/>
+                <a:cs typeface="Courier New" panose="02070309020205020404" pitchFamily="49" charset="0"/>
+              </a:rPr>
+              <a:t>можем да взимаме размерите на даден елемент.</a:t>
+            </a:r>
+          </a:p>
+          <a:p>
+            <a:pPr marL="0" indent="0">
+              <a:buNone/>
+            </a:pPr>
+            <a:r>
+              <a:rPr lang="bg-BG" sz="2500" dirty="0" smtClean="0">
+                <a:solidFill>
+                  <a:schemeClr val="bg1"/>
+                </a:solidFill>
+                <a:latin typeface="+mj-lt"/>
+                <a:cs typeface="Courier New" panose="02070309020205020404" pitchFamily="49" charset="0"/>
+              </a:rPr>
+              <a:t>Това става посредством функциите </a:t>
+            </a:r>
+            <a:r>
+              <a:rPr lang="en-US" sz="2500" dirty="0" smtClean="0">
+                <a:solidFill>
+                  <a:schemeClr val="bg1"/>
+                </a:solidFill>
+                <a:latin typeface="+mj-lt"/>
+                <a:cs typeface="Courier New" panose="02070309020205020404" pitchFamily="49" charset="0"/>
+              </a:rPr>
+              <a:t>height(), width(), </a:t>
+            </a:r>
+            <a:r>
+              <a:rPr lang="en-US" sz="2500" dirty="0" err="1" smtClean="0">
+                <a:solidFill>
+                  <a:schemeClr val="bg1"/>
+                </a:solidFill>
+                <a:latin typeface="+mj-lt"/>
+                <a:cs typeface="Courier New" panose="02070309020205020404" pitchFamily="49" charset="0"/>
+              </a:rPr>
+              <a:t>innerHeight</a:t>
+            </a:r>
+            <a:r>
+              <a:rPr lang="en-US" sz="2500" dirty="0" smtClean="0">
+                <a:solidFill>
+                  <a:schemeClr val="bg1"/>
+                </a:solidFill>
+                <a:latin typeface="+mj-lt"/>
+                <a:cs typeface="Courier New" panose="02070309020205020404" pitchFamily="49" charset="0"/>
+              </a:rPr>
+              <a:t>(), </a:t>
+            </a:r>
+            <a:r>
+              <a:rPr lang="en-US" sz="2500" dirty="0" err="1" smtClean="0">
+                <a:solidFill>
+                  <a:schemeClr val="bg1"/>
+                </a:solidFill>
+                <a:latin typeface="+mj-lt"/>
+                <a:cs typeface="Courier New" panose="02070309020205020404" pitchFamily="49" charset="0"/>
+              </a:rPr>
+              <a:t>innerWidth</a:t>
+            </a:r>
+            <a:r>
+              <a:rPr lang="en-US" sz="2500" dirty="0" smtClean="0">
+                <a:solidFill>
+                  <a:schemeClr val="bg1"/>
+                </a:solidFill>
+                <a:latin typeface="+mj-lt"/>
+                <a:cs typeface="Courier New" panose="02070309020205020404" pitchFamily="49" charset="0"/>
+              </a:rPr>
+              <a:t>(), </a:t>
+            </a:r>
+            <a:r>
+              <a:rPr lang="en-US" sz="2500" dirty="0" err="1" smtClean="0">
+                <a:solidFill>
+                  <a:schemeClr val="bg1"/>
+                </a:solidFill>
+                <a:latin typeface="+mj-lt"/>
+                <a:cs typeface="Courier New" panose="02070309020205020404" pitchFamily="49" charset="0"/>
+              </a:rPr>
+              <a:t>outerHeight</a:t>
+            </a:r>
+            <a:r>
+              <a:rPr lang="en-US" sz="2500" dirty="0" smtClean="0">
+                <a:solidFill>
+                  <a:schemeClr val="bg1"/>
+                </a:solidFill>
+                <a:latin typeface="+mj-lt"/>
+                <a:cs typeface="Courier New" panose="02070309020205020404" pitchFamily="49" charset="0"/>
+              </a:rPr>
+              <a:t>() </a:t>
+            </a:r>
+            <a:r>
+              <a:rPr lang="bg-BG" sz="2500" dirty="0" smtClean="0">
+                <a:solidFill>
+                  <a:schemeClr val="bg1"/>
+                </a:solidFill>
+                <a:latin typeface="+mj-lt"/>
+                <a:cs typeface="Courier New" panose="02070309020205020404" pitchFamily="49" charset="0"/>
+              </a:rPr>
+              <a:t>и </a:t>
+            </a:r>
+            <a:r>
+              <a:rPr lang="en-US" sz="2500" dirty="0" err="1" smtClean="0">
+                <a:solidFill>
+                  <a:schemeClr val="bg1"/>
+                </a:solidFill>
+                <a:latin typeface="+mj-lt"/>
+                <a:cs typeface="Courier New" panose="02070309020205020404" pitchFamily="49" charset="0"/>
+              </a:rPr>
+              <a:t>outerWidth</a:t>
+            </a:r>
+            <a:r>
+              <a:rPr lang="en-US" sz="2500" dirty="0" smtClean="0">
+                <a:solidFill>
+                  <a:schemeClr val="bg1"/>
+                </a:solidFill>
+                <a:latin typeface="+mj-lt"/>
+                <a:cs typeface="Courier New" panose="02070309020205020404" pitchFamily="49" charset="0"/>
+              </a:rPr>
+              <a:t>().</a:t>
+            </a:r>
+          </a:p>
+          <a:p>
+            <a:pPr marL="0" indent="0">
+              <a:buNone/>
+            </a:pPr>
+            <a:r>
+              <a:rPr lang="bg-BG" sz="2500" dirty="0" smtClean="0">
+                <a:solidFill>
+                  <a:schemeClr val="bg1"/>
+                </a:solidFill>
+                <a:latin typeface="+mj-lt"/>
+                <a:cs typeface="Courier New" panose="02070309020205020404" pitchFamily="49" charset="0"/>
+              </a:rPr>
+              <a:t>Функцията </a:t>
+            </a:r>
+            <a:r>
+              <a:rPr lang="en-US" sz="2500" dirty="0" smtClean="0">
+                <a:solidFill>
+                  <a:schemeClr val="bg1"/>
+                </a:solidFill>
+                <a:latin typeface="+mj-lt"/>
+                <a:cs typeface="Courier New" panose="02070309020205020404" pitchFamily="49" charset="0"/>
+              </a:rPr>
+              <a:t>height()</a:t>
+            </a:r>
+            <a:r>
+              <a:rPr lang="bg-BG" sz="2500" dirty="0" smtClean="0">
+                <a:solidFill>
+                  <a:schemeClr val="bg1"/>
+                </a:solidFill>
+                <a:latin typeface="+mj-lt"/>
+                <a:cs typeface="Courier New" panose="02070309020205020404" pitchFamily="49" charset="0"/>
+              </a:rPr>
+              <a:t> връща височината на елемента, като не включва марджините и падингите.</a:t>
+            </a:r>
+          </a:p>
+          <a:p>
+            <a:pPr marL="0" indent="0">
+              <a:buNone/>
+            </a:pPr>
+            <a:r>
+              <a:rPr lang="bg-BG" sz="2500" dirty="0" smtClean="0">
+                <a:solidFill>
+                  <a:schemeClr val="bg1"/>
+                </a:solidFill>
+                <a:latin typeface="+mj-lt"/>
+                <a:cs typeface="Courier New" panose="02070309020205020404" pitchFamily="49" charset="0"/>
+              </a:rPr>
+              <a:t>Функцията </a:t>
+            </a:r>
+            <a:r>
+              <a:rPr lang="en-US" sz="2500" dirty="0" smtClean="0">
+                <a:solidFill>
+                  <a:schemeClr val="bg1"/>
+                </a:solidFill>
+                <a:latin typeface="+mj-lt"/>
+                <a:cs typeface="Courier New" panose="02070309020205020404" pitchFamily="49" charset="0"/>
+              </a:rPr>
+              <a:t>width() </a:t>
+            </a:r>
+            <a:r>
+              <a:rPr lang="bg-BG" sz="2500" dirty="0" smtClean="0">
+                <a:solidFill>
+                  <a:schemeClr val="bg1"/>
+                </a:solidFill>
+                <a:latin typeface="+mj-lt"/>
+                <a:cs typeface="Courier New" panose="02070309020205020404" pitchFamily="49" charset="0"/>
+              </a:rPr>
+              <a:t>връща широчината на елемента, като не включва марджините и падингите.</a:t>
+            </a:r>
+          </a:p>
+          <a:p>
+            <a:pPr marL="0" indent="0">
+              <a:buNone/>
+            </a:pPr>
+            <a:r>
+              <a:rPr lang="bg-BG" sz="2500" dirty="0" smtClean="0">
+                <a:solidFill>
+                  <a:schemeClr val="bg1"/>
+                </a:solidFill>
+                <a:latin typeface="+mj-lt"/>
+                <a:cs typeface="Courier New" panose="02070309020205020404" pitchFamily="49" charset="0"/>
+              </a:rPr>
+              <a:t>Функцията </a:t>
+            </a:r>
+            <a:r>
+              <a:rPr lang="en-US" sz="2500" dirty="0" err="1" smtClean="0">
+                <a:solidFill>
+                  <a:schemeClr val="bg1"/>
+                </a:solidFill>
+                <a:latin typeface="+mj-lt"/>
+                <a:cs typeface="Courier New" panose="02070309020205020404" pitchFamily="49" charset="0"/>
+              </a:rPr>
+              <a:t>innerHeight</a:t>
+            </a:r>
+            <a:r>
+              <a:rPr lang="en-US" sz="2500" dirty="0" smtClean="0">
+                <a:solidFill>
+                  <a:schemeClr val="bg1"/>
+                </a:solidFill>
+                <a:latin typeface="+mj-lt"/>
+                <a:cs typeface="Courier New" panose="02070309020205020404" pitchFamily="49" charset="0"/>
+              </a:rPr>
+              <a:t>() </a:t>
+            </a:r>
+            <a:r>
+              <a:rPr lang="bg-BG" sz="2500" dirty="0" smtClean="0">
+                <a:solidFill>
+                  <a:schemeClr val="bg1"/>
+                </a:solidFill>
+                <a:latin typeface="+mj-lt"/>
+                <a:cs typeface="Courier New" panose="02070309020205020404" pitchFamily="49" charset="0"/>
+              </a:rPr>
+              <a:t>връща височината на елемента, като в нея включва и падингите.</a:t>
+            </a:r>
+          </a:p>
+          <a:p>
+            <a:pPr marL="0" indent="0">
+              <a:buNone/>
+            </a:pPr>
+            <a:r>
+              <a:rPr lang="bg-BG" sz="2500" dirty="0" smtClean="0">
+                <a:solidFill>
+                  <a:schemeClr val="bg1"/>
+                </a:solidFill>
+                <a:latin typeface="+mj-lt"/>
+                <a:cs typeface="Courier New" panose="02070309020205020404" pitchFamily="49" charset="0"/>
+              </a:rPr>
+              <a:t>Функцията </a:t>
+            </a:r>
+            <a:r>
+              <a:rPr lang="en-US" sz="2500" dirty="0" err="1" smtClean="0">
+                <a:solidFill>
+                  <a:schemeClr val="bg1"/>
+                </a:solidFill>
+                <a:latin typeface="+mj-lt"/>
+                <a:cs typeface="Courier New" panose="02070309020205020404" pitchFamily="49" charset="0"/>
+              </a:rPr>
+              <a:t>innerWidth</a:t>
+            </a:r>
+            <a:r>
+              <a:rPr lang="bg-BG" sz="2500" dirty="0" smtClean="0">
+                <a:solidFill>
+                  <a:schemeClr val="bg1"/>
+                </a:solidFill>
+                <a:latin typeface="+mj-lt"/>
+                <a:cs typeface="Courier New" panose="02070309020205020404" pitchFamily="49" charset="0"/>
+              </a:rPr>
+              <a:t>() връща широчината на елемента, като в нея включва и падингите.</a:t>
+            </a:r>
+          </a:p>
+        </p:txBody>
+      </p:sp>
+    </p:spTree>
+    <p:extLst>
+      <p:ext uri="{BB962C8B-B14F-4D97-AF65-F5344CB8AC3E}">
+        <p14:creationId xmlns:p14="http://schemas.microsoft.com/office/powerpoint/2010/main" val="219233171"/>
+      </p:ext>
+    </p:extLst>
+  </p:cSld>
+  <p:clrMapOvr>
+    <a:masterClrMapping/>
+  </p:clrMapOvr>
+  <mc:AlternateContent xmlns:mc="http://schemas.openxmlformats.org/markup-compatibility/2006" xmlns:p14="http://schemas.microsoft.com/office/powerpoint/2010/main">
+    <mc:Choice Requires="p14">
+      <p:transition spd="slow" p14:dur="2000"/>
+    </mc:Choice>
+    <mc:Fallback xmlns="">
+      <p:transition spd="slow"/>
+    </mc:Fallback>
+  </mc:AlternateContent>
+  <p:timing>
+    <p:tnLst>
+      <p:par>
+        <p:cTn id="1" dur="indefinite" restart="never" nodeType="tmRoot"/>
+      </p:par>
+    </p:tnLst>
+  </p:timing>
+</p:sld>
+</file>
+
+<file path=ppt/slides/slide23.xml><?xml version="1.0" encoding="utf-8"?>
+<p:sld xmlns:a="http://schemas.openxmlformats.org/drawingml/2006/main" xmlns:r="http://schemas.openxmlformats.org/officeDocument/2006/relationships" xmlns:p="http://schemas.openxmlformats.org/presentationml/2006/main">
+  <p:cSld>
+    <p:spTree>
+      <p:nvGrpSpPr>
+        <p:cNvPr id="1" name=""/>
+        <p:cNvGrpSpPr/>
+        <p:nvPr/>
+      </p:nvGrpSpPr>
+      <p:grpSpPr>
+        <a:xfrm>
+          <a:off x="0" y="0"/>
+          <a:ext cx="0" cy="0"/>
+          <a:chOff x="0" y="0"/>
+          <a:chExt cx="0" cy="0"/>
+        </a:xfrm>
+      </p:grpSpPr>
+      <p:sp>
+        <p:nvSpPr>
+          <p:cNvPr id="2" name="Title 1"/>
+          <p:cNvSpPr>
+            <a:spLocks noGrp="1"/>
+          </p:cNvSpPr>
+          <p:nvPr>
+            <p:ph type="title"/>
+          </p:nvPr>
+        </p:nvSpPr>
+        <p:spPr>
+          <a:xfrm>
+            <a:off x="457200" y="685800"/>
+            <a:ext cx="8610600" cy="1143000"/>
+          </a:xfrm>
+        </p:spPr>
+        <p:txBody>
+          <a:bodyPr>
+            <a:normAutofit/>
+          </a:bodyPr>
+          <a:lstStyle/>
+          <a:p>
+            <a:pPr algn="l"/>
+            <a:r>
+              <a:rPr lang="en-US" sz="3000" dirty="0" smtClean="0">
+                <a:solidFill>
+                  <a:schemeClr val="accent6"/>
+                </a:solidFill>
+              </a:rPr>
+              <a:t>jQuery</a:t>
+            </a:r>
+            <a:r>
+              <a:rPr lang="bg-BG" sz="3000" dirty="0" smtClean="0">
+                <a:solidFill>
+                  <a:schemeClr val="accent6"/>
+                </a:solidFill>
+              </a:rPr>
+              <a:t> – размери</a:t>
+            </a:r>
+            <a:endParaRPr lang="bg-BG" sz="3000" dirty="0">
+              <a:solidFill>
+                <a:schemeClr val="accent6"/>
+              </a:solidFill>
+            </a:endParaRPr>
+          </a:p>
+        </p:txBody>
+      </p:sp>
+      <p:sp>
+        <p:nvSpPr>
+          <p:cNvPr id="3" name="Content Placeholder 2"/>
+          <p:cNvSpPr>
+            <a:spLocks noGrp="1"/>
+          </p:cNvSpPr>
+          <p:nvPr>
+            <p:ph idx="1"/>
+          </p:nvPr>
+        </p:nvSpPr>
+        <p:spPr>
+          <a:xfrm>
+            <a:off x="457200" y="1447800"/>
+            <a:ext cx="8229600" cy="5029200"/>
+          </a:xfrm>
+        </p:spPr>
+        <p:txBody>
+          <a:bodyPr>
+            <a:noAutofit/>
+          </a:bodyPr>
+          <a:lstStyle/>
+          <a:p>
+            <a:pPr marL="0" indent="0">
+              <a:buNone/>
+            </a:pPr>
+            <a:r>
+              <a:rPr lang="bg-BG" sz="2500" dirty="0" smtClean="0">
+                <a:solidFill>
+                  <a:schemeClr val="bg1"/>
+                </a:solidFill>
+                <a:latin typeface="+mj-lt"/>
+                <a:cs typeface="Courier New" panose="02070309020205020404" pitchFamily="49" charset="0"/>
+              </a:rPr>
+              <a:t>Функцията </a:t>
+            </a:r>
+            <a:r>
+              <a:rPr lang="en-US" sz="2500" dirty="0" err="1" smtClean="0">
+                <a:solidFill>
+                  <a:schemeClr val="bg1"/>
+                </a:solidFill>
+                <a:latin typeface="+mj-lt"/>
+                <a:cs typeface="Courier New" panose="02070309020205020404" pitchFamily="49" charset="0"/>
+              </a:rPr>
+              <a:t>outerHeight</a:t>
+            </a:r>
+            <a:r>
+              <a:rPr lang="en-US" sz="2500" dirty="0" smtClean="0">
+                <a:solidFill>
+                  <a:schemeClr val="bg1"/>
+                </a:solidFill>
+                <a:latin typeface="+mj-lt"/>
+                <a:cs typeface="Courier New" panose="02070309020205020404" pitchFamily="49" charset="0"/>
+              </a:rPr>
+              <a:t>() </a:t>
+            </a:r>
+            <a:r>
+              <a:rPr lang="bg-BG" sz="2500" dirty="0" smtClean="0">
+                <a:solidFill>
+                  <a:schemeClr val="bg1"/>
+                </a:solidFill>
+                <a:latin typeface="+mj-lt"/>
+                <a:cs typeface="Courier New" panose="02070309020205020404" pitchFamily="49" charset="0"/>
+              </a:rPr>
+              <a:t>връща височината на елемента, като в нея включва и падингите</a:t>
+            </a:r>
+            <a:r>
+              <a:rPr lang="en-US" sz="2500" dirty="0" smtClean="0">
+                <a:solidFill>
+                  <a:schemeClr val="bg1"/>
+                </a:solidFill>
+                <a:latin typeface="+mj-lt"/>
+                <a:cs typeface="Courier New" panose="02070309020205020404" pitchFamily="49" charset="0"/>
+              </a:rPr>
+              <a:t> </a:t>
+            </a:r>
+            <a:r>
+              <a:rPr lang="bg-BG" sz="2500" dirty="0" smtClean="0">
+                <a:solidFill>
+                  <a:schemeClr val="bg1"/>
+                </a:solidFill>
+                <a:latin typeface="+mj-lt"/>
+                <a:cs typeface="Courier New" panose="02070309020205020404" pitchFamily="49" charset="0"/>
+              </a:rPr>
+              <a:t>и бордърите.</a:t>
+            </a:r>
+          </a:p>
+          <a:p>
+            <a:pPr marL="0" indent="0">
+              <a:buNone/>
+            </a:pPr>
+            <a:r>
+              <a:rPr lang="bg-BG" sz="2500" dirty="0" smtClean="0">
+                <a:solidFill>
+                  <a:schemeClr val="bg1"/>
+                </a:solidFill>
+                <a:latin typeface="+mj-lt"/>
+                <a:cs typeface="Courier New" panose="02070309020205020404" pitchFamily="49" charset="0"/>
+              </a:rPr>
+              <a:t>Функцията </a:t>
+            </a:r>
+            <a:r>
+              <a:rPr lang="en-US" sz="2500" dirty="0" err="1" smtClean="0">
+                <a:solidFill>
+                  <a:schemeClr val="bg1"/>
+                </a:solidFill>
+                <a:latin typeface="+mj-lt"/>
+                <a:cs typeface="Courier New" panose="02070309020205020404" pitchFamily="49" charset="0"/>
+              </a:rPr>
+              <a:t>outerWidth</a:t>
+            </a:r>
+            <a:r>
+              <a:rPr lang="bg-BG" sz="2500" dirty="0" smtClean="0">
+                <a:solidFill>
+                  <a:schemeClr val="bg1"/>
+                </a:solidFill>
+                <a:latin typeface="+mj-lt"/>
+                <a:cs typeface="Courier New" panose="02070309020205020404" pitchFamily="49" charset="0"/>
+              </a:rPr>
+              <a:t>() връща широчината на елемента, като в нея включва и падингите и бордърите.</a:t>
+            </a:r>
+          </a:p>
+          <a:p>
+            <a:pPr marL="0" indent="0">
+              <a:buNone/>
+            </a:pPr>
+            <a:r>
+              <a:rPr lang="bg-BG" sz="2500" dirty="0" smtClean="0">
+                <a:solidFill>
+                  <a:schemeClr val="bg1"/>
+                </a:solidFill>
+                <a:latin typeface="+mj-lt"/>
+                <a:cs typeface="Courier New" panose="02070309020205020404" pitchFamily="49" charset="0"/>
+              </a:rPr>
+              <a:t>Функциите </a:t>
+            </a:r>
+            <a:r>
+              <a:rPr lang="en-US" sz="2500" dirty="0" err="1" smtClean="0">
+                <a:solidFill>
+                  <a:schemeClr val="bg1"/>
+                </a:solidFill>
+                <a:latin typeface="+mj-lt"/>
+                <a:cs typeface="Courier New" panose="02070309020205020404" pitchFamily="49" charset="0"/>
+              </a:rPr>
+              <a:t>outerHeight</a:t>
+            </a:r>
+            <a:r>
+              <a:rPr lang="en-US" sz="2500" dirty="0" smtClean="0">
+                <a:solidFill>
+                  <a:schemeClr val="bg1"/>
+                </a:solidFill>
+                <a:latin typeface="+mj-lt"/>
+                <a:cs typeface="Courier New" panose="02070309020205020404" pitchFamily="49" charset="0"/>
+              </a:rPr>
+              <a:t>() </a:t>
+            </a:r>
+            <a:r>
+              <a:rPr lang="bg-BG" sz="2500" dirty="0" smtClean="0">
+                <a:solidFill>
+                  <a:schemeClr val="bg1"/>
+                </a:solidFill>
+                <a:latin typeface="+mj-lt"/>
+                <a:cs typeface="Courier New" panose="02070309020205020404" pitchFamily="49" charset="0"/>
+              </a:rPr>
+              <a:t>и </a:t>
+            </a:r>
+            <a:r>
+              <a:rPr lang="en-US" sz="2500" dirty="0" err="1" smtClean="0">
+                <a:solidFill>
+                  <a:schemeClr val="bg1"/>
+                </a:solidFill>
+                <a:latin typeface="+mj-lt"/>
+                <a:cs typeface="Courier New" panose="02070309020205020404" pitchFamily="49" charset="0"/>
+              </a:rPr>
+              <a:t>outerWidth</a:t>
+            </a:r>
+            <a:r>
+              <a:rPr lang="en-US" sz="2500" dirty="0" smtClean="0">
+                <a:solidFill>
+                  <a:schemeClr val="bg1"/>
+                </a:solidFill>
+                <a:latin typeface="+mj-lt"/>
+                <a:cs typeface="Courier New" panose="02070309020205020404" pitchFamily="49" charset="0"/>
+              </a:rPr>
+              <a:t>() </a:t>
+            </a:r>
+            <a:r>
+              <a:rPr lang="bg-BG" sz="2500" dirty="0" smtClean="0">
+                <a:solidFill>
+                  <a:schemeClr val="bg1"/>
+                </a:solidFill>
+                <a:latin typeface="+mj-lt"/>
+                <a:cs typeface="Courier New" panose="02070309020205020404" pitchFamily="49" charset="0"/>
+              </a:rPr>
+              <a:t>приемат параметър, като ако той има стойност </a:t>
+            </a:r>
+            <a:r>
+              <a:rPr lang="en-US" sz="2500" dirty="0" smtClean="0">
+                <a:solidFill>
+                  <a:schemeClr val="bg1"/>
+                </a:solidFill>
+                <a:latin typeface="+mj-lt"/>
+                <a:cs typeface="Courier New" panose="02070309020205020404" pitchFamily="49" charset="0"/>
+              </a:rPr>
+              <a:t>true, </a:t>
+            </a:r>
+            <a:r>
+              <a:rPr lang="bg-BG" sz="2500" dirty="0" smtClean="0">
+                <a:solidFill>
+                  <a:schemeClr val="bg1"/>
+                </a:solidFill>
+                <a:latin typeface="+mj-lt"/>
+                <a:cs typeface="Courier New" panose="02070309020205020404" pitchFamily="49" charset="0"/>
+              </a:rPr>
+              <a:t>те ще върнат височината или широчината, с включени падинги, бордъри и марджини(което липсваше при другите функции или ако тези не приемат параметър).</a:t>
+            </a:r>
+          </a:p>
+        </p:txBody>
+      </p:sp>
+    </p:spTree>
+    <p:extLst>
+      <p:ext uri="{BB962C8B-B14F-4D97-AF65-F5344CB8AC3E}">
+        <p14:creationId xmlns:p14="http://schemas.microsoft.com/office/powerpoint/2010/main" val="941262773"/>
+      </p:ext>
+    </p:extLst>
+  </p:cSld>
+  <p:clrMapOvr>
+    <a:masterClrMapping/>
+  </p:clrMapOvr>
+  <mc:AlternateContent xmlns:mc="http://schemas.openxmlformats.org/markup-compatibility/2006" xmlns:p14="http://schemas.microsoft.com/office/powerpoint/2010/main">
+    <mc:Choice Requires="p14">
+      <p:transition spd="slow" p14:dur="2000"/>
+    </mc:Choice>
+    <mc:Fallback xmlns="">
+      <p:transition spd="slow"/>
+    </mc:Fallback>
+  </mc:AlternateContent>
+  <p:timing>
+    <p:tnLst>
+      <p:par>
+        <p:cTn id="1" dur="indefinite" restart="never" nodeType="tmRoot"/>
+      </p:par>
+    </p:tnLst>
+  </p:timing>
+</p:sld>
+</file>
+
+<file path=ppt/slides/slide24.xml><?xml version="1.0" encoding="utf-8"?>
+<p:sld xmlns:a="http://schemas.openxmlformats.org/drawingml/2006/main" xmlns:r="http://schemas.openxmlformats.org/officeDocument/2006/relationships" xmlns:p="http://schemas.openxmlformats.org/presentationml/2006/main">
+  <p:cSld>
+    <p:spTree>
+      <p:nvGrpSpPr>
+        <p:cNvPr id="1" name=""/>
+        <p:cNvGrpSpPr/>
+        <p:nvPr/>
+      </p:nvGrpSpPr>
+      <p:grpSpPr>
+        <a:xfrm>
+          <a:off x="0" y="0"/>
+          <a:ext cx="0" cy="0"/>
+          <a:chOff x="0" y="0"/>
+          <a:chExt cx="0" cy="0"/>
+        </a:xfrm>
+      </p:grpSpPr>
+      <p:sp>
+        <p:nvSpPr>
+          <p:cNvPr id="2" name="Title 1"/>
+          <p:cNvSpPr>
+            <a:spLocks noGrp="1"/>
+          </p:cNvSpPr>
+          <p:nvPr>
+            <p:ph type="title"/>
+          </p:nvPr>
+        </p:nvSpPr>
+        <p:spPr>
+          <a:xfrm>
+            <a:off x="457200" y="685800"/>
+            <a:ext cx="8610600" cy="1143000"/>
+          </a:xfrm>
+        </p:spPr>
+        <p:txBody>
+          <a:bodyPr>
+            <a:normAutofit/>
+          </a:bodyPr>
+          <a:lstStyle/>
+          <a:p>
+            <a:pPr algn="l"/>
+            <a:r>
+              <a:rPr lang="en-US" sz="3000" dirty="0" smtClean="0">
+                <a:solidFill>
+                  <a:schemeClr val="accent6"/>
+                </a:solidFill>
+              </a:rPr>
+              <a:t>jQuery</a:t>
+            </a:r>
+            <a:r>
+              <a:rPr lang="bg-BG" sz="3000" dirty="0" smtClean="0">
+                <a:solidFill>
+                  <a:schemeClr val="accent6"/>
+                </a:solidFill>
+              </a:rPr>
+              <a:t> – размери</a:t>
+            </a:r>
+            <a:endParaRPr lang="bg-BG" sz="3000" dirty="0">
+              <a:solidFill>
+                <a:schemeClr val="accent6"/>
+              </a:solidFill>
+            </a:endParaRPr>
+          </a:p>
+        </p:txBody>
+      </p:sp>
+      <p:pic>
+        <p:nvPicPr>
+          <p:cNvPr id="4" name="Content Placeholder 3"/>
+          <p:cNvPicPr>
+            <a:picLocks noGrp="1" noChangeAspect="1"/>
+          </p:cNvPicPr>
+          <p:nvPr>
+            <p:ph idx="1"/>
+          </p:nvPr>
+        </p:nvPicPr>
+        <p:blipFill>
+          <a:blip r:embed="rId2">
+            <a:extLst>
+              <a:ext uri="{28A0092B-C50C-407E-A947-70E740481C1C}">
+                <a14:useLocalDpi xmlns:a14="http://schemas.microsoft.com/office/drawing/2010/main" val="0"/>
+              </a:ext>
+            </a:extLst>
+          </a:blip>
+          <a:stretch>
+            <a:fillRect/>
+          </a:stretch>
+        </p:blipFill>
+        <p:spPr>
+          <a:xfrm>
+            <a:off x="609600" y="1524000"/>
+            <a:ext cx="4800600" cy="4659406"/>
+          </a:xfrm>
+        </p:spPr>
+      </p:pic>
+    </p:spTree>
+    <p:extLst>
+      <p:ext uri="{BB962C8B-B14F-4D97-AF65-F5344CB8AC3E}">
+        <p14:creationId xmlns:p14="http://schemas.microsoft.com/office/powerpoint/2010/main" val="1253532886"/>
+      </p:ext>
+    </p:extLst>
+  </p:cSld>
+  <p:clrMapOvr>
+    <a:masterClrMapping/>
+  </p:clrMapOvr>
+  <mc:AlternateContent xmlns:mc="http://schemas.openxmlformats.org/markup-compatibility/2006" xmlns:p14="http://schemas.microsoft.com/office/powerpoint/2010/main">
+    <mc:Choice Requires="p14">
+      <p:transition spd="slow" p14:dur="2000"/>
+    </mc:Choice>
+    <mc:Fallback xmlns="">
+      <p:transition spd="slow"/>
+    </mc:Fallback>
+  </mc:AlternateContent>
+  <p:timing>
+    <p:tnLst>
+      <p:par>
+        <p:cTn id="1" dur="indefinite" restart="never" nodeType="tmRoot"/>
+      </p:par>
+    </p:tnLst>
+  </p:timing>
+</p:sld>
+</file>
+
+<file path=ppt/slides/slide25.xml><?xml version="1.0" encoding="utf-8"?>
+<p:sld xmlns:a="http://schemas.openxmlformats.org/drawingml/2006/main" xmlns:r="http://schemas.openxmlformats.org/officeDocument/2006/relationships" xmlns:p="http://schemas.openxmlformats.org/presentationml/2006/main">
+  <p:cSld>
+    <p:spTree>
+      <p:nvGrpSpPr>
+        <p:cNvPr id="1" name=""/>
+        <p:cNvGrpSpPr/>
+        <p:nvPr/>
+      </p:nvGrpSpPr>
+      <p:grpSpPr>
+        <a:xfrm>
+          <a:off x="0" y="0"/>
+          <a:ext cx="0" cy="0"/>
+          <a:chOff x="0" y="0"/>
+          <a:chExt cx="0" cy="0"/>
+        </a:xfrm>
+      </p:grpSpPr>
+      <p:sp>
+        <p:nvSpPr>
+          <p:cNvPr id="2" name="Title 1"/>
+          <p:cNvSpPr>
+            <a:spLocks noGrp="1"/>
+          </p:cNvSpPr>
+          <p:nvPr>
+            <p:ph type="title"/>
+          </p:nvPr>
+        </p:nvSpPr>
+        <p:spPr>
+          <a:xfrm>
+            <a:off x="457200" y="685800"/>
+            <a:ext cx="8610600" cy="1143000"/>
+          </a:xfrm>
+        </p:spPr>
+        <p:txBody>
+          <a:bodyPr>
+            <a:normAutofit/>
+          </a:bodyPr>
+          <a:lstStyle/>
+          <a:p>
+            <a:pPr algn="l"/>
+            <a:r>
+              <a:rPr lang="en-US" sz="3000" dirty="0" smtClean="0">
+                <a:solidFill>
+                  <a:schemeClr val="accent6"/>
+                </a:solidFill>
+              </a:rPr>
+              <a:t>jQuery</a:t>
+            </a:r>
+            <a:r>
+              <a:rPr lang="bg-BG" sz="3000" dirty="0" smtClean="0">
+                <a:solidFill>
+                  <a:schemeClr val="accent6"/>
+                </a:solidFill>
+              </a:rPr>
+              <a:t> – други функции</a:t>
+            </a:r>
+            <a:endParaRPr lang="bg-BG" sz="3000" dirty="0">
+              <a:solidFill>
+                <a:schemeClr val="accent6"/>
+              </a:solidFill>
+            </a:endParaRPr>
+          </a:p>
+        </p:txBody>
+      </p:sp>
+      <p:sp>
+        <p:nvSpPr>
+          <p:cNvPr id="3" name="Content Placeholder 2"/>
+          <p:cNvSpPr>
+            <a:spLocks noGrp="1"/>
+          </p:cNvSpPr>
+          <p:nvPr>
+            <p:ph idx="1"/>
+          </p:nvPr>
+        </p:nvSpPr>
+        <p:spPr/>
+        <p:txBody>
+          <a:bodyPr>
+            <a:normAutofit/>
+          </a:bodyPr>
+          <a:lstStyle/>
+          <a:p>
+            <a:pPr>
+              <a:buFontTx/>
+              <a:buChar char="-"/>
+            </a:pPr>
+            <a:r>
+              <a:rPr lang="en-US" sz="2500" dirty="0" smtClean="0">
+                <a:solidFill>
+                  <a:schemeClr val="bg1"/>
+                </a:solidFill>
+              </a:rPr>
+              <a:t>parent() –</a:t>
+            </a:r>
+            <a:r>
+              <a:rPr lang="bg-BG" sz="2500" dirty="0" smtClean="0">
+                <a:solidFill>
+                  <a:schemeClr val="bg1"/>
+                </a:solidFill>
+              </a:rPr>
+              <a:t> връща родителя на желания елемент</a:t>
+            </a:r>
+          </a:p>
+          <a:p>
+            <a:pPr>
+              <a:buFontTx/>
+              <a:buChar char="-"/>
+            </a:pPr>
+            <a:r>
+              <a:rPr lang="en-US" sz="2500" dirty="0" smtClean="0">
+                <a:solidFill>
+                  <a:schemeClr val="bg1"/>
+                </a:solidFill>
+              </a:rPr>
+              <a:t>parents(‘element’) </a:t>
+            </a:r>
+            <a:r>
+              <a:rPr lang="bg-BG" sz="2500" dirty="0" smtClean="0">
+                <a:solidFill>
+                  <a:schemeClr val="bg1"/>
+                </a:solidFill>
+              </a:rPr>
+              <a:t>– връща първия родител с даден </a:t>
+            </a:r>
+            <a:r>
+              <a:rPr lang="en-US" sz="2500" dirty="0" smtClean="0">
+                <a:solidFill>
+                  <a:schemeClr val="bg1"/>
+                </a:solidFill>
+              </a:rPr>
+              <a:t>class/id/tag </a:t>
+            </a:r>
+            <a:r>
+              <a:rPr lang="bg-BG" sz="2500" dirty="0" smtClean="0">
+                <a:solidFill>
+                  <a:schemeClr val="bg1"/>
+                </a:solidFill>
+              </a:rPr>
+              <a:t>на желания елемент</a:t>
+            </a:r>
+            <a:endParaRPr lang="en-US" sz="2500" dirty="0" smtClean="0">
+              <a:solidFill>
+                <a:schemeClr val="bg1"/>
+              </a:solidFill>
+            </a:endParaRPr>
+          </a:p>
+          <a:p>
+            <a:pPr>
+              <a:buFontTx/>
+              <a:buChar char="-"/>
+            </a:pPr>
+            <a:r>
+              <a:rPr lang="en-US" sz="2500" dirty="0" smtClean="0">
+                <a:solidFill>
+                  <a:schemeClr val="bg1"/>
+                </a:solidFill>
+              </a:rPr>
+              <a:t>children() –</a:t>
+            </a:r>
+            <a:r>
+              <a:rPr lang="bg-BG" sz="2500" dirty="0" smtClean="0">
+                <a:solidFill>
+                  <a:schemeClr val="bg1"/>
+                </a:solidFill>
+              </a:rPr>
+              <a:t> връща всички наследници на желания елемент, като може да търси и за наследници с даден </a:t>
+            </a:r>
+            <a:r>
+              <a:rPr lang="en-US" sz="2500" dirty="0" smtClean="0">
+                <a:solidFill>
+                  <a:schemeClr val="bg1"/>
+                </a:solidFill>
+              </a:rPr>
+              <a:t>class/id/tag</a:t>
+            </a:r>
+          </a:p>
+          <a:p>
+            <a:pPr>
+              <a:buFontTx/>
+              <a:buChar char="-"/>
+            </a:pPr>
+            <a:r>
+              <a:rPr lang="en-US" sz="2500" dirty="0" smtClean="0">
+                <a:solidFill>
+                  <a:schemeClr val="bg1"/>
+                </a:solidFill>
+              </a:rPr>
+              <a:t>find() –</a:t>
+            </a:r>
+            <a:r>
+              <a:rPr lang="bg-BG" sz="2500" dirty="0" smtClean="0">
+                <a:solidFill>
+                  <a:schemeClr val="bg1"/>
+                </a:solidFill>
+              </a:rPr>
+              <a:t> връща търсен елемент – може да се търси по </a:t>
+            </a:r>
+            <a:r>
+              <a:rPr lang="en-US" sz="2500" dirty="0" smtClean="0">
+                <a:solidFill>
+                  <a:schemeClr val="bg1"/>
+                </a:solidFill>
+              </a:rPr>
+              <a:t>class/id/tag</a:t>
+            </a:r>
+          </a:p>
+          <a:p>
+            <a:pPr>
+              <a:buFontTx/>
+              <a:buChar char="-"/>
+            </a:pPr>
+            <a:r>
+              <a:rPr lang="en-US" sz="2500" dirty="0" smtClean="0">
+                <a:solidFill>
+                  <a:schemeClr val="bg1"/>
+                </a:solidFill>
+              </a:rPr>
+              <a:t>siblings() – </a:t>
+            </a:r>
+            <a:r>
+              <a:rPr lang="bg-BG" sz="2500" dirty="0" smtClean="0">
+                <a:solidFill>
+                  <a:schemeClr val="bg1"/>
+                </a:solidFill>
+              </a:rPr>
+              <a:t>връща елементите от същото ниво на </a:t>
+            </a:r>
+            <a:r>
+              <a:rPr lang="en-US" sz="2500" dirty="0" smtClean="0">
+                <a:solidFill>
+                  <a:schemeClr val="bg1"/>
+                </a:solidFill>
+              </a:rPr>
+              <a:t>DOM-a(</a:t>
+            </a:r>
+            <a:r>
+              <a:rPr lang="bg-BG" sz="2500" dirty="0" smtClean="0">
+                <a:solidFill>
+                  <a:schemeClr val="bg1"/>
+                </a:solidFill>
+              </a:rPr>
+              <a:t>отново може да се търси по </a:t>
+            </a:r>
+            <a:r>
+              <a:rPr lang="en-US" sz="2500" dirty="0" smtClean="0">
+                <a:solidFill>
+                  <a:schemeClr val="bg1"/>
+                </a:solidFill>
+              </a:rPr>
+              <a:t>class/id/tag)</a:t>
+            </a:r>
+          </a:p>
+        </p:txBody>
+      </p:sp>
+    </p:spTree>
+    <p:extLst>
+      <p:ext uri="{BB962C8B-B14F-4D97-AF65-F5344CB8AC3E}">
+        <p14:creationId xmlns:p14="http://schemas.microsoft.com/office/powerpoint/2010/main" val="1375467802"/>
+      </p:ext>
+    </p:extLst>
+  </p:cSld>
+  <p:clrMapOvr>
+    <a:masterClrMapping/>
+  </p:clrMapOvr>
+  <mc:AlternateContent xmlns:mc="http://schemas.openxmlformats.org/markup-compatibility/2006" xmlns:p14="http://schemas.microsoft.com/office/powerpoint/2010/main">
+    <mc:Choice Requires="p14">
+      <p:transition spd="slow" p14:dur="2000"/>
+    </mc:Choice>
+    <mc:Fallback xmlns="">
+      <p:transition spd="slow"/>
+    </mc:Fallback>
+  </mc:AlternateContent>
+  <p:timing>
+    <p:tnLst>
+      <p:par>
+        <p:cTn id="1" dur="indefinite" restart="never" nodeType="tmRoot"/>
+      </p:par>
+    </p:tnLst>
+  </p:timing>
+</p:sld>
+</file>
+
+<file path=ppt/slides/slide26.xml><?xml version="1.0" encoding="utf-8"?>
+<p:sld xmlns:a="http://schemas.openxmlformats.org/drawingml/2006/main" xmlns:r="http://schemas.openxmlformats.org/officeDocument/2006/relationships" xmlns:p="http://schemas.openxmlformats.org/presentationml/2006/main">
+  <p:cSld>
+    <p:spTree>
+      <p:nvGrpSpPr>
+        <p:cNvPr id="1" name=""/>
+        <p:cNvGrpSpPr/>
+        <p:nvPr/>
+      </p:nvGrpSpPr>
+      <p:grpSpPr>
+        <a:xfrm>
+          <a:off x="0" y="0"/>
+          <a:ext cx="0" cy="0"/>
+          <a:chOff x="0" y="0"/>
+          <a:chExt cx="0" cy="0"/>
+        </a:xfrm>
+      </p:grpSpPr>
+      <p:sp>
+        <p:nvSpPr>
+          <p:cNvPr id="2" name="Title 1"/>
+          <p:cNvSpPr>
+            <a:spLocks noGrp="1"/>
+          </p:cNvSpPr>
+          <p:nvPr>
+            <p:ph type="title"/>
+          </p:nvPr>
+        </p:nvSpPr>
+        <p:spPr>
+          <a:xfrm>
+            <a:off x="457200" y="685800"/>
+            <a:ext cx="8610600" cy="1143000"/>
+          </a:xfrm>
+        </p:spPr>
+        <p:txBody>
+          <a:bodyPr>
+            <a:normAutofit/>
+          </a:bodyPr>
+          <a:lstStyle/>
+          <a:p>
+            <a:pPr algn="l"/>
+            <a:r>
+              <a:rPr lang="en-US" sz="3000" dirty="0" smtClean="0">
+                <a:solidFill>
+                  <a:schemeClr val="accent6"/>
+                </a:solidFill>
+              </a:rPr>
+              <a:t>jQuery</a:t>
+            </a:r>
+            <a:r>
+              <a:rPr lang="bg-BG" sz="3000" dirty="0" smtClean="0">
+                <a:solidFill>
+                  <a:schemeClr val="accent6"/>
+                </a:solidFill>
+              </a:rPr>
+              <a:t> – други функции</a:t>
+            </a:r>
+            <a:endParaRPr lang="bg-BG" sz="3000" dirty="0">
+              <a:solidFill>
+                <a:schemeClr val="accent6"/>
+              </a:solidFill>
+            </a:endParaRPr>
+          </a:p>
+        </p:txBody>
+      </p:sp>
+      <p:sp>
+        <p:nvSpPr>
+          <p:cNvPr id="3" name="Content Placeholder 2"/>
+          <p:cNvSpPr>
+            <a:spLocks noGrp="1"/>
+          </p:cNvSpPr>
+          <p:nvPr>
+            <p:ph idx="1"/>
+          </p:nvPr>
+        </p:nvSpPr>
+        <p:spPr/>
+        <p:txBody>
+          <a:bodyPr>
+            <a:normAutofit/>
+          </a:bodyPr>
+          <a:lstStyle/>
+          <a:p>
+            <a:pPr>
+              <a:buFontTx/>
+              <a:buChar char="-"/>
+            </a:pPr>
+            <a:r>
+              <a:rPr lang="en-US" sz="2500" dirty="0" smtClean="0">
+                <a:solidFill>
+                  <a:schemeClr val="bg1"/>
+                </a:solidFill>
+              </a:rPr>
+              <a:t>next() –</a:t>
+            </a:r>
+            <a:r>
+              <a:rPr lang="bg-BG" sz="2500" dirty="0" smtClean="0">
+                <a:solidFill>
+                  <a:schemeClr val="bg1"/>
+                </a:solidFill>
+              </a:rPr>
+              <a:t> връща следващия елемент</a:t>
+            </a:r>
+          </a:p>
+          <a:p>
+            <a:pPr>
+              <a:buFontTx/>
+              <a:buChar char="-"/>
+            </a:pPr>
+            <a:r>
+              <a:rPr lang="en-US" sz="2500" dirty="0" err="1" smtClean="0">
+                <a:solidFill>
+                  <a:schemeClr val="bg1"/>
+                </a:solidFill>
+              </a:rPr>
+              <a:t>nextAll</a:t>
+            </a:r>
+            <a:r>
+              <a:rPr lang="en-US" sz="2500" dirty="0" smtClean="0">
+                <a:solidFill>
+                  <a:schemeClr val="bg1"/>
+                </a:solidFill>
+              </a:rPr>
+              <a:t>() </a:t>
+            </a:r>
+            <a:r>
+              <a:rPr lang="bg-BG" sz="2500" dirty="0" smtClean="0">
+                <a:solidFill>
+                  <a:schemeClr val="bg1"/>
+                </a:solidFill>
+              </a:rPr>
+              <a:t>– връща всички следващи елементи от същото ниво на </a:t>
+            </a:r>
+            <a:r>
+              <a:rPr lang="en-US" sz="2500" dirty="0" smtClean="0">
+                <a:solidFill>
+                  <a:schemeClr val="bg1"/>
+                </a:solidFill>
+              </a:rPr>
+              <a:t>DOM-a</a:t>
+            </a:r>
+          </a:p>
+          <a:p>
+            <a:pPr>
+              <a:buFontTx/>
+              <a:buChar char="-"/>
+            </a:pPr>
+            <a:r>
+              <a:rPr lang="en-US" sz="2500" dirty="0" err="1" smtClean="0">
+                <a:solidFill>
+                  <a:schemeClr val="bg1"/>
+                </a:solidFill>
+              </a:rPr>
+              <a:t>nextUntil</a:t>
+            </a:r>
+            <a:r>
+              <a:rPr lang="en-US" sz="2500" dirty="0" smtClean="0">
+                <a:solidFill>
+                  <a:schemeClr val="bg1"/>
+                </a:solidFill>
+              </a:rPr>
+              <a:t>() –</a:t>
+            </a:r>
+            <a:r>
+              <a:rPr lang="bg-BG" sz="2500" dirty="0" smtClean="0">
+                <a:solidFill>
+                  <a:schemeClr val="bg1"/>
+                </a:solidFill>
+              </a:rPr>
+              <a:t> връща елементите от същото ниво на </a:t>
+            </a:r>
+            <a:r>
+              <a:rPr lang="en-US" sz="2500" dirty="0" smtClean="0">
+                <a:solidFill>
+                  <a:schemeClr val="bg1"/>
+                </a:solidFill>
+              </a:rPr>
+              <a:t>DOM-a</a:t>
+            </a:r>
+            <a:r>
+              <a:rPr lang="bg-BG" sz="2500" dirty="0" smtClean="0">
+                <a:solidFill>
+                  <a:schemeClr val="bg1"/>
+                </a:solidFill>
+              </a:rPr>
+              <a:t>, докато не срещне определен елемент</a:t>
+            </a:r>
+          </a:p>
+          <a:p>
+            <a:pPr>
+              <a:buFontTx/>
+              <a:buChar char="-"/>
+            </a:pPr>
+            <a:r>
+              <a:rPr lang="en-US" sz="2500" dirty="0" err="1">
+                <a:solidFill>
+                  <a:schemeClr val="bg1"/>
+                </a:solidFill>
+              </a:rPr>
+              <a:t>p</a:t>
+            </a:r>
+            <a:r>
+              <a:rPr lang="en-US" sz="2500" dirty="0" err="1" smtClean="0">
+                <a:solidFill>
+                  <a:schemeClr val="bg1"/>
+                </a:solidFill>
+              </a:rPr>
+              <a:t>rev</a:t>
+            </a:r>
+            <a:r>
+              <a:rPr lang="en-US" sz="2500" dirty="0" smtClean="0">
+                <a:solidFill>
+                  <a:schemeClr val="bg1"/>
+                </a:solidFill>
+              </a:rPr>
+              <a:t>(), </a:t>
+            </a:r>
+            <a:r>
+              <a:rPr lang="en-US" sz="2500" dirty="0" err="1" smtClean="0">
+                <a:solidFill>
+                  <a:schemeClr val="bg1"/>
+                </a:solidFill>
+              </a:rPr>
+              <a:t>prevAll</a:t>
+            </a:r>
+            <a:r>
+              <a:rPr lang="en-US" sz="2500" dirty="0" smtClean="0">
+                <a:solidFill>
+                  <a:schemeClr val="bg1"/>
+                </a:solidFill>
+              </a:rPr>
+              <a:t>() </a:t>
+            </a:r>
+            <a:r>
+              <a:rPr lang="bg-BG" sz="2500" dirty="0" smtClean="0">
+                <a:solidFill>
+                  <a:schemeClr val="bg1"/>
+                </a:solidFill>
+              </a:rPr>
+              <a:t>и </a:t>
+            </a:r>
+            <a:r>
+              <a:rPr lang="en-US" sz="2500" dirty="0" err="1" smtClean="0">
+                <a:solidFill>
+                  <a:schemeClr val="bg1"/>
+                </a:solidFill>
+              </a:rPr>
+              <a:t>prevUntil</a:t>
+            </a:r>
+            <a:r>
+              <a:rPr lang="en-US" sz="2500" dirty="0" smtClean="0">
+                <a:solidFill>
+                  <a:schemeClr val="bg1"/>
+                </a:solidFill>
+              </a:rPr>
+              <a:t>() </a:t>
+            </a:r>
+            <a:r>
+              <a:rPr lang="bg-BG" sz="2500" dirty="0" smtClean="0">
+                <a:solidFill>
+                  <a:schemeClr val="bg1"/>
+                </a:solidFill>
+              </a:rPr>
+              <a:t>методите работят абсолютно аналогично на </a:t>
+            </a:r>
+            <a:r>
+              <a:rPr lang="en-US" sz="2500" dirty="0" smtClean="0">
+                <a:solidFill>
+                  <a:schemeClr val="bg1"/>
+                </a:solidFill>
+              </a:rPr>
+              <a:t>next </a:t>
+            </a:r>
+            <a:r>
+              <a:rPr lang="bg-BG" sz="2500" dirty="0" smtClean="0">
+                <a:solidFill>
+                  <a:schemeClr val="bg1"/>
+                </a:solidFill>
+              </a:rPr>
+              <a:t>методите, но връщат елементите преди поставения в скобите</a:t>
+            </a:r>
+            <a:endParaRPr lang="en-US" sz="2500" dirty="0" smtClean="0">
+              <a:solidFill>
+                <a:schemeClr val="bg1"/>
+              </a:solidFill>
+            </a:endParaRPr>
+          </a:p>
+          <a:p>
+            <a:pPr>
+              <a:buFontTx/>
+              <a:buChar char="-"/>
+            </a:pPr>
+            <a:r>
+              <a:rPr lang="en-US" sz="2500" dirty="0">
+                <a:solidFill>
+                  <a:schemeClr val="bg1"/>
+                </a:solidFill>
+              </a:rPr>
+              <a:t>f</a:t>
+            </a:r>
+            <a:r>
+              <a:rPr lang="en-US" sz="2500" dirty="0" smtClean="0">
+                <a:solidFill>
+                  <a:schemeClr val="bg1"/>
+                </a:solidFill>
+              </a:rPr>
+              <a:t>irst() – </a:t>
+            </a:r>
+            <a:r>
+              <a:rPr lang="bg-BG" sz="2500" dirty="0" smtClean="0">
+                <a:solidFill>
+                  <a:schemeClr val="bg1"/>
+                </a:solidFill>
+              </a:rPr>
+              <a:t>връща първия елемент</a:t>
+            </a:r>
+          </a:p>
+          <a:p>
+            <a:pPr>
+              <a:buFontTx/>
+              <a:buChar char="-"/>
+            </a:pPr>
+            <a:r>
+              <a:rPr lang="en-US" sz="2500" dirty="0" smtClean="0">
+                <a:solidFill>
+                  <a:schemeClr val="bg1"/>
+                </a:solidFill>
+              </a:rPr>
+              <a:t>last() </a:t>
+            </a:r>
+            <a:r>
+              <a:rPr lang="bg-BG" sz="2500" dirty="0" smtClean="0">
+                <a:solidFill>
+                  <a:schemeClr val="bg1"/>
+                </a:solidFill>
+              </a:rPr>
+              <a:t>– аналогично на </a:t>
+            </a:r>
+            <a:r>
+              <a:rPr lang="en-US" sz="2500" dirty="0" smtClean="0">
+                <a:solidFill>
+                  <a:schemeClr val="bg1"/>
+                </a:solidFill>
+              </a:rPr>
+              <a:t>first(), </a:t>
+            </a:r>
+            <a:r>
+              <a:rPr lang="bg-BG" sz="2500" dirty="0" smtClean="0">
+                <a:solidFill>
+                  <a:schemeClr val="bg1"/>
+                </a:solidFill>
+              </a:rPr>
+              <a:t>но връща последния</a:t>
+            </a:r>
+            <a:endParaRPr lang="en-US" sz="2500" dirty="0" smtClean="0">
+              <a:solidFill>
+                <a:schemeClr val="bg1"/>
+              </a:solidFill>
+            </a:endParaRPr>
+          </a:p>
+          <a:p>
+            <a:pPr>
+              <a:buFontTx/>
+              <a:buChar char="-"/>
+            </a:pPr>
+            <a:endParaRPr lang="bg-BG" sz="2500" dirty="0" smtClean="0">
+              <a:solidFill>
+                <a:schemeClr val="bg1"/>
+              </a:solidFill>
+            </a:endParaRPr>
+          </a:p>
+          <a:p>
+            <a:pPr>
+              <a:buFontTx/>
+              <a:buChar char="-"/>
+            </a:pPr>
+            <a:endParaRPr lang="en-US" sz="2500" dirty="0" smtClean="0">
+              <a:solidFill>
+                <a:schemeClr val="bg1"/>
+              </a:solidFill>
+            </a:endParaRPr>
+          </a:p>
+        </p:txBody>
+      </p:sp>
+    </p:spTree>
+    <p:extLst>
+      <p:ext uri="{BB962C8B-B14F-4D97-AF65-F5344CB8AC3E}">
+        <p14:creationId xmlns:p14="http://schemas.microsoft.com/office/powerpoint/2010/main" val="449758107"/>
+      </p:ext>
+    </p:extLst>
+  </p:cSld>
+  <p:clrMapOvr>
+    <a:masterClrMapping/>
+  </p:clrMapOvr>
+  <mc:AlternateContent xmlns:mc="http://schemas.openxmlformats.org/markup-compatibility/2006" xmlns:p14="http://schemas.microsoft.com/office/powerpoint/2010/main">
+    <mc:Choice Requires="p14">
+      <p:transition spd="slow" p14:dur="2000"/>
+    </mc:Choice>
+    <mc:Fallback xmlns="">
+      <p:transition spd="slow"/>
+    </mc:Fallback>
+  </mc:AlternateContent>
+  <p:timing>
+    <p:tnLst>
+      <p:par>
+        <p:cTn id="1" dur="indefinite" restart="never" nodeType="tmRoot"/>
+      </p:par>
+    </p:tnLst>
+  </p:timing>
+</p:sld>
+</file>
+
+<file path=ppt/slides/slide27.xml><?xml version="1.0" encoding="utf-8"?>
+<p:sld xmlns:a="http://schemas.openxmlformats.org/drawingml/2006/main" xmlns:r="http://schemas.openxmlformats.org/officeDocument/2006/relationships" xmlns:p="http://schemas.openxmlformats.org/presentationml/2006/main">
+  <p:cSld>
+    <p:spTree>
+      <p:nvGrpSpPr>
+        <p:cNvPr id="1" name=""/>
+        <p:cNvGrpSpPr/>
+        <p:nvPr/>
+      </p:nvGrpSpPr>
+      <p:grpSpPr>
+        <a:xfrm>
+          <a:off x="0" y="0"/>
+          <a:ext cx="0" cy="0"/>
+          <a:chOff x="0" y="0"/>
+          <a:chExt cx="0" cy="0"/>
+        </a:xfrm>
+      </p:grpSpPr>
+      <p:sp>
+        <p:nvSpPr>
+          <p:cNvPr id="2" name="Title 1"/>
+          <p:cNvSpPr>
+            <a:spLocks noGrp="1"/>
+          </p:cNvSpPr>
+          <p:nvPr>
+            <p:ph type="title"/>
+          </p:nvPr>
+        </p:nvSpPr>
+        <p:spPr>
+          <a:xfrm>
+            <a:off x="457200" y="685800"/>
+            <a:ext cx="8610600" cy="1143000"/>
+          </a:xfrm>
+        </p:spPr>
+        <p:txBody>
+          <a:bodyPr>
+            <a:normAutofit/>
+          </a:bodyPr>
+          <a:lstStyle/>
+          <a:p>
+            <a:pPr algn="l"/>
+            <a:r>
+              <a:rPr lang="en-US" sz="3000" dirty="0" smtClean="0">
+                <a:solidFill>
+                  <a:schemeClr val="accent6"/>
+                </a:solidFill>
+              </a:rPr>
+              <a:t>jQuery</a:t>
+            </a:r>
+            <a:r>
+              <a:rPr lang="bg-BG" sz="3000" dirty="0" smtClean="0">
+                <a:solidFill>
+                  <a:schemeClr val="accent6"/>
+                </a:solidFill>
+              </a:rPr>
+              <a:t> – други функции</a:t>
+            </a:r>
+            <a:endParaRPr lang="bg-BG" sz="3000" dirty="0">
+              <a:solidFill>
+                <a:schemeClr val="accent6"/>
+              </a:solidFill>
+            </a:endParaRPr>
+          </a:p>
+        </p:txBody>
+      </p:sp>
+      <p:sp>
+        <p:nvSpPr>
+          <p:cNvPr id="3" name="Content Placeholder 2"/>
+          <p:cNvSpPr>
+            <a:spLocks noGrp="1"/>
+          </p:cNvSpPr>
+          <p:nvPr>
+            <p:ph idx="1"/>
+          </p:nvPr>
+        </p:nvSpPr>
+        <p:spPr/>
+        <p:txBody>
+          <a:bodyPr>
+            <a:normAutofit/>
+          </a:bodyPr>
+          <a:lstStyle/>
+          <a:p>
+            <a:pPr>
+              <a:buFontTx/>
+              <a:buChar char="-"/>
+            </a:pPr>
+            <a:r>
+              <a:rPr lang="en-US" sz="2500" dirty="0" err="1" smtClean="0">
+                <a:solidFill>
+                  <a:schemeClr val="bg1"/>
+                </a:solidFill>
+              </a:rPr>
+              <a:t>eq</a:t>
+            </a:r>
+            <a:r>
+              <a:rPr lang="en-US" sz="2500" dirty="0" smtClean="0">
+                <a:solidFill>
+                  <a:schemeClr val="bg1"/>
+                </a:solidFill>
+              </a:rPr>
+              <a:t>() </a:t>
+            </a:r>
+            <a:r>
+              <a:rPr lang="bg-BG" sz="2500" dirty="0" smtClean="0">
+                <a:solidFill>
+                  <a:schemeClr val="bg1"/>
+                </a:solidFill>
+              </a:rPr>
+              <a:t>– връща елемента с определен индекс, като индексът се поставя в скобите.</a:t>
+            </a:r>
+          </a:p>
+          <a:p>
+            <a:pPr>
+              <a:buFontTx/>
+              <a:buChar char="-"/>
+            </a:pPr>
+            <a:r>
+              <a:rPr lang="en-US" sz="2500" dirty="0" smtClean="0">
+                <a:solidFill>
+                  <a:schemeClr val="bg1"/>
+                </a:solidFill>
+              </a:rPr>
+              <a:t>not() </a:t>
+            </a:r>
+            <a:r>
+              <a:rPr lang="bg-BG" sz="2500" dirty="0" smtClean="0">
+                <a:solidFill>
+                  <a:schemeClr val="bg1"/>
+                </a:solidFill>
+              </a:rPr>
+              <a:t>– връща елемент, но го филтрира по това да НЕ съдържа даден </a:t>
+            </a:r>
+            <a:r>
+              <a:rPr lang="en-US" sz="2500" dirty="0" smtClean="0">
+                <a:solidFill>
+                  <a:schemeClr val="bg1"/>
+                </a:solidFill>
+              </a:rPr>
+              <a:t>class/id/attribute</a:t>
+            </a:r>
+          </a:p>
+          <a:p>
+            <a:pPr>
+              <a:buFontTx/>
+              <a:buChar char="-"/>
+            </a:pPr>
+            <a:r>
+              <a:rPr lang="en-US" sz="2500" dirty="0" smtClean="0">
+                <a:solidFill>
+                  <a:schemeClr val="bg1"/>
+                </a:solidFill>
+              </a:rPr>
+              <a:t>filter() –</a:t>
+            </a:r>
+            <a:r>
+              <a:rPr lang="bg-BG" sz="2500" dirty="0" smtClean="0">
+                <a:solidFill>
+                  <a:schemeClr val="bg1"/>
+                </a:solidFill>
+              </a:rPr>
+              <a:t> абсолютно аналогично на </a:t>
+            </a:r>
+            <a:r>
+              <a:rPr lang="en-US" sz="2500" dirty="0" smtClean="0">
+                <a:solidFill>
+                  <a:schemeClr val="bg1"/>
+                </a:solidFill>
+              </a:rPr>
+              <a:t>not(), </a:t>
+            </a:r>
+            <a:r>
+              <a:rPr lang="bg-BG" sz="2500" dirty="0" smtClean="0">
+                <a:solidFill>
+                  <a:schemeClr val="bg1"/>
+                </a:solidFill>
+              </a:rPr>
+              <a:t>но обратното – тук се филтрират всички елементи, които имат определен </a:t>
+            </a:r>
+            <a:r>
+              <a:rPr lang="en-US" sz="2500" dirty="0" smtClean="0">
+                <a:solidFill>
+                  <a:schemeClr val="bg1"/>
+                </a:solidFill>
+              </a:rPr>
+              <a:t>class/id/attribute</a:t>
+            </a:r>
+          </a:p>
+        </p:txBody>
+      </p:sp>
+    </p:spTree>
+    <p:extLst>
+      <p:ext uri="{BB962C8B-B14F-4D97-AF65-F5344CB8AC3E}">
+        <p14:creationId xmlns:p14="http://schemas.microsoft.com/office/powerpoint/2010/main" val="866661318"/>
+      </p:ext>
+    </p:extLst>
+  </p:cSld>
+  <p:clrMapOvr>
+    <a:masterClrMapping/>
+  </p:clrMapOvr>
+  <mc:AlternateContent xmlns:mc="http://schemas.openxmlformats.org/markup-compatibility/2006" xmlns:p14="http://schemas.microsoft.com/office/powerpoint/2010/main">
+    <mc:Choice Requires="p14">
+      <p:transition spd="slow" p14:dur="2000"/>
+    </mc:Choice>
+    <mc:Fallback xmlns="">
+      <p:transition spd="slow"/>
+    </mc:Fallback>
+  </mc:AlternateContent>
+  <p:timing>
+    <p:tnLst>
+      <p:par>
+        <p:cTn id="1" dur="indefinite" restart="never" nodeType="tmRoot"/>
+      </p:par>
+    </p:tnLst>
+  </p:timing>
+</p:sld>
+</file>
+
+<file path=ppt/slides/slide28.xml><?xml version="1.0" encoding="utf-8"?>
+<p:sld xmlns:a="http://schemas.openxmlformats.org/drawingml/2006/main" xmlns:r="http://schemas.openxmlformats.org/officeDocument/2006/relationships" xmlns:p="http://schemas.openxmlformats.org/presentationml/2006/main">
+  <p:cSld>
+    <p:spTree>
+      <p:nvGrpSpPr>
+        <p:cNvPr id="1" name=""/>
+        <p:cNvGrpSpPr/>
+        <p:nvPr/>
+      </p:nvGrpSpPr>
+      <p:grpSpPr>
+        <a:xfrm>
+          <a:off x="0" y="0"/>
+          <a:ext cx="0" cy="0"/>
+          <a:chOff x="0" y="0"/>
+          <a:chExt cx="0" cy="0"/>
+        </a:xfrm>
+      </p:grpSpPr>
+      <p:sp>
+        <p:nvSpPr>
+          <p:cNvPr id="2" name="Title 1"/>
+          <p:cNvSpPr>
+            <a:spLocks noGrp="1"/>
+          </p:cNvSpPr>
+          <p:nvPr>
+            <p:ph type="title"/>
+          </p:nvPr>
+        </p:nvSpPr>
+        <p:spPr>
+          <a:xfrm>
+            <a:off x="838200" y="685800"/>
+            <a:ext cx="8229600" cy="1143000"/>
+          </a:xfrm>
+        </p:spPr>
+        <p:txBody>
+          <a:bodyPr/>
+          <a:lstStyle/>
+          <a:p>
+            <a:pPr algn="l"/>
+            <a:r>
+              <a:rPr lang="bg-BG" dirty="0" smtClean="0">
+                <a:solidFill>
+                  <a:schemeClr val="accent6"/>
+                </a:solidFill>
+              </a:rPr>
+              <a:t>Задачи за домашна работа</a:t>
+            </a:r>
+            <a:endParaRPr lang="bg-BG" dirty="0">
+              <a:solidFill>
+                <a:schemeClr val="accent6"/>
+              </a:solidFill>
+            </a:endParaRPr>
+          </a:p>
+        </p:txBody>
+      </p:sp>
+      <p:sp>
+        <p:nvSpPr>
+          <p:cNvPr id="3" name="Content Placeholder 2"/>
+          <p:cNvSpPr>
+            <a:spLocks noGrp="1"/>
+          </p:cNvSpPr>
+          <p:nvPr>
+            <p:ph idx="1"/>
+          </p:nvPr>
+        </p:nvSpPr>
+        <p:spPr>
+          <a:xfrm>
+            <a:off x="762000" y="1676400"/>
+            <a:ext cx="7620000" cy="3810000"/>
+          </a:xfrm>
+        </p:spPr>
+        <p:txBody>
+          <a:bodyPr>
+            <a:noAutofit/>
+          </a:bodyPr>
+          <a:lstStyle/>
+          <a:p>
+            <a:pPr marL="457200" indent="-457200">
+              <a:buAutoNum type="arabicPeriod"/>
+            </a:pPr>
+            <a:r>
+              <a:rPr lang="bg-BG" sz="2000" b="1" dirty="0" smtClean="0">
+                <a:solidFill>
+                  <a:schemeClr val="bg1">
+                    <a:lumMod val="95000"/>
+                  </a:schemeClr>
+                </a:solidFill>
+              </a:rPr>
+              <a:t>Напишете скрипт, който прихваща </a:t>
+            </a:r>
+            <a:r>
+              <a:rPr lang="en-US" sz="2000" b="1" dirty="0" smtClean="0">
+                <a:solidFill>
+                  <a:schemeClr val="bg1">
+                    <a:lumMod val="95000"/>
+                  </a:schemeClr>
+                </a:solidFill>
+              </a:rPr>
+              <a:t>click </a:t>
+            </a:r>
+            <a:r>
+              <a:rPr lang="bg-BG" sz="2000" b="1" dirty="0" smtClean="0">
+                <a:solidFill>
+                  <a:schemeClr val="bg1">
+                    <a:lumMod val="95000"/>
+                  </a:schemeClr>
+                </a:solidFill>
+              </a:rPr>
+              <a:t>събитие на елемент по избор и </a:t>
+            </a:r>
+            <a:r>
+              <a:rPr lang="bg-BG" sz="2000" b="1" dirty="0" smtClean="0">
+                <a:solidFill>
+                  <a:schemeClr val="bg1">
+                    <a:lumMod val="95000"/>
+                  </a:schemeClr>
+                </a:solidFill>
+              </a:rPr>
+              <a:t>скрива</a:t>
+            </a:r>
+            <a:r>
+              <a:rPr lang="en-US" sz="2000" b="1" dirty="0" smtClean="0">
+                <a:solidFill>
+                  <a:schemeClr val="bg1">
+                    <a:lumMod val="95000"/>
+                  </a:schemeClr>
+                </a:solidFill>
+              </a:rPr>
+              <a:t> </a:t>
+            </a:r>
+            <a:r>
+              <a:rPr lang="bg-BG" sz="2000" b="1" dirty="0" smtClean="0">
+                <a:solidFill>
+                  <a:schemeClr val="bg1">
+                    <a:lumMod val="95000"/>
+                  </a:schemeClr>
+                </a:solidFill>
+              </a:rPr>
+              <a:t>или показва друг </a:t>
+            </a:r>
+            <a:r>
+              <a:rPr lang="bg-BG" sz="2000" b="1" dirty="0" smtClean="0">
+                <a:solidFill>
+                  <a:schemeClr val="bg1">
+                    <a:lumMod val="95000"/>
+                  </a:schemeClr>
+                </a:solidFill>
+              </a:rPr>
+              <a:t>елемент(отново по избор</a:t>
+            </a:r>
+            <a:r>
+              <a:rPr lang="bg-BG" sz="2000" b="1" dirty="0" smtClean="0">
+                <a:solidFill>
+                  <a:schemeClr val="bg1">
+                    <a:lumMod val="95000"/>
+                  </a:schemeClr>
+                </a:solidFill>
+              </a:rPr>
+              <a:t>) съответно ако елементът е показан или скрит.</a:t>
+            </a:r>
+            <a:endParaRPr lang="bg-BG" sz="2000" b="1" dirty="0" smtClean="0">
+              <a:solidFill>
+                <a:schemeClr val="bg1">
+                  <a:lumMod val="95000"/>
+                </a:schemeClr>
+              </a:solidFill>
+            </a:endParaRPr>
+          </a:p>
+          <a:p>
+            <a:pPr marL="457200" indent="-457200">
+              <a:buAutoNum type="arabicPeriod"/>
+            </a:pPr>
+            <a:r>
+              <a:rPr lang="bg-BG" sz="2000" b="1" dirty="0" smtClean="0">
+                <a:solidFill>
+                  <a:schemeClr val="bg1">
+                    <a:lumMod val="95000"/>
+                  </a:schemeClr>
+                </a:solidFill>
+              </a:rPr>
+              <a:t>Напишете скрипт, който при зареждане на страницата анимира елемент по избор, като му прилага двойни на началните широчина и височина и </a:t>
+            </a:r>
+            <a:r>
+              <a:rPr lang="en-US" sz="2000" b="1" dirty="0" smtClean="0">
+                <a:solidFill>
+                  <a:schemeClr val="bg1">
+                    <a:lumMod val="95000"/>
+                  </a:schemeClr>
+                </a:solidFill>
+              </a:rPr>
+              <a:t>font-size</a:t>
+            </a:r>
+            <a:r>
+              <a:rPr lang="bg-BG" sz="2000" b="1" dirty="0" smtClean="0">
+                <a:solidFill>
+                  <a:schemeClr val="bg1">
+                    <a:lumMod val="95000"/>
+                  </a:schemeClr>
+                </a:solidFill>
+              </a:rPr>
+              <a:t> и го слайдва до дъното на страницата</a:t>
+            </a:r>
+            <a:r>
+              <a:rPr lang="en-US" sz="2000" b="1" dirty="0" smtClean="0">
+                <a:solidFill>
+                  <a:schemeClr val="bg1">
+                    <a:lumMod val="95000"/>
+                  </a:schemeClr>
+                </a:solidFill>
+              </a:rPr>
+              <a:t>.</a:t>
+            </a:r>
+            <a:endParaRPr lang="bg-BG" sz="2000" b="1" dirty="0" smtClean="0">
+              <a:solidFill>
+                <a:schemeClr val="bg1">
+                  <a:lumMod val="95000"/>
+                </a:schemeClr>
+              </a:solidFill>
+            </a:endParaRPr>
+          </a:p>
+          <a:p>
+            <a:pPr marL="457200" indent="-457200">
+              <a:buAutoNum type="arabicPeriod"/>
+            </a:pPr>
+            <a:r>
+              <a:rPr lang="bg-BG" sz="2000" b="1" dirty="0" smtClean="0">
+                <a:solidFill>
+                  <a:schemeClr val="bg1">
+                    <a:lumMod val="95000"/>
+                  </a:schemeClr>
+                </a:solidFill>
+              </a:rPr>
+              <a:t>Напишете скрипт, който прихваща </a:t>
+            </a:r>
+            <a:r>
+              <a:rPr lang="en-US" sz="2000" b="1" dirty="0" smtClean="0">
+                <a:solidFill>
+                  <a:schemeClr val="bg1">
+                    <a:lumMod val="95000"/>
+                  </a:schemeClr>
+                </a:solidFill>
+              </a:rPr>
+              <a:t>click </a:t>
+            </a:r>
+            <a:r>
+              <a:rPr lang="bg-BG" sz="2000" b="1" dirty="0" smtClean="0">
+                <a:solidFill>
+                  <a:schemeClr val="bg1">
+                    <a:lumMod val="95000"/>
+                  </a:schemeClr>
+                </a:solidFill>
+              </a:rPr>
+              <a:t>събитие на даден елемент и </a:t>
+            </a:r>
+            <a:r>
+              <a:rPr lang="en-US" sz="2000" b="1" dirty="0" err="1" smtClean="0">
+                <a:solidFill>
+                  <a:schemeClr val="bg1">
+                    <a:lumMod val="95000"/>
+                  </a:schemeClr>
+                </a:solidFill>
+              </a:rPr>
+              <a:t>fadeIn</a:t>
+            </a:r>
+            <a:r>
+              <a:rPr lang="bg-BG" sz="2000" b="1" dirty="0" smtClean="0">
+                <a:solidFill>
+                  <a:schemeClr val="bg1">
+                    <a:lumMod val="95000"/>
+                  </a:schemeClr>
+                </a:solidFill>
+              </a:rPr>
+              <a:t>-ва друг.</a:t>
+            </a:r>
+          </a:p>
+          <a:p>
+            <a:pPr marL="457200" indent="-457200">
+              <a:buFont typeface="Arial" panose="020B0604020202020204" pitchFamily="34" charset="0"/>
+              <a:buAutoNum type="arabicPeriod"/>
+            </a:pPr>
+            <a:r>
+              <a:rPr lang="bg-BG" sz="2000" b="1" dirty="0">
+                <a:solidFill>
+                  <a:schemeClr val="bg1">
+                    <a:lumMod val="95000"/>
+                  </a:schemeClr>
+                </a:solidFill>
+              </a:rPr>
+              <a:t>Напишете скрипт, който прихваща </a:t>
+            </a:r>
+            <a:r>
+              <a:rPr lang="en-US" sz="2000" b="1" dirty="0">
+                <a:solidFill>
+                  <a:schemeClr val="bg1">
+                    <a:lumMod val="95000"/>
+                  </a:schemeClr>
+                </a:solidFill>
+              </a:rPr>
+              <a:t>click </a:t>
+            </a:r>
+            <a:r>
+              <a:rPr lang="bg-BG" sz="2000" b="1" dirty="0">
+                <a:solidFill>
+                  <a:schemeClr val="bg1">
+                    <a:lumMod val="95000"/>
+                  </a:schemeClr>
+                </a:solidFill>
+              </a:rPr>
+              <a:t>събитие на даден елемент и </a:t>
+            </a:r>
+            <a:r>
+              <a:rPr lang="en-US" sz="2000" b="1" dirty="0" err="1" smtClean="0">
+                <a:solidFill>
+                  <a:schemeClr val="bg1">
+                    <a:lumMod val="95000"/>
+                  </a:schemeClr>
+                </a:solidFill>
+              </a:rPr>
+              <a:t>fadeOut</a:t>
+            </a:r>
+            <a:r>
+              <a:rPr lang="bg-BG" sz="2000" b="1" dirty="0" smtClean="0">
+                <a:solidFill>
+                  <a:schemeClr val="bg1">
+                    <a:lumMod val="95000"/>
+                  </a:schemeClr>
+                </a:solidFill>
+              </a:rPr>
+              <a:t>-ва </a:t>
+            </a:r>
+            <a:r>
+              <a:rPr lang="bg-BG" sz="2000" b="1" dirty="0">
+                <a:solidFill>
+                  <a:schemeClr val="bg1">
+                    <a:lumMod val="95000"/>
+                  </a:schemeClr>
+                </a:solidFill>
+              </a:rPr>
+              <a:t>друг</a:t>
+            </a:r>
+            <a:r>
+              <a:rPr lang="bg-BG" sz="2000" b="1" dirty="0" smtClean="0">
+                <a:solidFill>
+                  <a:schemeClr val="bg1">
+                    <a:lumMod val="95000"/>
+                  </a:schemeClr>
+                </a:solidFill>
+              </a:rPr>
+              <a:t>.</a:t>
+            </a:r>
+          </a:p>
+          <a:p>
+            <a:pPr marL="457200" indent="-457200">
+              <a:buAutoNum type="arabicPeriod"/>
+            </a:pPr>
+            <a:r>
+              <a:rPr lang="bg-BG" sz="2000" b="1" dirty="0" smtClean="0">
+                <a:solidFill>
+                  <a:schemeClr val="bg1">
+                    <a:lumMod val="95000"/>
+                  </a:schemeClr>
+                </a:solidFill>
+              </a:rPr>
+              <a:t>Напишете скрипт, който прихваща </a:t>
+            </a:r>
+            <a:r>
+              <a:rPr lang="en-US" sz="2000" b="1" dirty="0" smtClean="0">
+                <a:solidFill>
+                  <a:schemeClr val="bg1">
+                    <a:lumMod val="95000"/>
+                  </a:schemeClr>
+                </a:solidFill>
+              </a:rPr>
+              <a:t>click </a:t>
+            </a:r>
+            <a:r>
+              <a:rPr lang="bg-BG" sz="2000" b="1" dirty="0" smtClean="0">
+                <a:solidFill>
+                  <a:schemeClr val="bg1">
+                    <a:lumMod val="95000"/>
+                  </a:schemeClr>
+                </a:solidFill>
+              </a:rPr>
+              <a:t>събитие на елемент по избор и прилага 5 </a:t>
+            </a:r>
+            <a:r>
+              <a:rPr lang="en-US" sz="2000" b="1" dirty="0" smtClean="0">
+                <a:solidFill>
+                  <a:schemeClr val="bg1">
+                    <a:lumMod val="95000"/>
+                  </a:schemeClr>
+                </a:solidFill>
+              </a:rPr>
+              <a:t>CSS </a:t>
+            </a:r>
+            <a:r>
+              <a:rPr lang="bg-BG" sz="2000" b="1" dirty="0" smtClean="0">
+                <a:solidFill>
+                  <a:schemeClr val="bg1">
+                    <a:lumMod val="95000"/>
+                  </a:schemeClr>
+                </a:solidFill>
+              </a:rPr>
+              <a:t>стила по избор на друг елемент.</a:t>
+            </a:r>
+          </a:p>
+        </p:txBody>
+      </p:sp>
+    </p:spTree>
+    <p:extLst>
+      <p:ext uri="{BB962C8B-B14F-4D97-AF65-F5344CB8AC3E}">
+        <p14:creationId xmlns:p14="http://schemas.microsoft.com/office/powerpoint/2010/main" val="3118085067"/>
+      </p:ext>
+    </p:extLst>
+  </p:cSld>
+  <p:clrMapOvr>
+    <a:masterClrMapping/>
+  </p:clrMapOvr>
+  <p:timing>
+    <p:tnLst>
+      <p:par>
+        <p:cTn id="1" dur="indefinite" restart="never" nodeType="tmRoot"/>
+      </p:par>
+    </p:tnLst>
+  </p:timing>
+</p:sld>
+</file>
+
+<file path=ppt/slides/slide29.xml><?xml version="1.0" encoding="utf-8"?>
+<p:sld xmlns:a="http://schemas.openxmlformats.org/drawingml/2006/main" xmlns:r="http://schemas.openxmlformats.org/officeDocument/2006/relationships" xmlns:p="http://schemas.openxmlformats.org/presentationml/2006/main">
+  <p:cSld>
+    <p:spTree>
+      <p:nvGrpSpPr>
+        <p:cNvPr id="1" name=""/>
+        <p:cNvGrpSpPr/>
+        <p:nvPr/>
+      </p:nvGrpSpPr>
+      <p:grpSpPr>
+        <a:xfrm>
+          <a:off x="0" y="0"/>
+          <a:ext cx="0" cy="0"/>
+          <a:chOff x="0" y="0"/>
+          <a:chExt cx="0" cy="0"/>
+        </a:xfrm>
+      </p:grpSpPr>
+      <p:sp>
+        <p:nvSpPr>
+          <p:cNvPr id="2" name="Title 1"/>
+          <p:cNvSpPr>
+            <a:spLocks noGrp="1"/>
+          </p:cNvSpPr>
+          <p:nvPr>
+            <p:ph type="title"/>
+          </p:nvPr>
+        </p:nvSpPr>
+        <p:spPr>
+          <a:xfrm>
+            <a:off x="838200" y="685800"/>
+            <a:ext cx="8229600" cy="1143000"/>
+          </a:xfrm>
+        </p:spPr>
+        <p:txBody>
+          <a:bodyPr/>
+          <a:lstStyle/>
+          <a:p>
+            <a:pPr algn="l"/>
+            <a:r>
+              <a:rPr lang="bg-BG" dirty="0" smtClean="0">
+                <a:solidFill>
+                  <a:schemeClr val="accent6"/>
+                </a:solidFill>
+              </a:rPr>
+              <a:t>Задачи за домашна работа</a:t>
+            </a:r>
+            <a:endParaRPr lang="bg-BG" dirty="0">
+              <a:solidFill>
+                <a:schemeClr val="accent6"/>
+              </a:solidFill>
+            </a:endParaRPr>
+          </a:p>
+        </p:txBody>
+      </p:sp>
+      <p:sp>
+        <p:nvSpPr>
+          <p:cNvPr id="3" name="Content Placeholder 2"/>
+          <p:cNvSpPr>
+            <a:spLocks noGrp="1"/>
+          </p:cNvSpPr>
+          <p:nvPr>
+            <p:ph idx="1"/>
+          </p:nvPr>
+        </p:nvSpPr>
+        <p:spPr>
+          <a:xfrm>
+            <a:off x="762000" y="1676400"/>
+            <a:ext cx="7620000" cy="3810000"/>
+          </a:xfrm>
+        </p:spPr>
+        <p:txBody>
+          <a:bodyPr>
+            <a:noAutofit/>
+          </a:bodyPr>
+          <a:lstStyle/>
+          <a:p>
+            <a:pPr marL="457200" indent="-457200">
+              <a:buFont typeface="+mj-lt"/>
+              <a:buAutoNum type="arabicPeriod" startAt="6"/>
+            </a:pPr>
+            <a:r>
+              <a:rPr lang="bg-BG" sz="2000" b="1" dirty="0">
+                <a:solidFill>
+                  <a:schemeClr val="bg1">
+                    <a:lumMod val="95000"/>
+                  </a:schemeClr>
+                </a:solidFill>
+              </a:rPr>
+              <a:t>Напишете скрипт, който прихваща </a:t>
+            </a:r>
+            <a:r>
+              <a:rPr lang="en-US" sz="2000" b="1" dirty="0">
+                <a:solidFill>
+                  <a:schemeClr val="bg1">
+                    <a:lumMod val="95000"/>
+                  </a:schemeClr>
+                </a:solidFill>
+              </a:rPr>
+              <a:t>hover </a:t>
+            </a:r>
+            <a:r>
+              <a:rPr lang="bg-BG" sz="2000" b="1" dirty="0">
+                <a:solidFill>
+                  <a:schemeClr val="bg1">
+                    <a:lumMod val="95000"/>
+                  </a:schemeClr>
+                </a:solidFill>
+              </a:rPr>
+              <a:t>събитие на даден елемент и го </a:t>
+            </a:r>
+            <a:r>
+              <a:rPr lang="en-US" sz="2000" b="1" dirty="0" err="1">
+                <a:solidFill>
+                  <a:schemeClr val="bg1">
+                    <a:lumMod val="95000"/>
+                  </a:schemeClr>
+                </a:solidFill>
+              </a:rPr>
+              <a:t>slideUp</a:t>
+            </a:r>
+            <a:r>
+              <a:rPr lang="bg-BG" sz="2000" b="1" dirty="0">
+                <a:solidFill>
+                  <a:schemeClr val="bg1">
+                    <a:lumMod val="95000"/>
+                  </a:schemeClr>
+                </a:solidFill>
+              </a:rPr>
+              <a:t>-ва.</a:t>
+            </a:r>
+          </a:p>
+          <a:p>
+            <a:pPr marL="457200" indent="-457200">
+              <a:buAutoNum type="arabicPeriod" startAt="6"/>
+            </a:pPr>
+            <a:r>
+              <a:rPr lang="bg-BG" sz="2000" b="1" dirty="0">
+                <a:solidFill>
+                  <a:schemeClr val="bg1">
+                    <a:lumMod val="95000"/>
+                  </a:schemeClr>
+                </a:solidFill>
+              </a:rPr>
+              <a:t>Напишете скрипт, който прихваща </a:t>
+            </a:r>
+            <a:r>
+              <a:rPr lang="en-US" sz="2000" b="1" dirty="0">
+                <a:solidFill>
+                  <a:schemeClr val="bg1">
+                    <a:lumMod val="95000"/>
+                  </a:schemeClr>
+                </a:solidFill>
+              </a:rPr>
+              <a:t>hover </a:t>
+            </a:r>
+            <a:r>
+              <a:rPr lang="bg-BG" sz="2000" b="1" dirty="0">
+                <a:solidFill>
+                  <a:schemeClr val="bg1">
+                    <a:lumMod val="95000"/>
+                  </a:schemeClr>
+                </a:solidFill>
+              </a:rPr>
+              <a:t>събитие на даден елемент и го </a:t>
+            </a:r>
+            <a:r>
+              <a:rPr lang="en-US" sz="2000" b="1" dirty="0" err="1">
+                <a:solidFill>
+                  <a:schemeClr val="bg1">
+                    <a:lumMod val="95000"/>
+                  </a:schemeClr>
+                </a:solidFill>
+              </a:rPr>
+              <a:t>slideDown</a:t>
+            </a:r>
+            <a:r>
+              <a:rPr lang="en-US" sz="2000" b="1" dirty="0">
+                <a:solidFill>
+                  <a:schemeClr val="bg1">
+                    <a:lumMod val="95000"/>
+                  </a:schemeClr>
+                </a:solidFill>
+              </a:rPr>
+              <a:t>-</a:t>
+            </a:r>
+            <a:r>
+              <a:rPr lang="bg-BG" sz="2000" b="1" dirty="0">
+                <a:solidFill>
+                  <a:schemeClr val="bg1">
+                    <a:lumMod val="95000"/>
+                  </a:schemeClr>
+                </a:solidFill>
+              </a:rPr>
+              <a:t>ва.</a:t>
+            </a:r>
+          </a:p>
+          <a:p>
+            <a:pPr marL="457200" indent="-457200">
+              <a:buAutoNum type="arabicPeriod" startAt="6"/>
+            </a:pPr>
+            <a:r>
+              <a:rPr lang="bg-BG" sz="2000" b="1" dirty="0">
+                <a:solidFill>
+                  <a:schemeClr val="bg1">
+                    <a:lumMod val="95000"/>
+                  </a:schemeClr>
+                </a:solidFill>
+              </a:rPr>
+              <a:t>Напишете скрипт, който прихваща </a:t>
+            </a:r>
+            <a:r>
+              <a:rPr lang="en-US" sz="2000" b="1" dirty="0">
+                <a:solidFill>
+                  <a:schemeClr val="bg1">
+                    <a:lumMod val="95000"/>
+                  </a:schemeClr>
+                </a:solidFill>
+              </a:rPr>
+              <a:t>hover </a:t>
+            </a:r>
+            <a:r>
+              <a:rPr lang="bg-BG" sz="2000" b="1" dirty="0">
+                <a:solidFill>
+                  <a:schemeClr val="bg1">
+                    <a:lumMod val="95000"/>
+                  </a:schemeClr>
+                </a:solidFill>
+              </a:rPr>
+              <a:t>събитие на даден елемент и го </a:t>
+            </a:r>
+            <a:r>
+              <a:rPr lang="en-US" sz="2000" b="1" dirty="0" err="1">
+                <a:solidFill>
+                  <a:schemeClr val="bg1">
+                    <a:lumMod val="95000"/>
+                  </a:schemeClr>
+                </a:solidFill>
+              </a:rPr>
+              <a:t>toggleSlide</a:t>
+            </a:r>
+            <a:r>
+              <a:rPr lang="en-US" sz="2000" b="1" dirty="0">
+                <a:solidFill>
+                  <a:schemeClr val="bg1">
+                    <a:lumMod val="95000"/>
+                  </a:schemeClr>
+                </a:solidFill>
+              </a:rPr>
+              <a:t>-</a:t>
+            </a:r>
+            <a:r>
+              <a:rPr lang="bg-BG" sz="2000" b="1" dirty="0">
+                <a:solidFill>
+                  <a:schemeClr val="bg1">
+                    <a:lumMod val="95000"/>
+                  </a:schemeClr>
+                </a:solidFill>
+              </a:rPr>
+              <a:t>ва</a:t>
+            </a:r>
+            <a:r>
+              <a:rPr lang="bg-BG" sz="2000" b="1" dirty="0" smtClean="0">
+                <a:solidFill>
+                  <a:schemeClr val="bg1">
+                    <a:lumMod val="95000"/>
+                  </a:schemeClr>
+                </a:solidFill>
+              </a:rPr>
+              <a:t>.</a:t>
+            </a:r>
+            <a:endParaRPr lang="en-US" sz="2000" b="1" dirty="0">
+              <a:solidFill>
+                <a:schemeClr val="bg1">
+                  <a:lumMod val="95000"/>
+                </a:schemeClr>
+              </a:solidFill>
+            </a:endParaRPr>
+          </a:p>
+        </p:txBody>
+      </p:sp>
+    </p:spTree>
+    <p:extLst>
+      <p:ext uri="{BB962C8B-B14F-4D97-AF65-F5344CB8AC3E}">
+        <p14:creationId xmlns:p14="http://schemas.microsoft.com/office/powerpoint/2010/main" val="4024493578"/>
       </p:ext>
     </p:extLst>
   </p:cSld>
@@ -8088,7 +12194,7 @@
         </p:nvSpPr>
         <p:spPr>
           <a:xfrm>
-            <a:off x="457200" y="1447800"/>
+            <a:off x="466725" y="1524000"/>
             <a:ext cx="8229600" cy="5029200"/>
           </a:xfrm>
         </p:spPr>

--- a/11-jQuery.pptx
+++ b/11-jQuery.pptx
@@ -248,7 +248,7 @@
           <a:p>
             <a:fld id="{2E054F57-E93D-4CC3-8A27-2F256E70BB98}" type="datetimeFigureOut">
               <a:rPr lang="en-US" smtClean="0"/>
-              <a:t>09 Sep 15</a:t>
+              <a:t>11 Sep 15</a:t>
             </a:fld>
             <a:endParaRPr lang="en-US"/>
           </a:p>
@@ -697,7 +697,7 @@
           <a:p>
             <a:fld id="{3EA744D9-3FBE-48D8-BF2A-85DF203E4D20}" type="datetimeFigureOut">
               <a:rPr lang="bg-BG" smtClean="0"/>
-              <a:t>9.9.2015 г.</a:t>
+              <a:t>11.9.2015 г.</a:t>
             </a:fld>
             <a:endParaRPr lang="bg-BG"/>
           </a:p>
@@ -867,7 +867,7 @@
           <a:p>
             <a:fld id="{3EA744D9-3FBE-48D8-BF2A-85DF203E4D20}" type="datetimeFigureOut">
               <a:rPr lang="bg-BG" smtClean="0"/>
-              <a:t>9.9.2015 г.</a:t>
+              <a:t>11.9.2015 г.</a:t>
             </a:fld>
             <a:endParaRPr lang="bg-BG"/>
           </a:p>
@@ -1047,7 +1047,7 @@
           <a:p>
             <a:fld id="{3EA744D9-3FBE-48D8-BF2A-85DF203E4D20}" type="datetimeFigureOut">
               <a:rPr lang="bg-BG" smtClean="0"/>
-              <a:t>9.9.2015 г.</a:t>
+              <a:t>11.9.2015 г.</a:t>
             </a:fld>
             <a:endParaRPr lang="bg-BG"/>
           </a:p>
@@ -1217,7 +1217,7 @@
           <a:p>
             <a:fld id="{3EA744D9-3FBE-48D8-BF2A-85DF203E4D20}" type="datetimeFigureOut">
               <a:rPr lang="bg-BG" smtClean="0"/>
-              <a:t>9.9.2015 г.</a:t>
+              <a:t>11.9.2015 г.</a:t>
             </a:fld>
             <a:endParaRPr lang="bg-BG"/>
           </a:p>
@@ -1463,7 +1463,7 @@
           <a:p>
             <a:fld id="{3EA744D9-3FBE-48D8-BF2A-85DF203E4D20}" type="datetimeFigureOut">
               <a:rPr lang="bg-BG" smtClean="0"/>
-              <a:t>9.9.2015 г.</a:t>
+              <a:t>11.9.2015 г.</a:t>
             </a:fld>
             <a:endParaRPr lang="bg-BG"/>
           </a:p>
@@ -1751,7 +1751,7 @@
           <a:p>
             <a:fld id="{3EA744D9-3FBE-48D8-BF2A-85DF203E4D20}" type="datetimeFigureOut">
               <a:rPr lang="bg-BG" smtClean="0"/>
-              <a:t>9.9.2015 г.</a:t>
+              <a:t>11.9.2015 г.</a:t>
             </a:fld>
             <a:endParaRPr lang="bg-BG"/>
           </a:p>
@@ -2173,7 +2173,7 @@
           <a:p>
             <a:fld id="{3EA744D9-3FBE-48D8-BF2A-85DF203E4D20}" type="datetimeFigureOut">
               <a:rPr lang="bg-BG" smtClean="0"/>
-              <a:t>9.9.2015 г.</a:t>
+              <a:t>11.9.2015 г.</a:t>
             </a:fld>
             <a:endParaRPr lang="bg-BG"/>
           </a:p>
@@ -2291,7 +2291,7 @@
           <a:p>
             <a:fld id="{3EA744D9-3FBE-48D8-BF2A-85DF203E4D20}" type="datetimeFigureOut">
               <a:rPr lang="bg-BG" smtClean="0"/>
-              <a:t>9.9.2015 г.</a:t>
+              <a:t>11.9.2015 г.</a:t>
             </a:fld>
             <a:endParaRPr lang="bg-BG"/>
           </a:p>
@@ -2386,7 +2386,7 @@
           <a:p>
             <a:fld id="{3EA744D9-3FBE-48D8-BF2A-85DF203E4D20}" type="datetimeFigureOut">
               <a:rPr lang="bg-BG" smtClean="0"/>
-              <a:t>9.9.2015 г.</a:t>
+              <a:t>11.9.2015 г.</a:t>
             </a:fld>
             <a:endParaRPr lang="bg-BG"/>
           </a:p>
@@ -2663,7 +2663,7 @@
           <a:p>
             <a:fld id="{3EA744D9-3FBE-48D8-BF2A-85DF203E4D20}" type="datetimeFigureOut">
               <a:rPr lang="bg-BG" smtClean="0"/>
-              <a:t>9.9.2015 г.</a:t>
+              <a:t>11.9.2015 г.</a:t>
             </a:fld>
             <a:endParaRPr lang="bg-BG"/>
           </a:p>
@@ -2916,7 +2916,7 @@
           <a:p>
             <a:fld id="{3EA744D9-3FBE-48D8-BF2A-85DF203E4D20}" type="datetimeFigureOut">
               <a:rPr lang="bg-BG" smtClean="0"/>
-              <a:t>9.9.2015 г.</a:t>
+              <a:t>11.9.2015 г.</a:t>
             </a:fld>
             <a:endParaRPr lang="bg-BG"/>
           </a:p>
@@ -3138,7 +3138,7 @@
           <a:p>
             <a:fld id="{3EA744D9-3FBE-48D8-BF2A-85DF203E4D20}" type="datetimeFigureOut">
               <a:rPr lang="bg-BG" smtClean="0"/>
-              <a:t>9.9.2015 г.</a:t>
+              <a:t>11.9.2015 г.</a:t>
             </a:fld>
             <a:endParaRPr lang="bg-BG"/>
           </a:p>
@@ -5236,7 +5236,17 @@
                 <a:latin typeface="Courier New" panose="02070309020205020404" pitchFamily="49" charset="0"/>
                 <a:cs typeface="Courier New" panose="02070309020205020404" pitchFamily="49" charset="0"/>
               </a:rPr>
-              <a:t>$(‘div’).animate({top: ‘200px</a:t>
+              <a:t>$(‘div’).animate({top: ‘200px’}, 500).</a:t>
+            </a:r>
+            <a:r>
+              <a:rPr lang="en-US" sz="1800" dirty="0" err="1" smtClean="0">
+                <a:solidFill>
+                  <a:schemeClr val="bg1"/>
+                </a:solidFill>
+                <a:latin typeface="Courier New" panose="02070309020205020404" pitchFamily="49" charset="0"/>
+                <a:cs typeface="Courier New" panose="02070309020205020404" pitchFamily="49" charset="0"/>
+              </a:rPr>
+              <a:t>slideUp</a:t>
             </a:r>
             <a:r>
               <a:rPr lang="en-US" sz="1800" dirty="0" smtClean="0">
@@ -5246,7 +5256,7 @@
                 <a:latin typeface="Courier New" panose="02070309020205020404" pitchFamily="49" charset="0"/>
                 <a:cs typeface="Courier New" panose="02070309020205020404" pitchFamily="49" charset="0"/>
               </a:rPr>
-              <a:t>’}, 500).</a:t>
+              <a:t>(1000).</a:t>
             </a:r>
             <a:r>
               <a:rPr lang="en-US" sz="1800" dirty="0" err="1" smtClean="0">
@@ -5256,7 +5266,7 @@
                 <a:latin typeface="Courier New" panose="02070309020205020404" pitchFamily="49" charset="0"/>
                 <a:cs typeface="Courier New" panose="02070309020205020404" pitchFamily="49" charset="0"/>
               </a:rPr>
-              <a:t>slideUp</a:t>
+              <a:t>slideDown</a:t>
             </a:r>
             <a:r>
               <a:rPr lang="en-US" sz="1800" dirty="0" smtClean="0">
@@ -5266,47 +5276,7 @@
                 <a:latin typeface="Courier New" panose="02070309020205020404" pitchFamily="49" charset="0"/>
                 <a:cs typeface="Courier New" panose="02070309020205020404" pitchFamily="49" charset="0"/>
               </a:rPr>
-              <a:t>(1000</a:t>
-            </a:r>
-            <a:r>
-              <a:rPr lang="en-US" sz="1800" dirty="0" smtClean="0">
-                <a:solidFill>
-                  <a:schemeClr val="bg1"/>
-                </a:solidFill>
-                <a:latin typeface="Courier New" panose="02070309020205020404" pitchFamily="49" charset="0"/>
-                <a:cs typeface="Courier New" panose="02070309020205020404" pitchFamily="49" charset="0"/>
-              </a:rPr>
-              <a:t>).</a:t>
-            </a:r>
-            <a:r>
-              <a:rPr lang="en-US" sz="1800" dirty="0" err="1" smtClean="0">
-                <a:solidFill>
-                  <a:schemeClr val="bg1"/>
-                </a:solidFill>
-                <a:latin typeface="Courier New" panose="02070309020205020404" pitchFamily="49" charset="0"/>
-                <a:cs typeface="Courier New" panose="02070309020205020404" pitchFamily="49" charset="0"/>
-              </a:rPr>
-              <a:t>slideDown</a:t>
-            </a:r>
-            <a:r>
-              <a:rPr lang="en-US" sz="1800" dirty="0" smtClean="0">
-                <a:solidFill>
-                  <a:schemeClr val="bg1"/>
-                </a:solidFill>
-                <a:latin typeface="Courier New" panose="02070309020205020404" pitchFamily="49" charset="0"/>
-                <a:cs typeface="Courier New" panose="02070309020205020404" pitchFamily="49" charset="0"/>
-              </a:rPr>
-              <a:t>(2000</a:t>
-            </a:r>
-            <a:r>
-              <a:rPr lang="en-US" sz="1800" dirty="0" smtClean="0">
-                <a:solidFill>
-                  <a:schemeClr val="bg1"/>
-                </a:solidFill>
-                <a:latin typeface="Courier New" panose="02070309020205020404" pitchFamily="49" charset="0"/>
-                <a:cs typeface="Courier New" panose="02070309020205020404" pitchFamily="49" charset="0"/>
-              </a:rPr>
-              <a:t>);</a:t>
+              <a:t>(2000);</a:t>
             </a:r>
           </a:p>
           <a:p>
@@ -5777,25 +5747,8 @@
                 <a:latin typeface="Courier New" panose="02070309020205020404" pitchFamily="49" charset="0"/>
                 <a:cs typeface="Courier New" panose="02070309020205020404" pitchFamily="49" charset="0"/>
               </a:rPr>
-              <a:t>стойност</a:t>
-            </a:r>
-            <a:r>
-              <a:rPr lang="bg-BG" sz="1800" dirty="0" smtClean="0">
-                <a:solidFill>
-                  <a:schemeClr val="bg1"/>
-                </a:solidFill>
-                <a:latin typeface="Courier New" panose="02070309020205020404" pitchFamily="49" charset="0"/>
-                <a:cs typeface="Courier New" panose="02070309020205020404" pitchFamily="49" charset="0"/>
-              </a:rPr>
-              <a:t>‘</a:t>
-            </a:r>
-            <a:endParaRPr lang="bg-BG" sz="1800" dirty="0" smtClean="0">
-              <a:solidFill>
-                <a:schemeClr val="bg1"/>
-              </a:solidFill>
-              <a:latin typeface="Courier New" panose="02070309020205020404" pitchFamily="49" charset="0"/>
-              <a:cs typeface="Courier New" panose="02070309020205020404" pitchFamily="49" charset="0"/>
-            </a:endParaRPr>
+              <a:t>стойност‘</a:t>
+            </a:r>
           </a:p>
           <a:p>
             <a:pPr marL="0" indent="0">
@@ -6224,17 +6177,27 @@
                 <a:latin typeface="+mj-lt"/>
                 <a:cs typeface="Courier New" panose="02070309020205020404" pitchFamily="49" charset="0"/>
               </a:rPr>
-              <a:t> метода, можем да вземем текстовото съдържание на елемента, който достъпваме(ако има такова) или на първия му </a:t>
-            </a:r>
-            <a:r>
-              <a:rPr lang="en-US" sz="2500" dirty="0" smtClean="0">
-                <a:solidFill>
-                  <a:schemeClr val="bg1"/>
-                </a:solidFill>
-                <a:latin typeface="+mj-lt"/>
-                <a:cs typeface="Courier New" panose="02070309020205020404" pitchFamily="49" charset="0"/>
-              </a:rPr>
-              <a:t>child.</a:t>
+              <a:t> метода, можем да вземем текстовото съдържание на елемента, който достъпваме(ако има </a:t>
+            </a:r>
+            <a:r>
+              <a:rPr lang="bg-BG" sz="2500" dirty="0" smtClean="0">
+                <a:solidFill>
+                  <a:schemeClr val="bg1"/>
+                </a:solidFill>
+                <a:latin typeface="+mj-lt"/>
+                <a:cs typeface="Courier New" panose="02070309020205020404" pitchFamily="49" charset="0"/>
+              </a:rPr>
+              <a:t>такова</a:t>
+            </a:r>
+            <a:r>
+              <a:rPr lang="en-US" sz="2500" smtClean="0">
+                <a:solidFill>
+                  <a:schemeClr val="bg1"/>
+                </a:solidFill>
+                <a:latin typeface="+mj-lt"/>
+                <a:cs typeface="Courier New" panose="02070309020205020404" pitchFamily="49" charset="0"/>
+              </a:rPr>
+              <a:t>).</a:t>
             </a:r>
             <a:endParaRPr lang="bg-BG" sz="2500" dirty="0" smtClean="0">
               <a:solidFill>
@@ -10218,65 +10181,28 @@
                   </a:schemeClr>
                 </a:solidFill>
               </a:rPr>
-              <a:t>събитие на елемент по избор и </a:t>
-            </a:r>
-            <a:r>
-              <a:rPr lang="bg-BG" sz="2000" b="1" dirty="0" smtClean="0">
+              <a:t>събитие на елемент по избор и скрива</a:t>
+            </a:r>
+            <a:r>
+              <a:rPr lang="en-US" sz="2000" b="1" dirty="0" smtClean="0">
                 <a:solidFill>
                   <a:schemeClr val="bg1">
                     <a:lumMod val="95000"/>
                   </a:schemeClr>
                 </a:solidFill>
               </a:rPr>
-              <a:t>скрива</a:t>
-            </a:r>
-            <a:r>
-              <a:rPr lang="en-US" sz="2000" b="1" dirty="0" smtClean="0">
+              <a:t> </a:t>
+            </a:r>
+            <a:r>
+              <a:rPr lang="bg-BG" sz="2000" b="1" dirty="0" smtClean="0">
                 <a:solidFill>
                   <a:schemeClr val="bg1">
                     <a:lumMod val="95000"/>
                   </a:schemeClr>
                 </a:solidFill>
               </a:rPr>
-              <a:t> </a:t>
-            </a:r>
-            <a:r>
-              <a:rPr lang="bg-BG" sz="2000" b="1" dirty="0" smtClean="0">
-                <a:solidFill>
-                  <a:schemeClr val="bg1">
-                    <a:lumMod val="95000"/>
-                  </a:schemeClr>
-                </a:solidFill>
-              </a:rPr>
-              <a:t>или показва друг </a:t>
-            </a:r>
-            <a:r>
-              <a:rPr lang="bg-BG" sz="2000" b="1" dirty="0" smtClean="0">
-                <a:solidFill>
-                  <a:schemeClr val="bg1">
-                    <a:lumMod val="95000"/>
-                  </a:schemeClr>
-                </a:solidFill>
-              </a:rPr>
-              <a:t>елемент(отново по избор</a:t>
-            </a:r>
-            <a:r>
-              <a:rPr lang="bg-BG" sz="2000" b="1" dirty="0" smtClean="0">
-                <a:solidFill>
-                  <a:schemeClr val="bg1">
-                    <a:lumMod val="95000"/>
-                  </a:schemeClr>
-                </a:solidFill>
-              </a:rPr>
-              <a:t>) съответно ако елементът е показан или скрит.</a:t>
-            </a:r>
-            <a:endParaRPr lang="bg-BG" sz="2000" b="1" dirty="0" smtClean="0">
-              <a:solidFill>
-                <a:schemeClr val="bg1">
-                  <a:lumMod val="95000"/>
-                </a:schemeClr>
-              </a:solidFill>
-            </a:endParaRPr>
+              <a:t>или показва друг елемент(отново по избор) съответно ако елементът е показан или скрит.</a:t>
+            </a:r>
           </a:p>
           <a:p>
             <a:pPr marL="457200" indent="-457200">

--- a/11-jQuery.pptx
+++ b/11-jQuery.pptx
@@ -6190,7 +6190,7 @@
               <a:t>такова</a:t>
             </a:r>
             <a:r>
-              <a:rPr lang="en-US" sz="2500" smtClean="0">
+              <a:rPr lang="en-US" sz="2500" dirty="0" smtClean="0">
                 <a:solidFill>
                   <a:schemeClr val="bg1"/>
                 </a:solidFill>
@@ -8126,13 +8126,8 @@
                 <a:latin typeface="Courier New" panose="02070309020205020404" pitchFamily="49" charset="0"/>
                 <a:cs typeface="Courier New" panose="02070309020205020404" pitchFamily="49" charset="0"/>
               </a:rPr>
-              <a:t>(‘active’);</a:t>
-            </a:r>
-          </a:p>
-          <a:p>
-            <a:pPr marL="0" indent="0">
-              <a:buNone/>
-            </a:pPr>
+              <a:t>(‘active</a:t>
+            </a:r>
             <a:r>
               <a:rPr lang="en-US" sz="1800" dirty="0" smtClean="0">
                 <a:solidFill>
@@ -8141,6 +8136,21 @@
                 <a:latin typeface="Courier New" panose="02070309020205020404" pitchFamily="49" charset="0"/>
                 <a:cs typeface="Courier New" panose="02070309020205020404" pitchFamily="49" charset="0"/>
               </a:rPr>
+              <a:t>’);</a:t>
+            </a:r>
+          </a:p>
+          <a:p>
+            <a:pPr marL="0" indent="0">
+              <a:buNone/>
+            </a:pPr>
+            <a:r>
+              <a:rPr lang="en-US" sz="1800" dirty="0" smtClean="0">
+                <a:solidFill>
+                  <a:schemeClr val="bg1"/>
+                </a:solidFill>
+                <a:latin typeface="Courier New" panose="02070309020205020404" pitchFamily="49" charset="0"/>
+                <a:cs typeface="Courier New" panose="02070309020205020404" pitchFamily="49" charset="0"/>
+              </a:rPr>
               <a:t>$(‘.article’).</a:t>
             </a:r>
             <a:r>
@@ -8161,7 +8171,17 @@
                 <a:latin typeface="Courier New" panose="02070309020205020404" pitchFamily="49" charset="0"/>
                 <a:cs typeface="Courier New" panose="02070309020205020404" pitchFamily="49" charset="0"/>
               </a:rPr>
-              <a:t>(‘active’);</a:t>
+              <a:t>(‘active</a:t>
+            </a:r>
+            <a:r>
+              <a:rPr lang="en-US" sz="1800" dirty="0" smtClean="0">
+                <a:solidFill>
+                  <a:schemeClr val="bg1"/>
+                </a:solidFill>
+                <a:latin typeface="Courier New" panose="02070309020205020404" pitchFamily="49" charset="0"/>
+                <a:cs typeface="Courier New" panose="02070309020205020404" pitchFamily="49" charset="0"/>
+              </a:rPr>
+              <a:t>’);</a:t>
             </a:r>
           </a:p>
           <a:p>
